--- a/dockerVolume.pptx
+++ b/dockerVolume.pptx
@@ -5,7 +5,7 @@
     <p:sldMasterId id="2147483660" r:id="rId1"/>
   </p:sldMasterIdLst>
   <p:notesMasterIdLst>
-    <p:notesMasterId r:id="rId25"/>
+    <p:notesMasterId r:id="rId26"/>
   </p:notesMasterIdLst>
   <p:sldIdLst>
     <p:sldId id="256" r:id="rId2"/>
@@ -25,12 +25,13 @@
     <p:sldId id="295" r:id="rId16"/>
     <p:sldId id="269" r:id="rId17"/>
     <p:sldId id="296" r:id="rId18"/>
-    <p:sldId id="297" r:id="rId19"/>
-    <p:sldId id="278" r:id="rId20"/>
-    <p:sldId id="277" r:id="rId21"/>
-    <p:sldId id="298" r:id="rId22"/>
-    <p:sldId id="299" r:id="rId23"/>
-    <p:sldId id="284" r:id="rId24"/>
+    <p:sldId id="300" r:id="rId19"/>
+    <p:sldId id="297" r:id="rId20"/>
+    <p:sldId id="278" r:id="rId21"/>
+    <p:sldId id="277" r:id="rId22"/>
+    <p:sldId id="298" r:id="rId23"/>
+    <p:sldId id="299" r:id="rId24"/>
+    <p:sldId id="284" r:id="rId25"/>
   </p:sldIdLst>
   <p:sldSz cx="12192000" cy="6858000"/>
   <p:notesSz cx="6858000" cy="9144000"/>
@@ -158,72 +159,6 @@
 </p:presentation>
 </file>
 
-<file path=ppt/charts/chart1.xml><?xml version="1.0" encoding="utf-8"?>
-<c:chartSpace xmlns:c="http://schemas.openxmlformats.org/drawingml/2006/chart" xmlns:a="http://schemas.openxmlformats.org/drawingml/2006/main" xmlns:r="http://schemas.openxmlformats.org/officeDocument/2006/relationships">
-  <c:date1904 val="0"/>
-  <c:lang val="zh-CN"/>
-  <c:roundedCorners val="0"/>
-  <mc:AlternateContent xmlns:mc="http://schemas.openxmlformats.org/markup-compatibility/2006">
-    <mc:Choice xmlns:c14="http://schemas.microsoft.com/office/drawing/2007/8/2/chart" Requires="c14">
-      <c14:style val="102"/>
-    </mc:Choice>
-    <mc:Fallback>
-      <c:style val="2"/>
-    </mc:Fallback>
-  </mc:AlternateContent>
-  <c:chart>
-    <c:autoTitleDeleted val="1"/>
-    <c:plotArea>
-      <c:layout/>
-      <c:doughnutChart>
-        <c:varyColors val="1"/>
-        <c:dLbls>
-          <c:showLegendKey val="0"/>
-          <c:showVal val="0"/>
-          <c:showCatName val="0"/>
-          <c:showSerName val="0"/>
-          <c:showPercent val="0"/>
-          <c:showBubbleSize val="0"/>
-          <c:showLeaderLines val="1"/>
-        </c:dLbls>
-        <c:firstSliceAng val="0"/>
-        <c:holeSize val="80"/>
-      </c:doughnutChart>
-      <c:spPr>
-        <a:noFill/>
-        <a:ln>
-          <a:noFill/>
-        </a:ln>
-        <a:effectLst/>
-      </c:spPr>
-    </c:plotArea>
-    <c:plotVisOnly val="1"/>
-    <c:dispBlanksAs val="gap"/>
-    <c:showDLblsOverMax val="0"/>
-  </c:chart>
-  <c:spPr>
-    <a:noFill/>
-    <a:ln>
-      <a:noFill/>
-    </a:ln>
-    <a:effectLst/>
-  </c:spPr>
-  <c:txPr>
-    <a:bodyPr/>
-    <a:lstStyle/>
-    <a:p>
-      <a:pPr>
-        <a:defRPr/>
-      </a:pPr>
-      <a:endParaRPr lang="zh-CN"/>
-    </a:p>
-  </c:txPr>
-  <c:externalData r:id="rId1">
-    <c:autoUpdate val="0"/>
-  </c:externalData>
-</c:chartSpace>
-</file>
-
 <file path=ppt/notesMasters/notesMaster1.xml><?xml version="1.0" encoding="utf-8"?>
 <p:notesMaster xmlns:a="http://schemas.openxmlformats.org/drawingml/2006/main" xmlns:r="http://schemas.openxmlformats.org/officeDocument/2006/relationships" xmlns:p="http://schemas.openxmlformats.org/presentationml/2006/main">
   <p:cSld>
@@ -306,7 +241,7 @@
           <a:p>
             <a:fld id="{8127387C-0F71-47AA-8625-78B4CEAC1B41}" type="datetimeFigureOut">
               <a:rPr lang="zh-CN" altLang="en-US" smtClean="0"/>
-              <a:t>2017/7/27</a:t>
+              <a:t>2017/7/28</a:t>
             </a:fld>
             <a:endParaRPr lang="zh-CN" altLang="en-US"/>
           </a:p>
@@ -1599,11 +1534,68 @@
           <a:lstStyle/>
           <a:p>
             <a:r>
+              <a:rPr lang="zh-CN" altLang="zh-CN" dirty="0"/>
+              <a:t>①</a:t>
+            </a:r>
+            <a:r>
               <a:rPr lang="en-US" altLang="zh-CN" dirty="0"/>
-              <a:t>Volume Driver Adapter : </a:t>
-            </a:r>
-            <a:r>
-              <a:rPr lang="zh-CN" altLang="en-US" dirty="0"/>
+              <a:t> Docker Plugin</a:t>
+            </a:r>
+            <a:r>
+              <a:rPr lang="zh-CN" altLang="zh-CN" dirty="0"/>
+              <a:t>机制</a:t>
+            </a:r>
+            <a:r>
+              <a:rPr lang="en-US" altLang="zh-CN" dirty="0"/>
+              <a:t/>
+            </a:r>
+            <a:br>
+              <a:rPr lang="en-US" altLang="zh-CN" dirty="0"/>
+            </a:br>
+            <a:r>
+              <a:rPr lang="en-US" altLang="zh-CN" dirty="0"/>
+              <a:t>Docker</a:t>
+            </a:r>
+            <a:r>
+              <a:rPr lang="zh-CN" altLang="zh-CN" dirty="0"/>
+              <a:t>针对</a:t>
+            </a:r>
+            <a:r>
+              <a:rPr lang="en-US" altLang="zh-CN" dirty="0"/>
+              <a:t>Volume Plugin</a:t>
+            </a:r>
+            <a:r>
+              <a:rPr lang="zh-CN" altLang="zh-CN" dirty="0"/>
+              <a:t>实现了两个适配类型</a:t>
+            </a:r>
+            <a:r>
+              <a:rPr lang="en-US" altLang="zh-CN" dirty="0"/>
+              <a:t>Volume Driver Adapter</a:t>
+            </a:r>
+            <a:r>
+              <a:rPr lang="zh-CN" altLang="zh-CN" dirty="0"/>
+              <a:t>和</a:t>
+            </a:r>
+            <a:r>
+              <a:rPr lang="en-US" altLang="zh-CN" dirty="0"/>
+              <a:t>Volume Adapter</a:t>
+            </a:r>
+            <a:r>
+              <a:rPr lang="zh-CN" altLang="zh-CN" dirty="0"/>
+              <a:t>。</a:t>
+            </a:r>
+          </a:p>
+          <a:p>
+            <a:r>
+              <a:rPr lang="en-US" altLang="zh-CN" dirty="0" err="1"/>
+              <a:t>VolumeDriverAdapter</a:t>
+            </a:r>
+            <a:r>
+              <a:rPr lang="en-US" altLang="zh-CN" dirty="0"/>
+              <a:t> : </a:t>
+            </a:r>
+            <a:r>
+              <a:rPr lang="zh-CN" altLang="zh-CN" dirty="0"/>
               <a:t>实现</a:t>
             </a:r>
             <a:r>
@@ -1611,7 +1603,7 @@
               <a:t>Driver</a:t>
             </a:r>
             <a:r>
-              <a:rPr lang="zh-CN" altLang="en-US" dirty="0"/>
+              <a:rPr lang="zh-CN" altLang="zh-CN" dirty="0"/>
               <a:t>接口，用于抽象各种</a:t>
             </a:r>
             <a:r>
@@ -1619,7 +1611,7 @@
               <a:t>Plugin</a:t>
             </a:r>
             <a:r>
-              <a:rPr lang="zh-CN" altLang="en-US" dirty="0"/>
+              <a:rPr lang="zh-CN" altLang="zh-CN" dirty="0"/>
               <a:t>的驱动，该类型可以适配所有符合规范的</a:t>
             </a:r>
             <a:r>
@@ -1627,7 +1619,7 @@
               <a:t>Volume Plugin</a:t>
             </a:r>
             <a:r>
-              <a:rPr lang="zh-CN" altLang="en-US" dirty="0"/>
+              <a:rPr lang="zh-CN" altLang="zh-CN" dirty="0"/>
               <a:t>，对</a:t>
             </a:r>
             <a:r>
@@ -1635,22 +1627,17 @@
               <a:t>Plugin</a:t>
             </a:r>
             <a:r>
-              <a:rPr lang="zh-CN" altLang="en-US" dirty="0"/>
-              <a:t>进行管理。 </a:t>
-            </a:r>
-            <a:endParaRPr lang="en-US" altLang="zh-CN" dirty="0" smtClean="0"/>
+              <a:rPr lang="zh-CN" altLang="zh-CN" dirty="0"/>
+              <a:t>进行管理。</a:t>
+            </a:r>
           </a:p>
           <a:p>
             <a:r>
-              <a:rPr lang="en-US" altLang="zh-CN" dirty="0" smtClean="0"/>
-              <a:t>Volume </a:t>
-            </a:r>
-            <a:r>
               <a:rPr lang="en-US" altLang="zh-CN" dirty="0"/>
-              <a:t>Adapter : </a:t>
-            </a:r>
-            <a:r>
-              <a:rPr lang="zh-CN" altLang="en-US" dirty="0"/>
+              <a:t>Volume Adapter : </a:t>
+            </a:r>
+            <a:r>
+              <a:rPr lang="zh-CN" altLang="zh-CN" dirty="0"/>
               <a:t>实现</a:t>
             </a:r>
             <a:r>
@@ -1658,7 +1645,7 @@
               <a:t>Volume</a:t>
             </a:r>
             <a:r>
-              <a:rPr lang="zh-CN" altLang="en-US" dirty="0"/>
+              <a:rPr lang="zh-CN" altLang="zh-CN" dirty="0"/>
               <a:t>接口，用于抽象所有</a:t>
             </a:r>
             <a:r>
@@ -1666,7 +1653,7 @@
               <a:t>Plugin</a:t>
             </a:r>
             <a:r>
-              <a:rPr lang="zh-CN" altLang="en-US" dirty="0"/>
+              <a:rPr lang="zh-CN" altLang="zh-CN" dirty="0"/>
               <a:t>提供的</a:t>
             </a:r>
             <a:r>
@@ -1674,7 +1661,7 @@
               <a:t>Volume</a:t>
             </a:r>
             <a:r>
-              <a:rPr lang="zh-CN" altLang="en-US" dirty="0"/>
+              <a:rPr lang="zh-CN" altLang="zh-CN" dirty="0"/>
               <a:t>，该类型可以适配所有符合规范的</a:t>
             </a:r>
             <a:r>
@@ -1682,7 +1669,7 @@
               <a:t>Volume Plugin</a:t>
             </a:r>
             <a:r>
-              <a:rPr lang="zh-CN" altLang="en-US" dirty="0"/>
+              <a:rPr lang="zh-CN" altLang="zh-CN" dirty="0"/>
               <a:t>提供的类型，对</a:t>
             </a:r>
             <a:r>
@@ -1690,15 +1677,26 @@
               <a:t>Volume</a:t>
             </a:r>
             <a:r>
-              <a:rPr lang="zh-CN" altLang="en-US" dirty="0"/>
-              <a:t>进行管理。 通过抽象，对于</a:t>
+              <a:rPr lang="zh-CN" altLang="zh-CN" dirty="0"/>
+              <a:t>进行管理。</a:t>
+            </a:r>
+            <a:r>
+              <a:rPr lang="en-US" altLang="zh-CN" dirty="0"/>
+              <a:t/>
+            </a:r>
+            <a:br>
+              <a:rPr lang="en-US" altLang="zh-CN" dirty="0"/>
+            </a:br>
+            <a:r>
+              <a:rPr lang="zh-CN" altLang="zh-CN" dirty="0"/>
+              <a:t>通过抽象，对于</a:t>
             </a:r>
             <a:r>
               <a:rPr lang="en-US" altLang="zh-CN" dirty="0"/>
               <a:t>Plugin</a:t>
             </a:r>
             <a:r>
-              <a:rPr lang="zh-CN" altLang="en-US" dirty="0"/>
+              <a:rPr lang="zh-CN" altLang="zh-CN" dirty="0"/>
               <a:t>和其提供的</a:t>
             </a:r>
             <a:r>
@@ -1706,7 +1704,7 @@
               <a:t>Volume</a:t>
             </a:r>
             <a:r>
-              <a:rPr lang="zh-CN" altLang="en-US" dirty="0"/>
+              <a:rPr lang="zh-CN" altLang="zh-CN" dirty="0"/>
               <a:t>，</a:t>
             </a:r>
             <a:r>
@@ -1714,7 +1712,7 @@
               <a:t>Docker Daemon</a:t>
             </a:r>
             <a:r>
-              <a:rPr lang="zh-CN" altLang="en-US" dirty="0"/>
+              <a:rPr lang="zh-CN" altLang="zh-CN" dirty="0"/>
               <a:t>结构和</a:t>
             </a:r>
             <a:r>
@@ -1722,7 +1720,7 @@
               <a:t>Container</a:t>
             </a:r>
             <a:r>
-              <a:rPr lang="zh-CN" altLang="en-US" dirty="0"/>
+              <a:rPr lang="zh-CN" altLang="zh-CN" dirty="0"/>
               <a:t>结构使用上述两个适配类型，对</a:t>
             </a:r>
             <a:r>
@@ -1730,7 +1728,7 @@
               <a:t>Plugin</a:t>
             </a:r>
             <a:r>
-              <a:rPr lang="zh-CN" altLang="en-US" dirty="0"/>
+              <a:rPr lang="zh-CN" altLang="zh-CN" dirty="0"/>
               <a:t>和</a:t>
             </a:r>
             <a:r>
@@ -1738,229 +1736,700 @@
               <a:t>Volume</a:t>
             </a:r>
             <a:r>
-              <a:rPr lang="zh-CN" altLang="en-US" dirty="0"/>
+              <a:rPr lang="zh-CN" altLang="zh-CN" dirty="0"/>
               <a:t>进行管理和使用。</a:t>
             </a:r>
+            <a:r>
+              <a:rPr lang="en-US" altLang="zh-CN" dirty="0"/>
+              <a:t> </a:t>
+            </a:r>
+            <a:br>
+              <a:rPr lang="en-US" altLang="zh-CN" dirty="0"/>
+            </a:br>
+            <a:r>
+              <a:rPr lang="zh-CN" altLang="zh-CN" dirty="0"/>
+              <a:t>上述两个类型都有一个</a:t>
+            </a:r>
+            <a:r>
+              <a:rPr lang="en-US" altLang="zh-CN" dirty="0"/>
+              <a:t>Volume Driver Proxy</a:t>
+            </a:r>
+            <a:r>
+              <a:rPr lang="zh-CN" altLang="zh-CN" dirty="0"/>
+              <a:t>结构变量</a:t>
+            </a:r>
+            <a:r>
+              <a:rPr lang="en-US" altLang="zh-CN" dirty="0"/>
+              <a:t>proxy</a:t>
+            </a:r>
+            <a:r>
+              <a:rPr lang="zh-CN" altLang="zh-CN" dirty="0"/>
+              <a:t>，用于与</a:t>
+            </a:r>
+            <a:r>
+              <a:rPr lang="en-US" altLang="zh-CN" dirty="0"/>
+              <a:t>Plugin</a:t>
+            </a:r>
+            <a:r>
+              <a:rPr lang="zh-CN" altLang="zh-CN" dirty="0"/>
+              <a:t>进行通信。</a:t>
+            </a:r>
+            <a:r>
+              <a:rPr lang="en-US" altLang="zh-CN" dirty="0"/>
+              <a:t>Volume Driver Proxy</a:t>
+            </a:r>
+            <a:r>
+              <a:rPr lang="zh-CN" altLang="zh-CN" dirty="0"/>
+              <a:t>结构实现了与</a:t>
+            </a:r>
+            <a:r>
+              <a:rPr lang="en-US" altLang="zh-CN" dirty="0"/>
+              <a:t>plugin</a:t>
+            </a:r>
+            <a:r>
+              <a:rPr lang="zh-CN" altLang="zh-CN" dirty="0"/>
+              <a:t>通信的接口</a:t>
+            </a:r>
+            <a:r>
+              <a:rPr lang="en-US" altLang="zh-CN" dirty="0"/>
+              <a:t>volume Driver</a:t>
+            </a:r>
+            <a:r>
+              <a:rPr lang="zh-CN" altLang="zh-CN" dirty="0"/>
+              <a:t>，提供</a:t>
+            </a:r>
+            <a:r>
+              <a:rPr lang="en-US" altLang="zh-CN" dirty="0"/>
+              <a:t>Create</a:t>
+            </a:r>
+            <a:r>
+              <a:rPr lang="zh-CN" altLang="zh-CN" dirty="0"/>
+              <a:t>、</a:t>
+            </a:r>
+            <a:r>
+              <a:rPr lang="en-US" altLang="zh-CN" dirty="0"/>
+              <a:t>Remove</a:t>
+            </a:r>
+            <a:r>
+              <a:rPr lang="zh-CN" altLang="zh-CN" dirty="0"/>
+              <a:t>、</a:t>
+            </a:r>
+            <a:r>
+              <a:rPr lang="en-US" altLang="zh-CN" dirty="0"/>
+              <a:t>Path</a:t>
+            </a:r>
+            <a:r>
+              <a:rPr lang="zh-CN" altLang="zh-CN" dirty="0"/>
+              <a:t>、</a:t>
+            </a:r>
+            <a:r>
+              <a:rPr lang="en-US" altLang="zh-CN" dirty="0"/>
+              <a:t>Mount</a:t>
+            </a:r>
+            <a:r>
+              <a:rPr lang="zh-CN" altLang="zh-CN" dirty="0"/>
+              <a:t>、</a:t>
+            </a:r>
+            <a:r>
+              <a:rPr lang="en-US" altLang="zh-CN" dirty="0"/>
+              <a:t>Unmount</a:t>
+            </a:r>
+            <a:r>
+              <a:rPr lang="zh-CN" altLang="zh-CN" dirty="0"/>
+              <a:t>、</a:t>
+            </a:r>
+            <a:r>
+              <a:rPr lang="en-US" altLang="zh-CN" dirty="0"/>
+              <a:t>List</a:t>
+            </a:r>
+            <a:r>
+              <a:rPr lang="zh-CN" altLang="zh-CN" dirty="0"/>
+              <a:t>、</a:t>
+            </a:r>
+            <a:r>
+              <a:rPr lang="en-US" altLang="zh-CN" dirty="0"/>
+              <a:t>Get</a:t>
+            </a:r>
+            <a:r>
+              <a:rPr lang="zh-CN" altLang="zh-CN" dirty="0"/>
+              <a:t>接口与通信。</a:t>
+            </a:r>
+            <a:r>
+              <a:rPr lang="en-US" altLang="zh-CN" dirty="0"/>
+              <a:t>Volume Driver Proxy</a:t>
+            </a:r>
+            <a:r>
+              <a:rPr lang="zh-CN" altLang="zh-CN" dirty="0"/>
+              <a:t>结构的</a:t>
+            </a:r>
+            <a:r>
+              <a:rPr lang="en-US" altLang="zh-CN" dirty="0"/>
+              <a:t>client</a:t>
+            </a:r>
+            <a:r>
+              <a:rPr lang="zh-CN" altLang="zh-CN" dirty="0"/>
+              <a:t>变量，使用这个变量与</a:t>
+            </a:r>
+            <a:r>
+              <a:rPr lang="en-US" altLang="zh-CN" dirty="0"/>
+              <a:t>Plugin Daemon</a:t>
+            </a:r>
+            <a:r>
+              <a:rPr lang="zh-CN" altLang="zh-CN" dirty="0"/>
+              <a:t>进行通信。</a:t>
+            </a:r>
+            <a:r>
+              <a:rPr lang="en-US" altLang="zh-CN" dirty="0"/>
+              <a:t>client</a:t>
+            </a:r>
+            <a:r>
+              <a:rPr lang="zh-CN" altLang="zh-CN" dirty="0"/>
+              <a:t>变量是</a:t>
+            </a:r>
+            <a:r>
+              <a:rPr lang="en-US" altLang="zh-CN" dirty="0"/>
+              <a:t>Plugin</a:t>
+            </a:r>
+            <a:r>
+              <a:rPr lang="zh-CN" altLang="zh-CN" dirty="0"/>
+              <a:t>结构中的</a:t>
+            </a:r>
+            <a:r>
+              <a:rPr lang="en-US" altLang="zh-CN" dirty="0"/>
+              <a:t>Client</a:t>
+            </a:r>
+            <a:r>
+              <a:rPr lang="zh-CN" altLang="zh-CN" dirty="0"/>
+              <a:t>变量是</a:t>
+            </a:r>
+            <a:r>
+              <a:rPr lang="en-US" altLang="zh-CN" dirty="0"/>
+              <a:t>Client</a:t>
+            </a:r>
+            <a:r>
+              <a:rPr lang="zh-CN" altLang="zh-CN" dirty="0"/>
+              <a:t>结构类型，包含了</a:t>
+            </a:r>
+            <a:r>
+              <a:rPr lang="en-US" altLang="zh-CN" dirty="0" err="1"/>
+              <a:t>http.Client</a:t>
+            </a:r>
+            <a:r>
+              <a:rPr lang="zh-CN" altLang="zh-CN" dirty="0"/>
+              <a:t>类型对象。</a:t>
+            </a:r>
+            <a:r>
+              <a:rPr lang="en-US" altLang="zh-CN" dirty="0"/>
+              <a:t/>
+            </a:r>
+            <a:br>
+              <a:rPr lang="en-US" altLang="zh-CN" dirty="0"/>
+            </a:br>
+            <a:r>
+              <a:rPr lang="zh-CN" altLang="zh-CN" dirty="0"/>
+              <a:t>上图中左下方，</a:t>
+            </a:r>
+            <a:r>
+              <a:rPr lang="en-US" altLang="zh-CN" dirty="0"/>
+              <a:t>Plugins</a:t>
+            </a:r>
+            <a:r>
+              <a:rPr lang="zh-CN" altLang="zh-CN" dirty="0"/>
+              <a:t>结构类型的全局变量</a:t>
+            </a:r>
+            <a:r>
+              <a:rPr lang="en-US" altLang="zh-CN" dirty="0"/>
+              <a:t>Storage</a:t>
+            </a:r>
+            <a:r>
+              <a:rPr lang="zh-CN" altLang="zh-CN" dirty="0"/>
+              <a:t>保存所有被</a:t>
+            </a:r>
+            <a:r>
+              <a:rPr lang="en-US" altLang="zh-CN" dirty="0"/>
+              <a:t>Docker Daemon</a:t>
+            </a:r>
+            <a:r>
+              <a:rPr lang="zh-CN" altLang="zh-CN" dirty="0"/>
+              <a:t>发现的</a:t>
+            </a:r>
+            <a:r>
+              <a:rPr lang="en-US" altLang="zh-CN" dirty="0"/>
+              <a:t>Plugin</a:t>
+            </a:r>
+            <a:r>
+              <a:rPr lang="zh-CN" altLang="zh-CN" dirty="0"/>
+              <a:t>结构，</a:t>
+            </a:r>
+            <a:r>
+              <a:rPr lang="en-US" altLang="zh-CN" dirty="0"/>
+              <a:t>Plugin</a:t>
+            </a:r>
+            <a:r>
+              <a:rPr lang="zh-CN" altLang="zh-CN" dirty="0"/>
+              <a:t>结构代表外部插件</a:t>
+            </a:r>
+            <a:r>
+              <a:rPr lang="en-US" altLang="zh-CN" dirty="0"/>
+              <a:t>.</a:t>
+            </a:r>
+            <a:endParaRPr lang="zh-CN" altLang="zh-CN" dirty="0"/>
           </a:p>
           <a:p>
             <a:r>
-              <a:rPr lang="zh-CN" altLang="en-US" dirty="0"/>
-              <a:t>上述两个类型都有一个</a:t>
+              <a:rPr lang="zh-CN" altLang="zh-CN" dirty="0"/>
+              <a:t>②</a:t>
             </a:r>
             <a:r>
               <a:rPr lang="en-US" altLang="zh-CN" dirty="0"/>
-              <a:t>Volume Driver Proxy</a:t>
-            </a:r>
-            <a:r>
-              <a:rPr lang="zh-CN" altLang="en-US" dirty="0"/>
-              <a:t>结构变量</a:t>
+              <a:t> Docker Plugin</a:t>
+            </a:r>
+            <a:r>
+              <a:rPr lang="zh-CN" altLang="zh-CN" dirty="0"/>
+              <a:t>的发现过程</a:t>
             </a:r>
             <a:r>
               <a:rPr lang="en-US" altLang="zh-CN" dirty="0"/>
-              <a:t>proxy</a:t>
-            </a:r>
-            <a:r>
-              <a:rPr lang="zh-CN" altLang="en-US" dirty="0"/>
-              <a:t>，用于与</a:t>
+              <a:t/>
+            </a:r>
+            <a:br>
+              <a:rPr lang="en-US" altLang="zh-CN" dirty="0"/>
+            </a:br>
+            <a:r>
+              <a:rPr lang="en-US" altLang="zh-CN" dirty="0"/>
+              <a:t>Docker Daemon</a:t>
+            </a:r>
+            <a:r>
+              <a:rPr lang="zh-CN" altLang="zh-CN" dirty="0"/>
+              <a:t>通过</a:t>
+            </a:r>
+            <a:r>
+              <a:rPr lang="en-US" altLang="zh-CN" dirty="0"/>
+              <a:t>Unix</a:t>
+            </a:r>
+            <a:r>
+              <a:rPr lang="zh-CN" altLang="zh-CN" dirty="0"/>
+              <a:t>域套接字与</a:t>
+            </a:r>
+            <a:r>
+              <a:rPr lang="en-US" altLang="zh-CN" dirty="0"/>
+              <a:t>Plugin Daemon</a:t>
+            </a:r>
+            <a:r>
+              <a:rPr lang="zh-CN" altLang="zh-CN" dirty="0"/>
+              <a:t>进行通信。所以</a:t>
             </a:r>
             <a:r>
               <a:rPr lang="en-US" altLang="zh-CN" dirty="0"/>
               <a:t>Plugin</a:t>
             </a:r>
             <a:r>
-              <a:rPr lang="zh-CN" altLang="en-US" dirty="0"/>
-              <a:t>进行通信。</a:t>
+              <a:rPr lang="zh-CN" altLang="zh-CN" dirty="0"/>
+              <a:t>需要让</a:t>
             </a:r>
             <a:r>
               <a:rPr lang="en-US" altLang="zh-CN" dirty="0"/>
-              <a:t>Volume Driver Proxy</a:t>
-            </a:r>
-            <a:r>
-              <a:rPr lang="zh-CN" altLang="en-US" dirty="0"/>
-              <a:t>结构实现了与</a:t>
+              <a:t>Docker Daemon</a:t>
+            </a:r>
+            <a:r>
+              <a:rPr lang="zh-CN" altLang="zh-CN" dirty="0"/>
+              <a:t>知道</a:t>
             </a:r>
             <a:r>
               <a:rPr lang="en-US" altLang="zh-CN" dirty="0"/>
-              <a:t>plugin</a:t>
-            </a:r>
-            <a:r>
-              <a:rPr lang="zh-CN" altLang="en-US" dirty="0"/>
-              <a:t>通信的接口</a:t>
+              <a:t>Plugin</a:t>
+            </a:r>
+            <a:r>
+              <a:rPr lang="zh-CN" altLang="zh-CN" dirty="0"/>
+              <a:t>的</a:t>
             </a:r>
             <a:r>
               <a:rPr lang="en-US" altLang="zh-CN" dirty="0"/>
-              <a:t>volume Driver</a:t>
-            </a:r>
-            <a:r>
-              <a:rPr lang="zh-CN" altLang="en-US" dirty="0"/>
-              <a:t>，提供</a:t>
+              <a:t>Unix</a:t>
+            </a:r>
+            <a:r>
+              <a:rPr lang="zh-CN" altLang="zh-CN" dirty="0"/>
+              <a:t>域套接字文件的路径。</a:t>
+            </a:r>
+          </a:p>
+          <a:p>
+            <a:r>
+              <a:rPr lang="zh-CN" altLang="zh-CN" dirty="0"/>
+              <a:t>再执行命令：</a:t>
+            </a:r>
+            <a:r>
+              <a:rPr lang="en-US" altLang="zh-CN" dirty="0" err="1"/>
+              <a:t>docker</a:t>
             </a:r>
             <a:r>
               <a:rPr lang="en-US" altLang="zh-CN" dirty="0"/>
-              <a:t>Create</a:t>
-            </a:r>
-            <a:r>
-              <a:rPr lang="zh-CN" altLang="en-US" dirty="0"/>
-              <a:t>、</a:t>
+              <a:t> run ... -v </a:t>
+            </a:r>
+            <a:r>
+              <a:rPr lang="en-US" altLang="zh-CN" dirty="0" err="1"/>
+              <a:t>volumename</a:t>
             </a:r>
             <a:r>
               <a:rPr lang="en-US" altLang="zh-CN" dirty="0"/>
-              <a:t>Remove</a:t>
-            </a:r>
-            <a:r>
-              <a:rPr lang="zh-CN" altLang="en-US" dirty="0"/>
-              <a:t>、</a:t>
-            </a:r>
-            <a:r>
+              <a:t>:/data --volume-driver=convoy</a:t>
+            </a:r>
+            <a:br>
               <a:rPr lang="en-US" altLang="zh-CN" dirty="0"/>
-              <a:t>Path</a:t>
-            </a:r>
-            <a:r>
-              <a:rPr lang="zh-CN" altLang="en-US" dirty="0"/>
-              <a:t>、</a:t>
+            </a:br>
+            <a:r>
+              <a:rPr lang="zh-CN" altLang="zh-CN" dirty="0"/>
+              <a:t>发现步骤：</a:t>
             </a:r>
             <a:r>
               <a:rPr lang="en-US" altLang="zh-CN" dirty="0"/>
-              <a:t>Mount</a:t>
-            </a:r>
-            <a:r>
-              <a:rPr lang="zh-CN" altLang="en-US" dirty="0"/>
-              <a:t>、</a:t>
-            </a:r>
-            <a:r>
+              <a:t/>
+            </a:r>
+            <a:br>
               <a:rPr lang="en-US" altLang="zh-CN" dirty="0"/>
-              <a:t>Unmount</a:t>
-            </a:r>
-            <a:r>
-              <a:rPr lang="zh-CN" altLang="en-US" dirty="0"/>
-              <a:t>、</a:t>
-            </a:r>
+            </a:br>
             <a:r>
               <a:rPr lang="en-US" altLang="zh-CN" dirty="0"/>
-              <a:t>List</a:t>
-            </a:r>
-            <a:r>
-              <a:rPr lang="zh-CN" altLang="en-US" dirty="0"/>
-              <a:t>、</a:t>
+              <a:t>Docker Daemon</a:t>
+            </a:r>
+            <a:r>
+              <a:rPr lang="zh-CN" altLang="zh-CN" dirty="0"/>
+              <a:t>首先会在</a:t>
             </a:r>
             <a:r>
               <a:rPr lang="en-US" altLang="zh-CN" dirty="0"/>
-              <a:t>Get</a:t>
-            </a:r>
-            <a:r>
-              <a:rPr lang="zh-CN" altLang="en-US" dirty="0"/>
-              <a:t>接口与通信。</a:t>
+              <a:t>/run/</a:t>
+            </a:r>
+            <a:r>
+              <a:rPr lang="en-US" altLang="zh-CN" dirty="0" err="1"/>
+              <a:t>docker</a:t>
             </a:r>
             <a:r>
               <a:rPr lang="en-US" altLang="zh-CN" dirty="0"/>
-              <a:t>Volume Driver Proxy</a:t>
-            </a:r>
-            <a:r>
-              <a:rPr lang="zh-CN" altLang="en-US" dirty="0"/>
-              <a:t>结构的</a:t>
+              <a:t>/plugins</a:t>
+            </a:r>
+            <a:r>
+              <a:rPr lang="zh-CN" altLang="zh-CN" dirty="0"/>
+              <a:t>搜索对应的套接字文件，套接字文件名必须和</a:t>
             </a:r>
             <a:r>
               <a:rPr lang="en-US" altLang="zh-CN" dirty="0"/>
-              <a:t>client</a:t>
-            </a:r>
-            <a:r>
-              <a:rPr lang="zh-CN" altLang="en-US" dirty="0"/>
-              <a:t>变量，使用这个变量与</a:t>
+              <a:t>Volume Driver</a:t>
+            </a:r>
+            <a:r>
+              <a:rPr lang="zh-CN" altLang="zh-CN" dirty="0"/>
+              <a:t>名一致，如上述命令，便是搜索</a:t>
+            </a:r>
+            <a:r>
+              <a:rPr lang="en-US" altLang="zh-CN" dirty="0" err="1"/>
+              <a:t>convoy.sock</a:t>
+            </a:r>
+            <a:r>
+              <a:rPr lang="zh-CN" altLang="zh-CN" dirty="0"/>
+              <a:t>。</a:t>
+            </a:r>
+            <a:r>
+              <a:rPr lang="en-US" altLang="zh-CN" dirty="0"/>
+              <a:t/>
+            </a:r>
+            <a:br>
+              <a:rPr lang="en-US" altLang="zh-CN" dirty="0"/>
+            </a:br>
+            <a:r>
+              <a:rPr lang="zh-CN" altLang="zh-CN" dirty="0"/>
+              <a:t>如果上一步搜索不到，则到</a:t>
+            </a:r>
+            <a:r>
+              <a:rPr lang="en-US" altLang="zh-CN" dirty="0"/>
+              <a:t>/</a:t>
+            </a:r>
+            <a:r>
+              <a:rPr lang="en-US" altLang="zh-CN" dirty="0" err="1"/>
+              <a:t>etc</a:t>
+            </a:r>
+            <a:r>
+              <a:rPr lang="en-US" altLang="zh-CN" dirty="0"/>
+              <a:t>/</a:t>
+            </a:r>
+            <a:r>
+              <a:rPr lang="en-US" altLang="zh-CN" dirty="0" err="1"/>
+              <a:t>docker</a:t>
+            </a:r>
+            <a:r>
+              <a:rPr lang="en-US" altLang="zh-CN" dirty="0"/>
+              <a:t>/plugins</a:t>
+            </a:r>
+            <a:r>
+              <a:rPr lang="zh-CN" altLang="zh-CN" dirty="0"/>
+              <a:t>和</a:t>
+            </a:r>
+            <a:r>
+              <a:rPr lang="en-US" altLang="zh-CN" dirty="0"/>
+              <a:t>/</a:t>
+            </a:r>
+            <a:r>
+              <a:rPr lang="en-US" altLang="zh-CN" dirty="0" err="1"/>
+              <a:t>usr</a:t>
+            </a:r>
+            <a:r>
+              <a:rPr lang="en-US" altLang="zh-CN" dirty="0"/>
+              <a:t>/lib/</a:t>
+            </a:r>
+            <a:r>
+              <a:rPr lang="en-US" altLang="zh-CN" dirty="0" err="1"/>
+              <a:t>docker</a:t>
+            </a:r>
+            <a:r>
+              <a:rPr lang="en-US" altLang="zh-CN" dirty="0"/>
+              <a:t>/plugins</a:t>
+            </a:r>
+            <a:r>
+              <a:rPr lang="zh-CN" altLang="zh-CN" dirty="0"/>
+              <a:t>两个目录搜索</a:t>
+            </a:r>
+            <a:r>
+              <a:rPr lang="en-US" altLang="zh-CN" dirty="0"/>
+              <a:t>spec</a:t>
+            </a:r>
+            <a:r>
+              <a:rPr lang="zh-CN" altLang="zh-CN" dirty="0"/>
+              <a:t>或</a:t>
+            </a:r>
+            <a:r>
+              <a:rPr lang="en-US" altLang="zh-CN" dirty="0" err="1"/>
+              <a:t>json</a:t>
+            </a:r>
+            <a:r>
+              <a:rPr lang="zh-CN" altLang="zh-CN" dirty="0"/>
+              <a:t>文件。文件中指定套接字文件的</a:t>
+            </a:r>
+            <a:r>
+              <a:rPr lang="en-US" altLang="zh-CN" dirty="0"/>
+              <a:t>URL</a:t>
+            </a:r>
+            <a:r>
+              <a:rPr lang="zh-CN" altLang="zh-CN" dirty="0"/>
+              <a:t>。如：</a:t>
+            </a:r>
+            <a:r>
+              <a:rPr lang="en-US" altLang="zh-CN" dirty="0"/>
+              <a:t>unix:///var/run/convoy/convoy.sock </a:t>
+            </a:r>
+            <a:r>
+              <a:rPr lang="zh-CN" altLang="zh-CN" dirty="0"/>
+              <a:t>。</a:t>
+            </a:r>
+            <a:r>
+              <a:rPr lang="en-US" altLang="zh-CN" dirty="0"/>
+              <a:t/>
+            </a:r>
+            <a:br>
+              <a:rPr lang="en-US" altLang="zh-CN" dirty="0"/>
+            </a:br>
+            <a:r>
+              <a:rPr lang="zh-CN" altLang="zh-CN" dirty="0"/>
+              <a:t>根据前面两步发现的</a:t>
+            </a:r>
+            <a:r>
+              <a:rPr lang="en-US" altLang="zh-CN" dirty="0"/>
+              <a:t>Unix</a:t>
+            </a:r>
+            <a:r>
+              <a:rPr lang="zh-CN" altLang="zh-CN" dirty="0"/>
+              <a:t>域套接字</a:t>
+            </a:r>
+            <a:r>
+              <a:rPr lang="en-US" altLang="zh-CN" dirty="0"/>
+              <a:t>URL</a:t>
+            </a:r>
+            <a:r>
+              <a:rPr lang="zh-CN" altLang="zh-CN" dirty="0"/>
+              <a:t>，构建</a:t>
+            </a:r>
+            <a:r>
+              <a:rPr lang="en-US" altLang="zh-CN" dirty="0"/>
+              <a:t>Plugin</a:t>
+            </a:r>
+            <a:r>
+              <a:rPr lang="zh-CN" altLang="zh-CN" dirty="0"/>
+              <a:t>对象，并将新建对象加入到全局变量</a:t>
+            </a:r>
+            <a:r>
+              <a:rPr lang="en-US" altLang="zh-CN" dirty="0"/>
+              <a:t>storage</a:t>
+            </a:r>
+            <a:r>
+              <a:rPr lang="zh-CN" altLang="zh-CN" dirty="0"/>
+              <a:t>的</a:t>
+            </a:r>
+            <a:r>
+              <a:rPr lang="en-US" altLang="zh-CN" dirty="0"/>
+              <a:t>Plugins</a:t>
+            </a:r>
+            <a:r>
+              <a:rPr lang="zh-CN" altLang="zh-CN" dirty="0"/>
+              <a:t>字段中。</a:t>
+            </a:r>
+            <a:r>
+              <a:rPr lang="en-US" altLang="zh-CN" dirty="0"/>
+              <a:t> </a:t>
+            </a:r>
+            <a:br>
+              <a:rPr lang="en-US" altLang="zh-CN" dirty="0"/>
+            </a:br>
+            <a:r>
+              <a:rPr lang="zh-CN" altLang="zh-CN" dirty="0"/>
+              <a:t>③</a:t>
+            </a:r>
+            <a:r>
+              <a:rPr lang="en-US" altLang="zh-CN" dirty="0"/>
+              <a:t> Docker Volume Plugin</a:t>
+            </a:r>
+            <a:r>
+              <a:rPr lang="zh-CN" altLang="zh-CN" dirty="0"/>
+              <a:t>的使用</a:t>
+            </a:r>
+            <a:r>
+              <a:rPr lang="en-US" altLang="zh-CN" dirty="0"/>
+              <a:t/>
+            </a:r>
+            <a:br>
+              <a:rPr lang="en-US" altLang="zh-CN" dirty="0"/>
+            </a:br>
+            <a:r>
+              <a:rPr lang="zh-CN" altLang="zh-CN" dirty="0"/>
+              <a:t>执行</a:t>
+            </a:r>
+            <a:r>
+              <a:rPr lang="en-US" altLang="zh-CN" dirty="0" err="1"/>
+              <a:t>docker</a:t>
+            </a:r>
+            <a:r>
+              <a:rPr lang="en-US" altLang="zh-CN" dirty="0"/>
+              <a:t> run</a:t>
+            </a:r>
+            <a:r>
+              <a:rPr lang="zh-CN" altLang="zh-CN" dirty="0"/>
+              <a:t>命令时，指定参数</a:t>
+            </a:r>
+            <a:r>
+              <a:rPr lang="en-US" altLang="zh-CN" dirty="0"/>
+              <a:t>--volume-driver=convoy</a:t>
+            </a:r>
+            <a:r>
+              <a:rPr lang="zh-CN" altLang="zh-CN" dirty="0"/>
+              <a:t>。</a:t>
+            </a:r>
+            <a:r>
+              <a:rPr lang="en-US" altLang="zh-CN" dirty="0"/>
+              <a:t>Docker Daemon</a:t>
+            </a:r>
+            <a:r>
+              <a:rPr lang="zh-CN" altLang="zh-CN" dirty="0"/>
+              <a:t>会先从</a:t>
+            </a:r>
+            <a:r>
+              <a:rPr lang="en-US" altLang="zh-CN" dirty="0" err="1"/>
+              <a:t>storage.plugins</a:t>
+            </a:r>
+            <a:r>
+              <a:rPr lang="zh-CN" altLang="zh-CN" dirty="0"/>
+              <a:t>中寻找</a:t>
+            </a:r>
+            <a:r>
+              <a:rPr lang="en-US" altLang="zh-CN" dirty="0"/>
+              <a:t>Plugin</a:t>
+            </a:r>
+            <a:r>
+              <a:rPr lang="zh-CN" altLang="zh-CN" dirty="0"/>
+              <a:t>结构，如果没有找到，就发起②的发现流程。找到则直接使用</a:t>
+            </a:r>
+            <a:r>
+              <a:rPr lang="en-US" altLang="zh-CN" dirty="0"/>
+              <a:t>Client</a:t>
+            </a:r>
+            <a:r>
+              <a:rPr lang="zh-CN" altLang="zh-CN" dirty="0"/>
+              <a:t>构建</a:t>
+            </a:r>
+            <a:r>
+              <a:rPr lang="en-US" altLang="zh-CN" dirty="0"/>
+              <a:t>volume Driver Proxy</a:t>
+            </a:r>
+            <a:r>
+              <a:rPr lang="zh-CN" altLang="zh-CN" dirty="0"/>
+              <a:t>。</a:t>
+            </a:r>
+            <a:r>
+              <a:rPr lang="en-US" altLang="zh-CN" dirty="0"/>
+              <a:t/>
+            </a:r>
+            <a:br>
+              <a:rPr lang="en-US" altLang="zh-CN" dirty="0"/>
+            </a:br>
+            <a:r>
+              <a:rPr lang="zh-CN" altLang="zh-CN" dirty="0"/>
+              <a:t>④</a:t>
+            </a:r>
+            <a:r>
+              <a:rPr lang="en-US" altLang="zh-CN" dirty="0"/>
+              <a:t> Docker Daemon</a:t>
+            </a:r>
+            <a:r>
+              <a:rPr lang="zh-CN" altLang="zh-CN" dirty="0"/>
+              <a:t>与</a:t>
             </a:r>
             <a:r>
               <a:rPr lang="en-US" altLang="zh-CN" dirty="0"/>
               <a:t>Plugin Daemon</a:t>
             </a:r>
             <a:r>
-              <a:rPr lang="zh-CN" altLang="en-US" dirty="0"/>
-              <a:t>进行通信。</a:t>
+              <a:rPr lang="zh-CN" altLang="zh-CN" dirty="0"/>
+              <a:t>通信的</a:t>
             </a:r>
             <a:r>
               <a:rPr lang="en-US" altLang="zh-CN" dirty="0"/>
-              <a:t>client</a:t>
-            </a:r>
-            <a:r>
-              <a:rPr lang="zh-CN" altLang="en-US" dirty="0"/>
-              <a:t>变量是</a:t>
-            </a:r>
-            <a:r>
+              <a:t>API</a:t>
+            </a:r>
+            <a:br>
               <a:rPr lang="en-US" altLang="zh-CN" dirty="0"/>
-              <a:t>Plugin</a:t>
-            </a:r>
-            <a:r>
-              <a:rPr lang="zh-CN" altLang="en-US" dirty="0"/>
-              <a:t>结构中的</a:t>
-            </a:r>
-            <a:r>
-              <a:rPr lang="en-US" altLang="zh-CN" dirty="0"/>
-              <a:t>Client</a:t>
-            </a:r>
-            <a:r>
-              <a:rPr lang="zh-CN" altLang="en-US" dirty="0"/>
-              <a:t>变量是</a:t>
-            </a:r>
-            <a:r>
-              <a:rPr lang="en-US" altLang="zh-CN" dirty="0"/>
-              <a:t>Client</a:t>
-            </a:r>
-            <a:r>
-              <a:rPr lang="zh-CN" altLang="en-US" dirty="0"/>
-              <a:t>结构类型，包含了</a:t>
-            </a:r>
-            <a:r>
-              <a:rPr lang="en-US" altLang="zh-CN" dirty="0" err="1"/>
-              <a:t>http.Client</a:t>
-            </a:r>
-            <a:r>
-              <a:rPr lang="zh-CN" altLang="en-US" dirty="0"/>
-              <a:t>类型对象。</a:t>
-            </a:r>
-          </a:p>
-          <a:p>
-            <a:r>
-              <a:rPr lang="zh-CN" altLang="en-US" dirty="0"/>
-              <a:t>，</a:t>
-            </a:r>
-            <a:r>
-              <a:rPr lang="en-US" altLang="zh-CN" dirty="0"/>
-              <a:t>Plugins</a:t>
-            </a:r>
-            <a:r>
-              <a:rPr lang="zh-CN" altLang="en-US" dirty="0"/>
-              <a:t>结构类型的全局变量</a:t>
-            </a:r>
-            <a:r>
-              <a:rPr lang="en-US" altLang="zh-CN" dirty="0"/>
-              <a:t>Storage</a:t>
-            </a:r>
-            <a:r>
-              <a:rPr lang="zh-CN" altLang="en-US" dirty="0"/>
-              <a:t>保存所有被</a:t>
+            </a:br>
+            <a:r>
+              <a:rPr lang="zh-CN" altLang="zh-CN" dirty="0"/>
+              <a:t>前面已经提到过，</a:t>
             </a:r>
             <a:r>
               <a:rPr lang="en-US" altLang="zh-CN" dirty="0"/>
               <a:t>Docker Daemon</a:t>
             </a:r>
             <a:r>
-              <a:rPr lang="zh-CN" altLang="en-US" dirty="0"/>
-              <a:t>发现的</a:t>
+              <a:rPr lang="zh-CN" altLang="zh-CN" dirty="0"/>
+              <a:t>和</a:t>
             </a:r>
             <a:r>
               <a:rPr lang="en-US" altLang="zh-CN" dirty="0"/>
-              <a:t>Plugin</a:t>
-            </a:r>
-            <a:r>
-              <a:rPr lang="zh-CN" altLang="en-US" dirty="0"/>
-              <a:t>结构，</a:t>
+              <a:t>Plugin Daemon</a:t>
+            </a:r>
+            <a:r>
+              <a:rPr lang="zh-CN" altLang="zh-CN" dirty="0"/>
+              <a:t>基于</a:t>
             </a:r>
             <a:r>
               <a:rPr lang="en-US" altLang="zh-CN" dirty="0"/>
-              <a:t>Plugin</a:t>
-            </a:r>
-            <a:r>
-              <a:rPr lang="zh-CN" altLang="en-US" dirty="0"/>
-              <a:t>结构代表外部插件</a:t>
-            </a:r>
+              <a:t>Unix</a:t>
+            </a:r>
+            <a:r>
+              <a:rPr lang="zh-CN" altLang="zh-CN" dirty="0"/>
+              <a:t>域套接字，使用</a:t>
+            </a:r>
+            <a:r>
+              <a:rPr lang="en-US" altLang="zh-CN" dirty="0"/>
+              <a:t>Restful API</a:t>
+            </a:r>
+            <a:r>
+              <a:rPr lang="zh-CN" altLang="zh-CN" dirty="0"/>
+              <a:t>进行通信，</a:t>
+            </a:r>
+            <a:endParaRPr lang="zh-CN" altLang="en-US" dirty="0"/>
           </a:p>
         </p:txBody>
       </p:sp>
@@ -1982,6 +2451,452 @@
             <a:fld id="{193449A1-6881-4E18-9118-9CA8B6351369}" type="slidenum">
               <a:rPr lang="zh-CN" altLang="en-US" smtClean="0"/>
               <a:t>18</a:t>
+            </a:fld>
+            <a:endParaRPr lang="zh-CN" altLang="en-US"/>
+          </a:p>
+        </p:txBody>
+      </p:sp>
+    </p:spTree>
+    <p:extLst>
+      <p:ext uri="{BB962C8B-B14F-4D97-AF65-F5344CB8AC3E}">
+        <p14:creationId xmlns:p14="http://schemas.microsoft.com/office/powerpoint/2010/main" val="3454901268"/>
+      </p:ext>
+    </p:extLst>
+  </p:cSld>
+  <p:clrMapOvr>
+    <a:masterClrMapping/>
+  </p:clrMapOvr>
+</p:notes>
+</file>
+
+<file path=ppt/notesSlides/notesSlide3.xml><?xml version="1.0" encoding="utf-8"?>
+<p:notes xmlns:a="http://schemas.openxmlformats.org/drawingml/2006/main" xmlns:r="http://schemas.openxmlformats.org/officeDocument/2006/relationships" xmlns:p="http://schemas.openxmlformats.org/presentationml/2006/main">
+  <p:cSld>
+    <p:spTree>
+      <p:nvGrpSpPr>
+        <p:cNvPr id="1" name=""/>
+        <p:cNvGrpSpPr/>
+        <p:nvPr/>
+      </p:nvGrpSpPr>
+      <p:grpSpPr>
+        <a:xfrm>
+          <a:off x="0" y="0"/>
+          <a:ext cx="0" cy="0"/>
+          <a:chOff x="0" y="0"/>
+          <a:chExt cx="0" cy="0"/>
+        </a:xfrm>
+      </p:grpSpPr>
+      <p:sp>
+        <p:nvSpPr>
+          <p:cNvPr id="2" name="幻灯片图像占位符 1"/>
+          <p:cNvSpPr>
+            <a:spLocks noGrp="1" noRot="1" noChangeAspect="1"/>
+          </p:cNvSpPr>
+          <p:nvPr>
+            <p:ph type="sldImg"/>
+          </p:nvPr>
+        </p:nvSpPr>
+        <p:spPr/>
+      </p:sp>
+      <p:sp>
+        <p:nvSpPr>
+          <p:cNvPr id="3" name="备注占位符 2"/>
+          <p:cNvSpPr>
+            <a:spLocks noGrp="1"/>
+          </p:cNvSpPr>
+          <p:nvPr>
+            <p:ph type="body" idx="1"/>
+          </p:nvPr>
+        </p:nvSpPr>
+        <p:spPr/>
+        <p:txBody>
+          <a:bodyPr/>
+          <a:lstStyle/>
+          <a:p>
+            <a:r>
+              <a:rPr lang="en-US" altLang="zh-CN" dirty="0"/>
+              <a:t>Volume Driver Adapter : </a:t>
+            </a:r>
+            <a:r>
+              <a:rPr lang="zh-CN" altLang="en-US" dirty="0"/>
+              <a:t>实现</a:t>
+            </a:r>
+            <a:r>
+              <a:rPr lang="en-US" altLang="zh-CN" dirty="0"/>
+              <a:t>Driver</a:t>
+            </a:r>
+            <a:r>
+              <a:rPr lang="zh-CN" altLang="en-US" dirty="0"/>
+              <a:t>接口，用于抽象各种</a:t>
+            </a:r>
+            <a:r>
+              <a:rPr lang="en-US" altLang="zh-CN" dirty="0"/>
+              <a:t>Plugin</a:t>
+            </a:r>
+            <a:r>
+              <a:rPr lang="zh-CN" altLang="en-US" dirty="0"/>
+              <a:t>的驱动，该类型可以适配所有符合规范的</a:t>
+            </a:r>
+            <a:r>
+              <a:rPr lang="en-US" altLang="zh-CN" dirty="0"/>
+              <a:t>Volume Plugin</a:t>
+            </a:r>
+            <a:r>
+              <a:rPr lang="zh-CN" altLang="en-US" dirty="0"/>
+              <a:t>，对</a:t>
+            </a:r>
+            <a:r>
+              <a:rPr lang="en-US" altLang="zh-CN" dirty="0"/>
+              <a:t>Plugin</a:t>
+            </a:r>
+            <a:r>
+              <a:rPr lang="zh-CN" altLang="en-US" dirty="0"/>
+              <a:t>进行管理。 </a:t>
+            </a:r>
+            <a:endParaRPr lang="en-US" altLang="zh-CN" dirty="0" smtClean="0"/>
+          </a:p>
+          <a:p>
+            <a:r>
+              <a:rPr lang="en-US" altLang="zh-CN" dirty="0" smtClean="0"/>
+              <a:t>Volume </a:t>
+            </a:r>
+            <a:r>
+              <a:rPr lang="en-US" altLang="zh-CN" dirty="0"/>
+              <a:t>Adapter : </a:t>
+            </a:r>
+            <a:r>
+              <a:rPr lang="zh-CN" altLang="en-US" dirty="0"/>
+              <a:t>实现</a:t>
+            </a:r>
+            <a:r>
+              <a:rPr lang="en-US" altLang="zh-CN" dirty="0"/>
+              <a:t>Volume</a:t>
+            </a:r>
+            <a:r>
+              <a:rPr lang="zh-CN" altLang="en-US" dirty="0"/>
+              <a:t>接口，用于抽象所有</a:t>
+            </a:r>
+            <a:r>
+              <a:rPr lang="en-US" altLang="zh-CN" dirty="0"/>
+              <a:t>Plugin</a:t>
+            </a:r>
+            <a:r>
+              <a:rPr lang="zh-CN" altLang="en-US" dirty="0"/>
+              <a:t>提供的</a:t>
+            </a:r>
+            <a:r>
+              <a:rPr lang="en-US" altLang="zh-CN" dirty="0"/>
+              <a:t>Volume</a:t>
+            </a:r>
+            <a:r>
+              <a:rPr lang="zh-CN" altLang="en-US" dirty="0"/>
+              <a:t>，该类型可以适配所有符合规范的</a:t>
+            </a:r>
+            <a:r>
+              <a:rPr lang="en-US" altLang="zh-CN" dirty="0"/>
+              <a:t>Volume Plugin</a:t>
+            </a:r>
+            <a:r>
+              <a:rPr lang="zh-CN" altLang="en-US" dirty="0"/>
+              <a:t>提供的类型，对</a:t>
+            </a:r>
+            <a:r>
+              <a:rPr lang="en-US" altLang="zh-CN" dirty="0"/>
+              <a:t>Volume</a:t>
+            </a:r>
+            <a:r>
+              <a:rPr lang="zh-CN" altLang="en-US" dirty="0"/>
+              <a:t>进行管理。 通过抽象，对于</a:t>
+            </a:r>
+            <a:r>
+              <a:rPr lang="en-US" altLang="zh-CN" dirty="0"/>
+              <a:t>Plugin</a:t>
+            </a:r>
+            <a:r>
+              <a:rPr lang="zh-CN" altLang="en-US" dirty="0"/>
+              <a:t>和其提供的</a:t>
+            </a:r>
+            <a:r>
+              <a:rPr lang="en-US" altLang="zh-CN" dirty="0"/>
+              <a:t>Volume</a:t>
+            </a:r>
+            <a:r>
+              <a:rPr lang="zh-CN" altLang="en-US" dirty="0"/>
+              <a:t>，</a:t>
+            </a:r>
+            <a:r>
+              <a:rPr lang="en-US" altLang="zh-CN" dirty="0"/>
+              <a:t>Docker Daemon</a:t>
+            </a:r>
+            <a:r>
+              <a:rPr lang="zh-CN" altLang="en-US" dirty="0"/>
+              <a:t>结构和</a:t>
+            </a:r>
+            <a:r>
+              <a:rPr lang="en-US" altLang="zh-CN" dirty="0"/>
+              <a:t>Container</a:t>
+            </a:r>
+            <a:r>
+              <a:rPr lang="zh-CN" altLang="en-US" dirty="0"/>
+              <a:t>结构使用上述两个适配类型，对</a:t>
+            </a:r>
+            <a:r>
+              <a:rPr lang="en-US" altLang="zh-CN" dirty="0"/>
+              <a:t>Plugin</a:t>
+            </a:r>
+            <a:r>
+              <a:rPr lang="zh-CN" altLang="en-US" dirty="0"/>
+              <a:t>和</a:t>
+            </a:r>
+            <a:r>
+              <a:rPr lang="en-US" altLang="zh-CN" dirty="0"/>
+              <a:t>Volume</a:t>
+            </a:r>
+            <a:r>
+              <a:rPr lang="zh-CN" altLang="en-US" dirty="0"/>
+              <a:t>进行管理和使用。</a:t>
+            </a:r>
+          </a:p>
+          <a:p>
+            <a:r>
+              <a:rPr lang="zh-CN" altLang="en-US" dirty="0"/>
+              <a:t>上述两个类型都有一个</a:t>
+            </a:r>
+            <a:r>
+              <a:rPr lang="en-US" altLang="zh-CN" dirty="0"/>
+              <a:t>Volume Driver Proxy</a:t>
+            </a:r>
+            <a:r>
+              <a:rPr lang="zh-CN" altLang="en-US" dirty="0"/>
+              <a:t>结构变量</a:t>
+            </a:r>
+            <a:r>
+              <a:rPr lang="en-US" altLang="zh-CN" dirty="0"/>
+              <a:t>proxy</a:t>
+            </a:r>
+            <a:r>
+              <a:rPr lang="zh-CN" altLang="en-US" dirty="0"/>
+              <a:t>，用于与</a:t>
+            </a:r>
+            <a:r>
+              <a:rPr lang="en-US" altLang="zh-CN" dirty="0"/>
+              <a:t>Plugin</a:t>
+            </a:r>
+            <a:r>
+              <a:rPr lang="zh-CN" altLang="en-US" dirty="0"/>
+              <a:t>进行通信。</a:t>
+            </a:r>
+            <a:r>
+              <a:rPr lang="en-US" altLang="zh-CN" dirty="0"/>
+              <a:t>Volume Driver Proxy</a:t>
+            </a:r>
+            <a:r>
+              <a:rPr lang="zh-CN" altLang="en-US" dirty="0"/>
+              <a:t>结构实现了与</a:t>
+            </a:r>
+            <a:r>
+              <a:rPr lang="en-US" altLang="zh-CN" dirty="0"/>
+              <a:t>plugin</a:t>
+            </a:r>
+            <a:r>
+              <a:rPr lang="zh-CN" altLang="en-US" dirty="0"/>
+              <a:t>通信的接口</a:t>
+            </a:r>
+            <a:r>
+              <a:rPr lang="en-US" altLang="zh-CN" dirty="0"/>
+              <a:t>volume Driver</a:t>
+            </a:r>
+            <a:r>
+              <a:rPr lang="zh-CN" altLang="en-US" dirty="0"/>
+              <a:t>，提供</a:t>
+            </a:r>
+            <a:r>
+              <a:rPr lang="en-US" altLang="zh-CN" dirty="0"/>
+              <a:t>Create</a:t>
+            </a:r>
+            <a:r>
+              <a:rPr lang="zh-CN" altLang="en-US" dirty="0"/>
+              <a:t>、</a:t>
+            </a:r>
+            <a:r>
+              <a:rPr lang="en-US" altLang="zh-CN" dirty="0"/>
+              <a:t>Remove</a:t>
+            </a:r>
+            <a:r>
+              <a:rPr lang="zh-CN" altLang="en-US" dirty="0"/>
+              <a:t>、</a:t>
+            </a:r>
+            <a:r>
+              <a:rPr lang="en-US" altLang="zh-CN" dirty="0"/>
+              <a:t>Path</a:t>
+            </a:r>
+            <a:r>
+              <a:rPr lang="zh-CN" altLang="en-US" dirty="0"/>
+              <a:t>、</a:t>
+            </a:r>
+            <a:r>
+              <a:rPr lang="en-US" altLang="zh-CN" dirty="0"/>
+              <a:t>Mount</a:t>
+            </a:r>
+            <a:r>
+              <a:rPr lang="zh-CN" altLang="en-US" dirty="0"/>
+              <a:t>、</a:t>
+            </a:r>
+            <a:r>
+              <a:rPr lang="en-US" altLang="zh-CN" dirty="0"/>
+              <a:t>Unmount</a:t>
+            </a:r>
+            <a:r>
+              <a:rPr lang="zh-CN" altLang="en-US" dirty="0"/>
+              <a:t>、</a:t>
+            </a:r>
+            <a:r>
+              <a:rPr lang="en-US" altLang="zh-CN" dirty="0"/>
+              <a:t>List</a:t>
+            </a:r>
+            <a:r>
+              <a:rPr lang="zh-CN" altLang="en-US" dirty="0"/>
+              <a:t>、</a:t>
+            </a:r>
+            <a:r>
+              <a:rPr lang="en-US" altLang="zh-CN" dirty="0"/>
+              <a:t>Get</a:t>
+            </a:r>
+            <a:r>
+              <a:rPr lang="zh-CN" altLang="en-US" dirty="0"/>
+              <a:t>接口与通信。</a:t>
+            </a:r>
+            <a:r>
+              <a:rPr lang="en-US" altLang="zh-CN" dirty="0"/>
+              <a:t>Volume Driver Proxy</a:t>
+            </a:r>
+            <a:r>
+              <a:rPr lang="zh-CN" altLang="en-US" dirty="0"/>
+              <a:t>结构的</a:t>
+            </a:r>
+            <a:r>
+              <a:rPr lang="en-US" altLang="zh-CN" dirty="0"/>
+              <a:t>client</a:t>
+            </a:r>
+            <a:r>
+              <a:rPr lang="zh-CN" altLang="en-US" dirty="0"/>
+              <a:t>变量，使用这个变量与</a:t>
+            </a:r>
+            <a:r>
+              <a:rPr lang="en-US" altLang="zh-CN" dirty="0"/>
+              <a:t>Plugin Daemon</a:t>
+            </a:r>
+            <a:r>
+              <a:rPr lang="zh-CN" altLang="en-US" dirty="0"/>
+              <a:t>进行通信。</a:t>
+            </a:r>
+            <a:r>
+              <a:rPr lang="en-US" altLang="zh-CN" dirty="0"/>
+              <a:t>client</a:t>
+            </a:r>
+            <a:r>
+              <a:rPr lang="zh-CN" altLang="en-US" dirty="0"/>
+              <a:t>变量是</a:t>
+            </a:r>
+            <a:r>
+              <a:rPr lang="en-US" altLang="zh-CN" dirty="0"/>
+              <a:t>Plugin</a:t>
+            </a:r>
+            <a:r>
+              <a:rPr lang="zh-CN" altLang="en-US" dirty="0"/>
+              <a:t>结构中的</a:t>
+            </a:r>
+            <a:r>
+              <a:rPr lang="en-US" altLang="zh-CN" dirty="0"/>
+              <a:t>Client</a:t>
+            </a:r>
+            <a:r>
+              <a:rPr lang="zh-CN" altLang="en-US" dirty="0"/>
+              <a:t>变量是</a:t>
+            </a:r>
+            <a:r>
+              <a:rPr lang="en-US" altLang="zh-CN" dirty="0"/>
+              <a:t>Client</a:t>
+            </a:r>
+            <a:r>
+              <a:rPr lang="zh-CN" altLang="en-US" dirty="0"/>
+              <a:t>结构类型，包含了</a:t>
+            </a:r>
+            <a:r>
+              <a:rPr lang="en-US" altLang="zh-CN" dirty="0" err="1"/>
+              <a:t>http.Client</a:t>
+            </a:r>
+            <a:r>
+              <a:rPr lang="zh-CN" altLang="en-US" dirty="0"/>
+              <a:t>类型对象。</a:t>
+            </a:r>
+          </a:p>
+          <a:p>
+            <a:r>
+              <a:rPr lang="zh-CN" altLang="en-US" dirty="0"/>
+              <a:t>，</a:t>
+            </a:r>
+            <a:r>
+              <a:rPr lang="en-US" altLang="zh-CN" dirty="0"/>
+              <a:t>Plugins</a:t>
+            </a:r>
+            <a:r>
+              <a:rPr lang="zh-CN" altLang="en-US" dirty="0"/>
+              <a:t>结构类型的全局变量</a:t>
+            </a:r>
+            <a:r>
+              <a:rPr lang="en-US" altLang="zh-CN" dirty="0"/>
+              <a:t>Storage</a:t>
+            </a:r>
+            <a:r>
+              <a:rPr lang="zh-CN" altLang="en-US" dirty="0"/>
+              <a:t>保存所有被</a:t>
+            </a:r>
+            <a:r>
+              <a:rPr lang="en-US" altLang="zh-CN" dirty="0"/>
+              <a:t>Docker Daemon</a:t>
+            </a:r>
+            <a:r>
+              <a:rPr lang="zh-CN" altLang="en-US" dirty="0"/>
+              <a:t>发现的</a:t>
+            </a:r>
+            <a:r>
+              <a:rPr lang="en-US" altLang="zh-CN" dirty="0"/>
+              <a:t>Plugin</a:t>
+            </a:r>
+            <a:r>
+              <a:rPr lang="zh-CN" altLang="en-US" dirty="0"/>
+              <a:t>结构，</a:t>
+            </a:r>
+            <a:r>
+              <a:rPr lang="en-US" altLang="zh-CN" dirty="0"/>
+              <a:t>Plugin</a:t>
+            </a:r>
+            <a:r>
+              <a:rPr lang="zh-CN" altLang="en-US" dirty="0"/>
+              <a:t>结构代表外部插件</a:t>
+            </a:r>
+          </a:p>
+        </p:txBody>
+      </p:sp>
+      <p:sp>
+        <p:nvSpPr>
+          <p:cNvPr id="4" name="灯片编号占位符 3"/>
+          <p:cNvSpPr>
+            <a:spLocks noGrp="1"/>
+          </p:cNvSpPr>
+          <p:nvPr>
+            <p:ph type="sldNum" sz="quarter" idx="10"/>
+          </p:nvPr>
+        </p:nvSpPr>
+        <p:spPr/>
+        <p:txBody>
+          <a:bodyPr/>
+          <a:lstStyle/>
+          <a:p>
+            <a:fld id="{193449A1-6881-4E18-9118-9CA8B6351369}" type="slidenum">
+              <a:rPr lang="zh-CN" altLang="en-US" smtClean="0"/>
+              <a:t>19</a:t>
             </a:fld>
             <a:endParaRPr lang="zh-CN" altLang="en-US"/>
           </a:p>
@@ -2131,7 +3046,7 @@
           <a:p>
             <a:fld id="{E1E637E6-C72E-4811-A999-7E3B3249467C}" type="datetimeFigureOut">
               <a:rPr lang="zh-CN" altLang="en-US" smtClean="0"/>
-              <a:t>2017/7/27</a:t>
+              <a:t>2017/7/28</a:t>
             </a:fld>
             <a:endParaRPr lang="zh-CN" altLang="en-US"/>
           </a:p>
@@ -2301,7 +3216,7 @@
           <a:p>
             <a:fld id="{E1E637E6-C72E-4811-A999-7E3B3249467C}" type="datetimeFigureOut">
               <a:rPr lang="zh-CN" altLang="en-US" smtClean="0"/>
-              <a:t>2017/7/27</a:t>
+              <a:t>2017/7/28</a:t>
             </a:fld>
             <a:endParaRPr lang="zh-CN" altLang="en-US"/>
           </a:p>
@@ -2481,7 +3396,7 @@
           <a:p>
             <a:fld id="{E1E637E6-C72E-4811-A999-7E3B3249467C}" type="datetimeFigureOut">
               <a:rPr lang="zh-CN" altLang="en-US" smtClean="0"/>
-              <a:t>2017/7/27</a:t>
+              <a:t>2017/7/28</a:t>
             </a:fld>
             <a:endParaRPr lang="zh-CN" altLang="en-US"/>
           </a:p>
@@ -2651,7 +3566,7 @@
           <a:p>
             <a:fld id="{E1E637E6-C72E-4811-A999-7E3B3249467C}" type="datetimeFigureOut">
               <a:rPr lang="zh-CN" altLang="en-US" smtClean="0"/>
-              <a:t>2017/7/27</a:t>
+              <a:t>2017/7/28</a:t>
             </a:fld>
             <a:endParaRPr lang="zh-CN" altLang="en-US"/>
           </a:p>
@@ -2897,7 +3812,7 @@
           <a:p>
             <a:fld id="{E1E637E6-C72E-4811-A999-7E3B3249467C}" type="datetimeFigureOut">
               <a:rPr lang="zh-CN" altLang="en-US" smtClean="0"/>
-              <a:t>2017/7/27</a:t>
+              <a:t>2017/7/28</a:t>
             </a:fld>
             <a:endParaRPr lang="zh-CN" altLang="en-US"/>
           </a:p>
@@ -3129,7 +4044,7 @@
           <a:p>
             <a:fld id="{E1E637E6-C72E-4811-A999-7E3B3249467C}" type="datetimeFigureOut">
               <a:rPr lang="zh-CN" altLang="en-US" smtClean="0"/>
-              <a:t>2017/7/27</a:t>
+              <a:t>2017/7/28</a:t>
             </a:fld>
             <a:endParaRPr lang="zh-CN" altLang="en-US"/>
           </a:p>
@@ -3496,7 +4411,7 @@
           <a:p>
             <a:fld id="{E1E637E6-C72E-4811-A999-7E3B3249467C}" type="datetimeFigureOut">
               <a:rPr lang="zh-CN" altLang="en-US" smtClean="0"/>
-              <a:t>2017/7/27</a:t>
+              <a:t>2017/7/28</a:t>
             </a:fld>
             <a:endParaRPr lang="zh-CN" altLang="en-US"/>
           </a:p>
@@ -3614,7 +4529,7 @@
           <a:p>
             <a:fld id="{E1E637E6-C72E-4811-A999-7E3B3249467C}" type="datetimeFigureOut">
               <a:rPr lang="zh-CN" altLang="en-US" smtClean="0"/>
-              <a:t>2017/7/27</a:t>
+              <a:t>2017/7/28</a:t>
             </a:fld>
             <a:endParaRPr lang="zh-CN" altLang="en-US"/>
           </a:p>
@@ -3709,7 +4624,7 @@
           <a:p>
             <a:fld id="{E1E637E6-C72E-4811-A999-7E3B3249467C}" type="datetimeFigureOut">
               <a:rPr lang="zh-CN" altLang="en-US" smtClean="0"/>
-              <a:t>2017/7/27</a:t>
+              <a:t>2017/7/28</a:t>
             </a:fld>
             <a:endParaRPr lang="zh-CN" altLang="en-US"/>
           </a:p>
@@ -4017,7 +4932,7 @@
           <a:p>
             <a:fld id="{E1E637E6-C72E-4811-A999-7E3B3249467C}" type="datetimeFigureOut">
               <a:rPr lang="zh-CN" altLang="en-US" smtClean="0"/>
-              <a:t>2017/7/27</a:t>
+              <a:t>2017/7/28</a:t>
             </a:fld>
             <a:endParaRPr lang="zh-CN" altLang="en-US"/>
           </a:p>
@@ -4274,7 +5189,7 @@
           <a:p>
             <a:fld id="{E1E637E6-C72E-4811-A999-7E3B3249467C}" type="datetimeFigureOut">
               <a:rPr lang="zh-CN" altLang="en-US" smtClean="0"/>
-              <a:t>2017/7/27</a:t>
+              <a:t>2017/7/28</a:t>
             </a:fld>
             <a:endParaRPr lang="zh-CN" altLang="en-US"/>
           </a:p>
@@ -4487,7 +5402,7 @@
           <a:p>
             <a:fld id="{E1E637E6-C72E-4811-A999-7E3B3249467C}" type="datetimeFigureOut">
               <a:rPr lang="zh-CN" altLang="en-US" smtClean="0"/>
-              <a:t>2017/7/27</a:t>
+              <a:t>2017/7/28</a:t>
             </a:fld>
             <a:endParaRPr lang="zh-CN" altLang="en-US"/>
           </a:p>
@@ -5187,7 +6102,7 @@
                 <a:latin typeface="方正清刻本悦宋简体" panose="02000000000000000000" pitchFamily="2" charset="-122"/>
                 <a:ea typeface="方正清刻本悦宋简体" panose="02000000000000000000" pitchFamily="2" charset="-122"/>
               </a:rPr>
-              <a:t>源码</a:t>
+              <a:t>源码解析</a:t>
             </a:r>
             <a:endParaRPr lang="zh-CN" altLang="en-US" sz="3600" b="1" dirty="0">
               <a:solidFill>
@@ -5590,7 +6505,7 @@
             <a:p>
               <a:pPr algn="ctr"/>
               <a:r>
-                <a:rPr lang="en-US" altLang="zh-CN" sz="1600" smtClean="0">
+                <a:rPr lang="en-US" altLang="zh-CN" sz="1600" dirty="0" smtClean="0">
                   <a:solidFill>
                     <a:schemeClr val="bg1"/>
                   </a:solidFill>
@@ -6304,7 +7219,7 @@
           <p:spPr>
             <a:xfrm>
               <a:off x="795224" y="378662"/>
-              <a:ext cx="3680870" cy="572464"/>
+              <a:ext cx="3680870" cy="504369"/>
             </a:xfrm>
             <a:prstGeom prst="rect">
               <a:avLst/>
@@ -6336,13 +7251,13 @@
                 </a:lnSpc>
               </a:pPr>
               <a:r>
-                <a:rPr lang="en-US" altLang="zh-CN" dirty="0">
+                <a:rPr lang="en-US" altLang="zh-CN" b="1" dirty="0">
                   <a:latin typeface="+mn-ea"/>
                 </a:rPr>
                 <a:t>Docker volume </a:t>
               </a:r>
               <a:r>
-                <a:rPr lang="zh-CN" altLang="en-US" dirty="0">
+                <a:rPr lang="zh-CN" altLang="en-US" b="1" dirty="0">
                   <a:latin typeface="+mn-ea"/>
                 </a:rPr>
                 <a:t>基本命令</a:t>
@@ -6387,10 +7302,14 @@
             <a:p>
               <a:pPr algn="l"/>
               <a:r>
-                <a:rPr lang="en-US" altLang="zh-CN" dirty="0" smtClean="0"/>
-                <a:t>inspect</a:t>
+                <a:rPr lang="en-US" altLang="zh-CN" b="1" dirty="0" err="1"/>
+                <a:t>docker</a:t>
               </a:r>
-              <a:endParaRPr lang="zh-CN" altLang="en-US" dirty="0"/>
+              <a:r>
+                <a:rPr lang="en-US" altLang="zh-CN" b="1" dirty="0"/>
+                <a:t> volume inspect</a:t>
+              </a:r>
+              <a:endParaRPr lang="zh-CN" altLang="en-US" b="1" dirty="0"/>
             </a:p>
           </p:txBody>
         </p:sp>
@@ -6529,7 +7448,7 @@
               <a:t>：</a:t>
             </a:r>
             <a:r>
-              <a:rPr lang="en-US" altLang="zh-CN" sz="2000" dirty="0" err="1">
+              <a:rPr lang="en-US" altLang="zh-CN" sz="2000" b="1" dirty="0" err="1">
                 <a:solidFill>
                   <a:schemeClr val="bg2"/>
                 </a:solidFill>
@@ -6537,14 +7456,14 @@
               <a:t>docker</a:t>
             </a:r>
             <a:r>
-              <a:rPr lang="en-US" altLang="zh-CN" sz="2000" dirty="0">
+              <a:rPr lang="en-US" altLang="zh-CN" sz="2000" b="1" dirty="0">
                 <a:solidFill>
                   <a:schemeClr val="bg2"/>
                 </a:solidFill>
               </a:rPr>
               <a:t> volume inspect [OPTIONS] VOLUME [VOLUME...]</a:t>
             </a:r>
-            <a:endParaRPr lang="zh-CN" altLang="en-US" sz="2000" dirty="0">
+            <a:endParaRPr lang="zh-CN" altLang="en-US" sz="2000" b="1" dirty="0">
               <a:solidFill>
                 <a:schemeClr val="bg2"/>
               </a:solidFill>
@@ -6967,27 +7886,7 @@
                 <a:latin typeface="Cambria Math" panose="02040503050406030204" pitchFamily="18" charset="0"/>
                 <a:ea typeface="Cambria Math" panose="02040503050406030204" pitchFamily="18" charset="0"/>
               </a:rPr>
-              <a:t>}}’ 85bffb067723697</a:t>
-            </a:r>
-            <a:r>
-              <a:rPr lang="en-US" altLang="zh-CN" dirty="0" smtClean="0">
-                <a:solidFill>
-                  <a:schemeClr val="bg2"/>
-                </a:solidFill>
-                <a:latin typeface="Cambria Math" panose="02040503050406030204" pitchFamily="18" charset="0"/>
-                <a:ea typeface="Cambria Math" panose="02040503050406030204" pitchFamily="18" charset="0"/>
-              </a:rPr>
-              <a:t>…</a:t>
-            </a:r>
-            <a:r>
-              <a:rPr lang="en-US" altLang="zh-CN" dirty="0" smtClean="0">
-                <a:solidFill>
-                  <a:schemeClr val="bg2"/>
-                </a:solidFill>
-                <a:latin typeface="Cambria Math" panose="02040503050406030204" pitchFamily="18" charset="0"/>
-                <a:ea typeface="Cambria Math" panose="02040503050406030204" pitchFamily="18" charset="0"/>
-              </a:rPr>
-              <a:t>53333cc1b443777be24d </a:t>
+              <a:t>}}’ 85bffb067723697…53333cc1b443777be24d </a:t>
             </a:r>
             <a:r>
               <a:rPr lang="en-US" altLang="zh-CN" dirty="0">
@@ -7080,12 +7979,12 @@
           <a:graphicData uri="http://schemas.openxmlformats.org/presentationml/2006/ole">
             <mc:AlternateContent xmlns:mc="http://schemas.openxmlformats.org/markup-compatibility/2006">
               <mc:Choice xmlns:v="urn:schemas-microsoft-com:vml" Requires="v">
-                <p:oleObj spid="_x0000_s4109" name="文档" r:id="rId3" imgW="9079723" imgH="2020019" progId="Word.Document.12">
+                <p:oleObj spid="_x0000_s4124" name="文档" r:id="rId4" imgW="9079723" imgH="2020019" progId="Word.Document.12">
                   <p:embed/>
                 </p:oleObj>
               </mc:Choice>
               <mc:Fallback>
-                <p:oleObj name="文档" r:id="rId3" imgW="9079723" imgH="2020019" progId="Word.Document.12">
+                <p:oleObj name="文档" r:id="rId4" imgW="9079723" imgH="2020019" progId="Word.Document.12">
                   <p:embed/>
                   <p:pic>
                     <p:nvPicPr>
@@ -7094,7 +7993,7 @@
                       <p:nvPr/>
                     </p:nvPicPr>
                     <p:blipFill>
-                      <a:blip r:embed="rId4"/>
+                      <a:blip r:embed="rId5"/>
                       <a:stretch>
                         <a:fillRect/>
                       </a:stretch>
@@ -7163,7 +8062,7 @@
         </p:nvGrpSpPr>
         <p:grpSpPr>
           <a:xfrm>
-            <a:off x="0" y="378662"/>
+            <a:off x="26895" y="299865"/>
             <a:ext cx="12197154" cy="732346"/>
             <a:chOff x="0" y="378662"/>
             <a:chExt cx="12197154" cy="732346"/>
@@ -7377,7 +8276,7 @@
           <p:spPr>
             <a:xfrm>
               <a:off x="795224" y="378662"/>
-              <a:ext cx="3680870" cy="572464"/>
+              <a:ext cx="3680870" cy="504369"/>
             </a:xfrm>
             <a:prstGeom prst="rect">
               <a:avLst/>
@@ -7409,13 +8308,13 @@
                 </a:lnSpc>
               </a:pPr>
               <a:r>
-                <a:rPr lang="en-US" altLang="zh-CN" dirty="0">
+                <a:rPr lang="en-US" altLang="zh-CN" b="1" dirty="0">
                   <a:latin typeface="+mn-ea"/>
                 </a:rPr>
                 <a:t>Docker volume </a:t>
               </a:r>
               <a:r>
-                <a:rPr lang="zh-CN" altLang="en-US" dirty="0">
+                <a:rPr lang="zh-CN" altLang="en-US" b="1" dirty="0">
                   <a:latin typeface="+mn-ea"/>
                 </a:rPr>
                 <a:t>基本命令</a:t>
@@ -7431,7 +8330,7 @@
           </p:nvSpPr>
           <p:spPr>
             <a:xfrm>
-              <a:off x="819039" y="741676"/>
+              <a:off x="795224" y="741676"/>
               <a:ext cx="3357562" cy="369332"/>
             </a:xfrm>
             <a:prstGeom prst="rect">
@@ -7460,10 +8359,10 @@
             <a:p>
               <a:pPr algn="l"/>
               <a:r>
-                <a:rPr lang="en-US" altLang="zh-CN" dirty="0" smtClean="0"/>
+                <a:rPr lang="en-US" altLang="zh-CN" b="1" dirty="0"/>
                 <a:t>Docker volume ls</a:t>
               </a:r>
-              <a:endParaRPr lang="zh-CN" altLang="en-US" dirty="0"/>
+              <a:endParaRPr lang="zh-CN" altLang="en-US" b="1" dirty="0"/>
             </a:p>
           </p:txBody>
         </p:sp>
@@ -7591,37 +8490,47 @@
                 <a:latin typeface="Cambria Math" panose="02040503050406030204" pitchFamily="18" charset="0"/>
                 <a:ea typeface="Cambria Math" panose="02040503050406030204" pitchFamily="18" charset="0"/>
               </a:rPr>
-              <a:t>:docker</a:t>
-            </a:r>
-            <a:r>
-              <a:rPr lang="en-US" altLang="zh-CN" sz="2000" dirty="0" smtClean="0">
+              <a:t>:</a:t>
+            </a:r>
+            <a:r>
+              <a:rPr lang="en-US" altLang="zh-CN" sz="2000" b="1" dirty="0" err="1" smtClean="0">
                 <a:solidFill>
                   <a:schemeClr val="bg2"/>
                 </a:solidFill>
                 <a:latin typeface="Cambria Math" panose="02040503050406030204" pitchFamily="18" charset="0"/>
                 <a:ea typeface="Cambria Math" panose="02040503050406030204" pitchFamily="18" charset="0"/>
               </a:rPr>
-              <a:t> </a:t>
-            </a:r>
-            <a:r>
-              <a:rPr lang="en-US" altLang="zh-CN" sz="2000" dirty="0">
+              <a:t>docker</a:t>
+            </a:r>
+            <a:r>
+              <a:rPr lang="en-US" altLang="zh-CN" sz="2000" b="1" dirty="0" smtClean="0">
                 <a:solidFill>
                   <a:schemeClr val="bg2"/>
                 </a:solidFill>
                 <a:latin typeface="Cambria Math" panose="02040503050406030204" pitchFamily="18" charset="0"/>
                 <a:ea typeface="Cambria Math" panose="02040503050406030204" pitchFamily="18" charset="0"/>
               </a:rPr>
+              <a:t> </a:t>
+            </a:r>
+            <a:r>
+              <a:rPr lang="en-US" altLang="zh-CN" sz="2000" b="1" dirty="0">
+                <a:solidFill>
+                  <a:schemeClr val="bg2"/>
+                </a:solidFill>
+                <a:latin typeface="Cambria Math" panose="02040503050406030204" pitchFamily="18" charset="0"/>
+                <a:ea typeface="Cambria Math" panose="02040503050406030204" pitchFamily="18" charset="0"/>
+              </a:rPr>
               <a:t>volume ls [OPTIONS</a:t>
             </a:r>
             <a:r>
-              <a:rPr lang="en-US" altLang="zh-CN" sz="2000" dirty="0" smtClean="0">
+              <a:rPr lang="en-US" altLang="zh-CN" sz="2000" b="1" dirty="0" smtClean="0">
                 <a:solidFill>
                   <a:schemeClr val="bg2"/>
                 </a:solidFill>
               </a:rPr>
               <a:t>]</a:t>
             </a:r>
-            <a:endParaRPr lang="zh-CN" altLang="en-US" sz="2000" dirty="0">
+            <a:endParaRPr lang="zh-CN" altLang="en-US" sz="2000" b="1" dirty="0">
               <a:solidFill>
                 <a:schemeClr val="bg2"/>
               </a:solidFill>
@@ -7639,7 +8548,7 @@
           <p:nvPr>
             <p:extLst>
               <p:ext uri="{D42A27DB-BD31-4B8C-83A1-F6EECF244321}">
-                <p14:modId xmlns:p14="http://schemas.microsoft.com/office/powerpoint/2010/main" val="2799899362"/>
+                <p14:modId xmlns:p14="http://schemas.microsoft.com/office/powerpoint/2010/main" val="2248607595"/>
               </p:ext>
             </p:extLst>
           </p:nvPr>
@@ -7652,12 +8561,12 @@
           <a:graphicData uri="http://schemas.openxmlformats.org/presentationml/2006/ole">
             <mc:AlternateContent xmlns:mc="http://schemas.openxmlformats.org/markup-compatibility/2006">
               <mc:Choice xmlns:v="urn:schemas-microsoft-com:vml" Requires="v">
-                <p:oleObj spid="_x0000_s3086" name="文档" r:id="rId3" imgW="6934487" imgH="3042669" progId="Word.Document.12">
+                <p:oleObj spid="_x0000_s3100" name="文档" r:id="rId4" imgW="6934487" imgH="3046634" progId="Word.Document.12">
                   <p:embed/>
                 </p:oleObj>
               </mc:Choice>
               <mc:Fallback>
-                <p:oleObj name="文档" r:id="rId3" imgW="6934487" imgH="3042669" progId="Word.Document.12">
+                <p:oleObj name="文档" r:id="rId4" imgW="6934487" imgH="3046634" progId="Word.Document.12">
                   <p:embed/>
                   <p:pic>
                     <p:nvPicPr>
@@ -7666,7 +8575,7 @@
                       <p:nvPr/>
                     </p:nvPicPr>
                     <p:blipFill>
-                      <a:blip r:embed="rId4"/>
+                      <a:blip r:embed="rId5"/>
                       <a:stretch>
                         <a:fillRect/>
                       </a:stretch>
@@ -8366,7 +9275,7 @@
           <p:spPr>
             <a:xfrm>
               <a:off x="795224" y="378662"/>
-              <a:ext cx="3680870" cy="572464"/>
+              <a:ext cx="3680870" cy="504369"/>
             </a:xfrm>
             <a:prstGeom prst="rect">
               <a:avLst/>
@@ -8398,13 +9307,13 @@
                 </a:lnSpc>
               </a:pPr>
               <a:r>
-                <a:rPr lang="en-US" altLang="zh-CN" dirty="0">
+                <a:rPr lang="en-US" altLang="zh-CN" b="1" dirty="0">
                   <a:latin typeface="+mn-ea"/>
                 </a:rPr>
                 <a:t>Docker volume </a:t>
               </a:r>
               <a:r>
-                <a:rPr lang="zh-CN" altLang="en-US" dirty="0">
+                <a:rPr lang="zh-CN" altLang="en-US" b="1" dirty="0">
                   <a:latin typeface="+mn-ea"/>
                 </a:rPr>
                 <a:t>基本命令</a:t>
@@ -8449,10 +9358,10 @@
             <a:p>
               <a:pPr algn="l"/>
               <a:r>
-                <a:rPr lang="en-US" altLang="zh-CN" dirty="0" smtClean="0"/>
+                <a:rPr lang="en-US" altLang="zh-CN" b="1" dirty="0" smtClean="0"/>
                 <a:t>Docker volume prune</a:t>
               </a:r>
-              <a:endParaRPr lang="zh-CN" altLang="en-US" dirty="0"/>
+              <a:endParaRPr lang="zh-CN" altLang="en-US" b="1" dirty="0"/>
             </a:p>
           </p:txBody>
         </p:sp>
@@ -8583,7 +9492,7 @@
               <a:t>：</a:t>
             </a:r>
             <a:r>
-              <a:rPr lang="en-US" altLang="zh-CN" sz="2000" dirty="0" err="1" smtClean="0">
+              <a:rPr lang="en-US" altLang="zh-CN" sz="2000" b="1" dirty="0" err="1" smtClean="0">
                 <a:solidFill>
                   <a:schemeClr val="bg2"/>
                 </a:solidFill>
@@ -8593,7 +9502,7 @@
               <a:t>docker</a:t>
             </a:r>
             <a:r>
-              <a:rPr lang="en-US" altLang="zh-CN" sz="2000" dirty="0" smtClean="0">
+              <a:rPr lang="en-US" altLang="zh-CN" sz="2000" b="1" dirty="0" smtClean="0">
                 <a:solidFill>
                   <a:schemeClr val="bg2"/>
                 </a:solidFill>
@@ -8603,7 +9512,7 @@
               <a:t> </a:t>
             </a:r>
             <a:r>
-              <a:rPr lang="en-US" altLang="zh-CN" sz="2000" dirty="0">
+              <a:rPr lang="en-US" altLang="zh-CN" sz="2000" b="1" dirty="0">
                 <a:solidFill>
                   <a:schemeClr val="bg2"/>
                 </a:solidFill>
@@ -8612,7 +9521,7 @@
               </a:rPr>
               <a:t>volume prune [OPTIONS]</a:t>
             </a:r>
-            <a:endParaRPr lang="zh-CN" altLang="en-US" sz="2000" dirty="0">
+            <a:endParaRPr lang="zh-CN" altLang="en-US" sz="2000" b="1" dirty="0">
               <a:solidFill>
                 <a:schemeClr val="bg2"/>
               </a:solidFill>
@@ -8630,7 +9539,7 @@
         <p:spPr>
           <a:xfrm>
             <a:off x="1339913" y="3711905"/>
-            <a:ext cx="10357165" cy="1938992"/>
+            <a:ext cx="10357165" cy="2246769"/>
           </a:xfrm>
           <a:prstGeom prst="rect">
             <a:avLst/>
@@ -8673,7 +9582,36 @@
                 <a:latin typeface="Cambria Math" panose="02040503050406030204" pitchFamily="18" charset="0"/>
                 <a:ea typeface="Cambria Math" panose="02040503050406030204" pitchFamily="18" charset="0"/>
               </a:rPr>
-              <a:t> volume prune WARNING! </a:t>
+              <a:t> volume prune </a:t>
+            </a:r>
+            <a:endParaRPr lang="en-US" altLang="zh-CN" sz="2000" dirty="0" smtClean="0">
+              <a:solidFill>
+                <a:schemeClr val="bg2"/>
+              </a:solidFill>
+              <a:latin typeface="Cambria Math" panose="02040503050406030204" pitchFamily="18" charset="0"/>
+              <a:ea typeface="Cambria Math" panose="02040503050406030204" pitchFamily="18" charset="0"/>
+            </a:endParaRPr>
+          </a:p>
+          <a:p>
+            <a:r>
+              <a:rPr lang="en-US" altLang="zh-CN" sz="2000" dirty="0" smtClean="0">
+                <a:solidFill>
+                  <a:schemeClr val="bg2"/>
+                </a:solidFill>
+                <a:latin typeface="Cambria Math" panose="02040503050406030204" pitchFamily="18" charset="0"/>
+                <a:ea typeface="Cambria Math" panose="02040503050406030204" pitchFamily="18" charset="0"/>
+              </a:rPr>
+              <a:t>WARNING</a:t>
+            </a:r>
+            <a:r>
+              <a:rPr lang="en-US" altLang="zh-CN" sz="2000" dirty="0">
+                <a:solidFill>
+                  <a:schemeClr val="bg2"/>
+                </a:solidFill>
+                <a:latin typeface="Cambria Math" panose="02040503050406030204" pitchFamily="18" charset="0"/>
+                <a:ea typeface="Cambria Math" panose="02040503050406030204" pitchFamily="18" charset="0"/>
+              </a:rPr>
+              <a:t>! </a:t>
             </a:r>
             <a:endParaRPr lang="en-US" altLang="zh-CN" sz="2000" dirty="0" smtClean="0">
               <a:solidFill>
@@ -8800,7 +9738,7 @@
           <p:nvPr>
             <p:extLst>
               <p:ext uri="{D42A27DB-BD31-4B8C-83A1-F6EECF244321}">
-                <p14:modId xmlns:p14="http://schemas.microsoft.com/office/powerpoint/2010/main" val="3107272126"/>
+                <p14:modId xmlns:p14="http://schemas.microsoft.com/office/powerpoint/2010/main" val="1159050214"/>
               </p:ext>
             </p:extLst>
           </p:nvPr>
@@ -8813,12 +9751,12 @@
           <a:graphicData uri="http://schemas.openxmlformats.org/presentationml/2006/ole">
             <mc:AlternateContent xmlns:mc="http://schemas.openxmlformats.org/markup-compatibility/2006">
               <mc:Choice xmlns:v="urn:schemas-microsoft-com:vml" Requires="v">
-                <p:oleObj spid="_x0000_s7182" name="文档" r:id="rId3" imgW="7385774" imgH="2423827" progId="Word.Document.12">
+                <p:oleObj spid="_x0000_s7198" name="文档" r:id="rId4" imgW="7385774" imgH="2427071" progId="Word.Document.12">
                   <p:embed/>
                 </p:oleObj>
               </mc:Choice>
               <mc:Fallback>
-                <p:oleObj name="文档" r:id="rId3" imgW="7385774" imgH="2423827" progId="Word.Document.12">
+                <p:oleObj name="文档" r:id="rId4" imgW="7385774" imgH="2427071" progId="Word.Document.12">
                   <p:embed/>
                   <p:pic>
                     <p:nvPicPr>
@@ -8827,7 +9765,7 @@
                       <p:nvPr/>
                     </p:nvPicPr>
                     <p:blipFill>
-                      <a:blip r:embed="rId4"/>
+                      <a:blip r:embed="rId5"/>
                       <a:stretch>
                         <a:fillRect/>
                       </a:stretch>
@@ -9110,7 +10048,7 @@
           <p:spPr>
             <a:xfrm>
               <a:off x="795224" y="378662"/>
-              <a:ext cx="3680870" cy="572464"/>
+              <a:ext cx="3680870" cy="504369"/>
             </a:xfrm>
             <a:prstGeom prst="rect">
               <a:avLst/>
@@ -9142,13 +10080,13 @@
                 </a:lnSpc>
               </a:pPr>
               <a:r>
-                <a:rPr lang="en-US" altLang="zh-CN" dirty="0">
+                <a:rPr lang="en-US" altLang="zh-CN" b="1" dirty="0">
                   <a:latin typeface="+mn-ea"/>
                 </a:rPr>
                 <a:t>Docker volume </a:t>
               </a:r>
               <a:r>
-                <a:rPr lang="zh-CN" altLang="en-US" dirty="0">
+                <a:rPr lang="zh-CN" altLang="en-US" b="1" dirty="0">
                   <a:latin typeface="+mn-ea"/>
                 </a:rPr>
                 <a:t>基本命令</a:t>
@@ -9193,14 +10131,14 @@
             <a:p>
               <a:pPr algn="l"/>
               <a:r>
-                <a:rPr lang="en-US" altLang="zh-CN" dirty="0" smtClean="0"/>
+                <a:rPr lang="en-US" altLang="zh-CN" b="1" dirty="0" smtClean="0"/>
                 <a:t>Docker volume </a:t>
               </a:r>
               <a:r>
-                <a:rPr lang="en-US" altLang="zh-CN" dirty="0" err="1" smtClean="0"/>
+                <a:rPr lang="en-US" altLang="zh-CN" b="1" dirty="0" err="1" smtClean="0"/>
                 <a:t>rm</a:t>
               </a:r>
-              <a:endParaRPr lang="zh-CN" altLang="en-US" dirty="0"/>
+              <a:endParaRPr lang="zh-CN" altLang="en-US" b="1" dirty="0"/>
             </a:p>
           </p:txBody>
         </p:sp>
@@ -9301,7 +10239,7 @@
           <a:lstStyle/>
           <a:p>
             <a:r>
-              <a:rPr lang="en-US" altLang="zh-CN" sz="2000" dirty="0" err="1">
+              <a:rPr lang="en-US" altLang="zh-CN" sz="2000" b="1" dirty="0" err="1">
                 <a:solidFill>
                   <a:schemeClr val="bg2"/>
                 </a:solidFill>
@@ -9311,7 +10249,7 @@
               <a:t>docker</a:t>
             </a:r>
             <a:r>
-              <a:rPr lang="en-US" altLang="zh-CN" sz="2000" dirty="0">
+              <a:rPr lang="en-US" altLang="zh-CN" sz="2000" b="1" dirty="0">
                 <a:solidFill>
                   <a:schemeClr val="bg2"/>
                 </a:solidFill>
@@ -9321,7 +10259,7 @@
               <a:t> volume </a:t>
             </a:r>
             <a:r>
-              <a:rPr lang="en-US" altLang="zh-CN" sz="2000" dirty="0" err="1" smtClean="0">
+              <a:rPr lang="en-US" altLang="zh-CN" sz="2000" b="1" dirty="0" err="1" smtClean="0">
                 <a:solidFill>
                   <a:schemeClr val="bg2"/>
                 </a:solidFill>
@@ -9331,7 +10269,7 @@
               <a:t>rm</a:t>
             </a:r>
             <a:r>
-              <a:rPr lang="en-US" altLang="zh-CN" sz="2000" dirty="0" smtClean="0">
+              <a:rPr lang="en-US" altLang="zh-CN" sz="2000" b="1" dirty="0" smtClean="0">
                 <a:solidFill>
                   <a:schemeClr val="bg2"/>
                 </a:solidFill>
@@ -9341,7 +10279,7 @@
               <a:t> </a:t>
             </a:r>
             <a:r>
-              <a:rPr lang="en-US" altLang="zh-CN" sz="2000" dirty="0">
+              <a:rPr lang="en-US" altLang="zh-CN" sz="2000" b="1" dirty="0">
                 <a:solidFill>
                   <a:schemeClr val="bg2"/>
                 </a:solidFill>
@@ -9351,7 +10289,7 @@
               <a:t>[OPTIONS</a:t>
             </a:r>
             <a:r>
-              <a:rPr lang="en-US" altLang="zh-CN" sz="2000" dirty="0" smtClean="0">
+              <a:rPr lang="en-US" altLang="zh-CN" sz="2000" b="1" dirty="0" smtClean="0">
                 <a:solidFill>
                   <a:schemeClr val="bg2"/>
                 </a:solidFill>
@@ -9360,7 +10298,7 @@
               </a:rPr>
               <a:t>] VOLUME [VOLUME..]</a:t>
             </a:r>
-            <a:endParaRPr lang="zh-CN" altLang="en-US" sz="2000" dirty="0">
+            <a:endParaRPr lang="zh-CN" altLang="en-US" sz="2000" b="1" dirty="0">
               <a:solidFill>
                 <a:schemeClr val="bg2"/>
               </a:solidFill>
@@ -9391,12 +10329,12 @@
           <a:graphicData uri="http://schemas.openxmlformats.org/presentationml/2006/ole">
             <mc:AlternateContent xmlns:mc="http://schemas.openxmlformats.org/markup-compatibility/2006">
               <mc:Choice xmlns:v="urn:schemas-microsoft-com:vml" Requires="v">
-                <p:oleObj spid="_x0000_s9230" name="文档" r:id="rId3" imgW="8407107" imgH="2234607" progId="Word.Document.12">
+                <p:oleObj spid="_x0000_s9244" name="文档" r:id="rId4" imgW="8407107" imgH="2234607" progId="Word.Document.12">
                   <p:embed/>
                 </p:oleObj>
               </mc:Choice>
               <mc:Fallback>
-                <p:oleObj name="文档" r:id="rId3" imgW="8407107" imgH="2234607" progId="Word.Document.12">
+                <p:oleObj name="文档" r:id="rId4" imgW="8407107" imgH="2234607" progId="Word.Document.12">
                   <p:embed/>
                   <p:pic>
                     <p:nvPicPr>
@@ -9405,7 +10343,7 @@
                       <p:nvPr/>
                     </p:nvPicPr>
                     <p:blipFill>
-                      <a:blip r:embed="rId4"/>
+                      <a:blip r:embed="rId5"/>
                       <a:stretch>
                         <a:fillRect/>
                       </a:stretch>
@@ -9435,7 +10373,7 @@
         <p:spPr>
           <a:xfrm>
             <a:off x="2207748" y="3340728"/>
-            <a:ext cx="7456198" cy="923330"/>
+            <a:ext cx="7456198" cy="1200329"/>
           </a:xfrm>
           <a:prstGeom prst="rect">
             <a:avLst/>
@@ -9508,10 +10446,10 @@
                 <a:latin typeface="Cambria Math" panose="02040503050406030204" pitchFamily="18" charset="0"/>
                 <a:ea typeface="Cambria Math" panose="02040503050406030204" pitchFamily="18" charset="0"/>
               </a:rPr>
-              <a:t> hello </a:t>
-            </a:r>
-            <a:r>
-              <a:rPr lang="en-US" altLang="zh-CN" dirty="0" err="1" smtClean="0">
+              <a:t> </a:t>
+            </a:r>
+            <a:r>
+              <a:rPr lang="en-US" altLang="zh-CN" dirty="0" smtClean="0">
                 <a:solidFill>
                   <a:schemeClr val="bg2"/>
                 </a:solidFill>
@@ -9520,13 +10458,18 @@
               </a:rPr>
               <a:t>hello</a:t>
             </a:r>
-            <a:endParaRPr lang="en-US" altLang="zh-CN" dirty="0" smtClean="0">
-              <a:solidFill>
-                <a:schemeClr val="bg2"/>
-              </a:solidFill>
-              <a:latin typeface="Cambria Math" panose="02040503050406030204" pitchFamily="18" charset="0"/>
-              <a:ea typeface="Cambria Math" panose="02040503050406030204" pitchFamily="18" charset="0"/>
-            </a:endParaRPr>
+          </a:p>
+          <a:p>
+            <a:r>
+              <a:rPr lang="en-US" altLang="zh-CN" dirty="0" smtClean="0">
+                <a:solidFill>
+                  <a:schemeClr val="bg2"/>
+                </a:solidFill>
+                <a:latin typeface="Cambria Math" panose="02040503050406030204" pitchFamily="18" charset="0"/>
+                <a:ea typeface="Cambria Math" panose="02040503050406030204" pitchFamily="18" charset="0"/>
+              </a:rPr>
+              <a:t> hello</a:t>
+            </a:r>
           </a:p>
           <a:p>
             <a:r>
@@ -9667,7 +10610,7 @@
         <p:spPr>
           <a:xfrm>
             <a:off x="2560470" y="3544017"/>
-            <a:ext cx="5729839" cy="1338828"/>
+            <a:ext cx="5729839" cy="1754326"/>
           </a:xfrm>
           <a:prstGeom prst="rect">
             <a:avLst/>
@@ -9686,31 +10629,51 @@
               </a:lnSpc>
             </a:pPr>
             <a:r>
-              <a:rPr lang="en-US" altLang="zh-CN" dirty="0" smtClean="0">
-                <a:solidFill>
-                  <a:schemeClr val="bg1">
-                    <a:lumMod val="50000"/>
-                  </a:schemeClr>
-                </a:solidFill>
-              </a:rPr>
-              <a:t>Docker volume</a:t>
-            </a:r>
-            <a:r>
-              <a:rPr lang="zh-CN" altLang="en-US" dirty="0" smtClean="0">
-                <a:solidFill>
-                  <a:schemeClr val="bg1">
-                    <a:lumMod val="50000"/>
-                  </a:schemeClr>
-                </a:solidFill>
-              </a:rPr>
-              <a:t>框架</a:t>
-            </a:r>
-            <a:endParaRPr lang="en-US" altLang="zh-CN" dirty="0" smtClean="0">
+              <a:rPr lang="en-US" altLang="zh-CN" sz="2400" b="1" dirty="0" smtClean="0">
+                <a:solidFill>
+                  <a:schemeClr val="bg2"/>
+                </a:solidFill>
+                <a:latin typeface="宋体" panose="02010600030101010101" pitchFamily="2" charset="-122"/>
+                <a:ea typeface="宋体" panose="02010600030101010101" pitchFamily="2" charset="-122"/>
+              </a:rPr>
+              <a:t>Docker Daemon</a:t>
+            </a:r>
+            <a:r>
+              <a:rPr lang="zh-CN" altLang="en-US" sz="2400" b="1" dirty="0" smtClean="0">
+                <a:solidFill>
+                  <a:schemeClr val="bg2"/>
+                </a:solidFill>
+                <a:latin typeface="宋体" panose="02010600030101010101" pitchFamily="2" charset="-122"/>
+                <a:ea typeface="宋体" panose="02010600030101010101" pitchFamily="2" charset="-122"/>
+              </a:rPr>
+              <a:t>对</a:t>
+            </a:r>
+            <a:r>
+              <a:rPr lang="en-US" altLang="zh-CN" sz="2400" b="1" dirty="0" smtClean="0">
+                <a:solidFill>
+                  <a:schemeClr val="bg2"/>
+                </a:solidFill>
+                <a:latin typeface="宋体" panose="02010600030101010101" pitchFamily="2" charset="-122"/>
+                <a:ea typeface="宋体" panose="02010600030101010101" pitchFamily="2" charset="-122"/>
+              </a:rPr>
+              <a:t>Volume</a:t>
+            </a:r>
+            <a:r>
+              <a:rPr lang="zh-CN" altLang="en-US" sz="2400" b="1" dirty="0" smtClean="0">
+                <a:solidFill>
+                  <a:schemeClr val="bg2"/>
+                </a:solidFill>
+                <a:latin typeface="宋体" panose="02010600030101010101" pitchFamily="2" charset="-122"/>
+                <a:ea typeface="宋体" panose="02010600030101010101" pitchFamily="2" charset="-122"/>
+              </a:rPr>
+              <a:t>的管理</a:t>
+            </a:r>
+            <a:endParaRPr lang="en-US" altLang="zh-CN" sz="2400" b="1" dirty="0" smtClean="0">
               <a:solidFill>
-                <a:schemeClr val="bg1">
-                  <a:lumMod val="50000"/>
-                </a:schemeClr>
+                <a:schemeClr val="bg2"/>
               </a:solidFill>
+              <a:latin typeface="宋体" panose="02010600030101010101" pitchFamily="2" charset="-122"/>
+              <a:ea typeface="宋体" panose="02010600030101010101" pitchFamily="2" charset="-122"/>
             </a:endParaRPr>
           </a:p>
           <a:p>
@@ -9720,31 +10683,31 @@
               </a:lnSpc>
             </a:pPr>
             <a:r>
-              <a:rPr lang="en-US" altLang="zh-CN" dirty="0" smtClean="0">
-                <a:solidFill>
-                  <a:schemeClr val="bg1">
-                    <a:lumMod val="50000"/>
-                  </a:schemeClr>
-                </a:solidFill>
+              <a:rPr lang="en-US" altLang="zh-CN" sz="2400" b="1" dirty="0" smtClean="0">
+                <a:solidFill>
+                  <a:schemeClr val="bg2"/>
+                </a:solidFill>
+                <a:latin typeface="宋体" panose="02010600030101010101" pitchFamily="2" charset="-122"/>
+                <a:ea typeface="宋体" panose="02010600030101010101" pitchFamily="2" charset="-122"/>
               </a:rPr>
               <a:t>Docker volume</a:t>
             </a:r>
             <a:r>
-              <a:rPr lang="zh-CN" altLang="en-US" dirty="0" smtClean="0">
-                <a:solidFill>
-                  <a:schemeClr val="bg1">
-                    <a:lumMod val="50000"/>
-                  </a:schemeClr>
-                </a:solidFill>
+              <a:rPr lang="zh-CN" altLang="en-US" sz="2400" b="1" dirty="0" smtClean="0">
+                <a:solidFill>
+                  <a:schemeClr val="bg2"/>
+                </a:solidFill>
+                <a:latin typeface="宋体" panose="02010600030101010101" pitchFamily="2" charset="-122"/>
+                <a:ea typeface="宋体" panose="02010600030101010101" pitchFamily="2" charset="-122"/>
               </a:rPr>
               <a:t>管理</a:t>
             </a:r>
-            <a:endParaRPr lang="en-US" altLang="zh-CN" dirty="0" smtClean="0">
+            <a:endParaRPr lang="en-US" altLang="zh-CN" sz="2400" b="1" dirty="0" smtClean="0">
               <a:solidFill>
-                <a:schemeClr val="bg1">
-                  <a:lumMod val="50000"/>
-                </a:schemeClr>
+                <a:schemeClr val="bg2"/>
               </a:solidFill>
+              <a:latin typeface="宋体" panose="02010600030101010101" pitchFamily="2" charset="-122"/>
+              <a:ea typeface="宋体" panose="02010600030101010101" pitchFamily="2" charset="-122"/>
             </a:endParaRPr>
           </a:p>
           <a:p>
@@ -9754,41 +10717,31 @@
               </a:lnSpc>
             </a:pPr>
             <a:r>
-              <a:rPr lang="en-US" altLang="zh-CN" dirty="0" smtClean="0">
-                <a:solidFill>
-                  <a:schemeClr val="bg1">
-                    <a:lumMod val="50000"/>
-                  </a:schemeClr>
-                </a:solidFill>
-              </a:rPr>
-              <a:t>Docker </a:t>
-            </a:r>
-            <a:r>
-              <a:rPr lang="en-US" altLang="zh-CN" dirty="0" smtClean="0">
-                <a:solidFill>
-                  <a:schemeClr val="bg1">
-                    <a:lumMod val="50000"/>
-                  </a:schemeClr>
-                </a:solidFill>
-              </a:rPr>
-              <a:t>plugin</a:t>
-            </a:r>
-            <a:r>
-              <a:rPr lang="zh-CN" altLang="en-US" dirty="0" smtClean="0">
-                <a:solidFill>
-                  <a:schemeClr val="bg1">
-                    <a:lumMod val="50000"/>
-                  </a:schemeClr>
-                </a:solidFill>
+              <a:rPr lang="en-US" altLang="zh-CN" sz="2400" b="1" dirty="0" smtClean="0">
+                <a:solidFill>
+                  <a:schemeClr val="bg2"/>
+                </a:solidFill>
+                <a:latin typeface="宋体" panose="02010600030101010101" pitchFamily="2" charset="-122"/>
+                <a:ea typeface="宋体" panose="02010600030101010101" pitchFamily="2" charset="-122"/>
+              </a:rPr>
+              <a:t>Docker plugin</a:t>
+            </a:r>
+            <a:r>
+              <a:rPr lang="zh-CN" altLang="en-US" sz="2400" b="1" dirty="0" smtClean="0">
+                <a:solidFill>
+                  <a:schemeClr val="bg2"/>
+                </a:solidFill>
+                <a:latin typeface="宋体" panose="02010600030101010101" pitchFamily="2" charset="-122"/>
+                <a:ea typeface="宋体" panose="02010600030101010101" pitchFamily="2" charset="-122"/>
               </a:rPr>
               <a:t>实现原理</a:t>
             </a:r>
-            <a:endParaRPr lang="en-US" altLang="zh-CN" dirty="0" smtClean="0">
+            <a:endParaRPr lang="en-US" altLang="zh-CN" sz="2400" b="1" dirty="0" smtClean="0">
               <a:solidFill>
-                <a:schemeClr val="bg1">
-                  <a:lumMod val="50000"/>
-                </a:schemeClr>
+                <a:schemeClr val="bg2"/>
               </a:solidFill>
+              <a:latin typeface="宋体" panose="02010600030101010101" pitchFamily="2" charset="-122"/>
+              <a:ea typeface="宋体" panose="02010600030101010101" pitchFamily="2" charset="-122"/>
             </a:endParaRPr>
           </a:p>
         </p:txBody>
@@ -10103,36 +11056,6 @@
           </p:txBody>
         </p:sp>
       </p:grpSp>
-      <p:cxnSp>
-        <p:nvCxnSpPr>
-          <p:cNvPr id="27" name="直接连接符 26"/>
-          <p:cNvCxnSpPr/>
-          <p:nvPr/>
-        </p:nvCxnSpPr>
-        <p:spPr>
-          <a:xfrm>
-            <a:off x="4383310" y="784215"/>
-            <a:ext cx="7812000" cy="9180"/>
-          </a:xfrm>
-          <a:prstGeom prst="line">
-            <a:avLst/>
-          </a:prstGeom>
-        </p:spPr>
-        <p:style>
-          <a:lnRef idx="1">
-            <a:schemeClr val="accent1"/>
-          </a:lnRef>
-          <a:fillRef idx="0">
-            <a:schemeClr val="accent1"/>
-          </a:fillRef>
-          <a:effectRef idx="0">
-            <a:schemeClr val="accent1"/>
-          </a:effectRef>
-          <a:fontRef idx="minor">
-            <a:schemeClr val="tx1"/>
-          </a:fontRef>
-        </p:style>
-      </p:cxnSp>
       <p:grpSp>
         <p:nvGrpSpPr>
           <p:cNvPr id="2" name="组合 1"/>
@@ -10358,6 +11281,79 @@
           </p:spPr>
         </p:pic>
       </p:grpSp>
+      <p:sp>
+        <p:nvSpPr>
+          <p:cNvPr id="16" name="矩形 15"/>
+          <p:cNvSpPr/>
+          <p:nvPr/>
+        </p:nvSpPr>
+        <p:spPr>
+          <a:xfrm>
+            <a:off x="4215903" y="798371"/>
+            <a:ext cx="8280000" cy="36000"/>
+          </a:xfrm>
+          <a:prstGeom prst="rect">
+            <a:avLst/>
+          </a:prstGeom>
+          <a:gradFill flip="none" rotWithShape="1">
+            <a:gsLst>
+              <a:gs pos="25000">
+                <a:srgbClr val="EDAC5D"/>
+              </a:gs>
+              <a:gs pos="0">
+                <a:schemeClr val="accent3"/>
+              </a:gs>
+              <a:gs pos="25000">
+                <a:schemeClr val="accent2"/>
+              </a:gs>
+              <a:gs pos="50000">
+                <a:schemeClr val="accent2"/>
+              </a:gs>
+              <a:gs pos="100000">
+                <a:schemeClr val="accent4"/>
+              </a:gs>
+              <a:gs pos="75000">
+                <a:schemeClr val="accent4"/>
+              </a:gs>
+              <a:gs pos="74000">
+                <a:schemeClr val="accent1"/>
+              </a:gs>
+              <a:gs pos="50000">
+                <a:schemeClr val="accent1"/>
+              </a:gs>
+            </a:gsLst>
+            <a:lin ang="0" scaled="1"/>
+            <a:tileRect/>
+          </a:gradFill>
+          <a:ln>
+            <a:noFill/>
+          </a:ln>
+        </p:spPr>
+        <p:style>
+          <a:lnRef idx="2">
+            <a:schemeClr val="accent1">
+              <a:shade val="50000"/>
+            </a:schemeClr>
+          </a:lnRef>
+          <a:fillRef idx="1">
+            <a:schemeClr val="accent1"/>
+          </a:fillRef>
+          <a:effectRef idx="0">
+            <a:schemeClr val="accent1"/>
+          </a:effectRef>
+          <a:fontRef idx="minor">
+            <a:schemeClr val="lt1"/>
+          </a:fontRef>
+        </p:style>
+        <p:txBody>
+          <a:bodyPr rtlCol="0" anchor="ctr"/>
+          <a:lstStyle/>
+          <a:p>
+            <a:pPr algn="ctr"/>
+            <a:endParaRPr lang="zh-CN" altLang="en-US"/>
+          </a:p>
+        </p:txBody>
+      </p:sp>
     </p:spTree>
     <p:extLst>
       <p:ext uri="{BB962C8B-B14F-4D97-AF65-F5344CB8AC3E}">
@@ -10897,22 +11893,29 @@
             <a:p>
               <a:pPr algn="l"/>
               <a:r>
-                <a:rPr lang="en-US" altLang="zh-CN" dirty="0" smtClean="0"/>
+                <a:rPr lang="en-US" altLang="zh-CN" b="1" dirty="0" smtClean="0">
+                  <a:latin typeface="Cambria Math" panose="02040503050406030204" pitchFamily="18" charset="0"/>
+                  <a:ea typeface="Cambria Math" panose="02040503050406030204" pitchFamily="18" charset="0"/>
+                </a:rPr>
                 <a:t>Docker </a:t>
               </a:r>
               <a:r>
-                <a:rPr lang="en-US" altLang="zh-CN" dirty="0" err="1" smtClean="0"/>
+                <a:rPr lang="en-US" altLang="zh-CN" b="1" dirty="0" err="1" smtClean="0">
+                  <a:latin typeface="Cambria Math" panose="02040503050406030204" pitchFamily="18" charset="0"/>
+                  <a:ea typeface="Cambria Math" panose="02040503050406030204" pitchFamily="18" charset="0"/>
+                </a:rPr>
                 <a:t>volune</a:t>
               </a:r>
               <a:r>
-                <a:rPr lang="en-US" altLang="zh-CN" dirty="0" smtClean="0"/>
-                <a:t> </a:t>
+                <a:rPr lang="en-US" altLang="zh-CN" b="1" dirty="0" smtClean="0">
+                  <a:latin typeface="Cambria Math" panose="02040503050406030204" pitchFamily="18" charset="0"/>
+                  <a:ea typeface="Cambria Math" panose="02040503050406030204" pitchFamily="18" charset="0"/>
+                </a:rPr>
+                <a:t> plugin</a:t>
               </a:r>
-              <a:r>
-                <a:rPr lang="en-US" altLang="zh-CN" dirty="0" smtClean="0"/>
-                <a:t>plugin</a:t>
-              </a:r>
-              <a:endParaRPr lang="zh-CN" altLang="en-US" dirty="0"/>
+              <a:endParaRPr lang="zh-CN" altLang="en-US" b="1" dirty="0">
+                <a:latin typeface="Cambria Math" panose="02040503050406030204" pitchFamily="18" charset="0"/>
+              </a:endParaRPr>
             </a:p>
           </p:txBody>
         </p:sp>
@@ -10925,7 +11928,7 @@
           <p:spPr>
             <a:xfrm>
               <a:off x="819039" y="741676"/>
-              <a:ext cx="3357562" cy="369332"/>
+              <a:ext cx="3707694" cy="369332"/>
             </a:xfrm>
             <a:prstGeom prst="rect">
               <a:avLst/>
@@ -10953,14 +11956,22 @@
             <a:p>
               <a:pPr algn="l"/>
               <a:r>
-                <a:rPr lang="en-US" altLang="zh-CN" dirty="0" smtClean="0"/>
-                <a:t>Docker volume </a:t>
+                <a:rPr lang="en-US" altLang="zh-CN" b="1" dirty="0" smtClean="0"/>
+                <a:t>Docker Daemon </a:t>
               </a:r>
               <a:r>
-                <a:rPr lang="zh-CN" altLang="en-US" dirty="0" smtClean="0"/>
-                <a:t>框架</a:t>
+                <a:rPr lang="zh-CN" altLang="en-US" b="1" dirty="0" smtClean="0"/>
+                <a:t>对</a:t>
               </a:r>
-              <a:endParaRPr lang="zh-CN" altLang="en-US" dirty="0"/>
+              <a:r>
+                <a:rPr lang="en-US" altLang="zh-CN" b="1" dirty="0" smtClean="0"/>
+                <a:t>Volume</a:t>
+              </a:r>
+              <a:r>
+                <a:rPr lang="zh-CN" altLang="en-US" b="1" dirty="0" smtClean="0"/>
+                <a:t>的管理</a:t>
+              </a:r>
+              <a:endParaRPr lang="zh-CN" altLang="en-US" b="1" dirty="0"/>
             </a:p>
           </p:txBody>
         </p:sp>
@@ -10972,8 +11983,8 @@
           </p:nvSpPr>
           <p:spPr>
             <a:xfrm>
-              <a:off x="3917154" y="907007"/>
-              <a:ext cx="8280000" cy="36000"/>
+              <a:off x="4916032" y="897288"/>
+              <a:ext cx="7281122" cy="45719"/>
             </a:xfrm>
             <a:prstGeom prst="rect">
               <a:avLst/>
@@ -11082,7 +12093,7 @@
         <p:spPr>
           <a:xfrm>
             <a:off x="6608599" y="1391962"/>
-            <a:ext cx="4825497" cy="4678204"/>
+            <a:ext cx="4825497" cy="4985980"/>
           </a:xfrm>
           <a:prstGeom prst="rect">
             <a:avLst/>
@@ -11095,6 +12106,10 @@
           </a:bodyPr>
           <a:lstStyle/>
           <a:p>
+            <a:pPr marL="342900" indent="-342900">
+              <a:buFont typeface="Wingdings" panose="05000000000000000000" pitchFamily="2" charset="2"/>
+              <a:buChar char="l"/>
+            </a:pPr>
             <a:r>
               <a:rPr lang="en-US" altLang="zh-CN" sz="2000" dirty="0">
                 <a:solidFill>
@@ -11104,12 +12119,12 @@
               <a:t>Docker Daemon</a:t>
             </a:r>
             <a:r>
-              <a:rPr lang="zh-CN" altLang="zh-CN" sz="2000" dirty="0">
-                <a:solidFill>
-                  <a:schemeClr val="bg2"/>
-                </a:solidFill>
-              </a:rPr>
-              <a:t>结构中有个成员</a:t>
+              <a:rPr lang="zh-CN" altLang="en-US" sz="2000" dirty="0">
+                <a:solidFill>
+                  <a:schemeClr val="bg2"/>
+                </a:solidFill>
+              </a:rPr>
+              <a:t>通过</a:t>
             </a:r>
             <a:r>
               <a:rPr lang="en-US" altLang="zh-CN" sz="2000" dirty="0">
@@ -11120,28 +12135,20 @@
               <a:t>Volumes</a:t>
             </a:r>
             <a:r>
-              <a:rPr lang="zh-CN" altLang="zh-CN" sz="2000" dirty="0">
-                <a:solidFill>
-                  <a:schemeClr val="bg2"/>
-                </a:solidFill>
-              </a:rPr>
-              <a:t>，类型是</a:t>
-            </a:r>
-            <a:r>
-              <a:rPr lang="en-US" altLang="zh-CN" sz="2000" dirty="0" err="1">
-                <a:solidFill>
-                  <a:schemeClr val="bg2"/>
-                </a:solidFill>
-              </a:rPr>
-              <a:t>VolumeStore</a:t>
-            </a:r>
-            <a:r>
-              <a:rPr lang="zh-CN" altLang="zh-CN" sz="2000" dirty="0" smtClean="0">
-                <a:solidFill>
-                  <a:schemeClr val="bg2"/>
-                </a:solidFill>
-              </a:rPr>
-              <a:t>类型</a:t>
+              <a:rPr lang="zh-CN" altLang="en-US" sz="2000" dirty="0">
+                <a:solidFill>
+                  <a:schemeClr val="bg2"/>
+                </a:solidFill>
+              </a:rPr>
+              <a:t>变量，就可以管理所有的</a:t>
+            </a:r>
+            <a:r>
+              <a:rPr lang="en-US" altLang="zh-CN" sz="2000" dirty="0" smtClean="0">
+                <a:solidFill>
+                  <a:schemeClr val="bg2"/>
+                </a:solidFill>
+              </a:rPr>
+              <a:t>Volume</a:t>
             </a:r>
             <a:r>
               <a:rPr lang="zh-CN" altLang="en-US" sz="2000" dirty="0" smtClean="0">
@@ -11149,7 +12156,7 @@
                   <a:schemeClr val="bg2"/>
                 </a:solidFill>
               </a:rPr>
-              <a:t>。</a:t>
+              <a:t>；</a:t>
             </a:r>
             <a:endParaRPr lang="en-US" altLang="zh-CN" sz="2000" dirty="0" smtClean="0">
               <a:solidFill>
@@ -11158,6 +12165,10 @@
             </a:endParaRPr>
           </a:p>
           <a:p>
+            <a:pPr marL="342900" indent="-342900">
+              <a:buFont typeface="Wingdings" panose="05000000000000000000" pitchFamily="2" charset="2"/>
+              <a:buChar char="l"/>
+            </a:pPr>
             <a:r>
               <a:rPr lang="en-US" altLang="zh-CN" sz="2000" dirty="0" err="1" smtClean="0">
                 <a:solidFill>
@@ -11167,12 +12178,20 @@
               <a:t>VolumeStore</a:t>
             </a:r>
             <a:r>
-              <a:rPr lang="zh-CN" altLang="zh-CN" sz="2000" dirty="0">
-                <a:solidFill>
-                  <a:schemeClr val="bg2"/>
-                </a:solidFill>
-              </a:rPr>
-              <a:t>通过两个变量，管理</a:t>
+              <a:rPr lang="zh-CN" altLang="en-US" sz="2000" dirty="0" smtClean="0">
+                <a:solidFill>
+                  <a:schemeClr val="bg2"/>
+                </a:solidFill>
+              </a:rPr>
+              <a:t>包含</a:t>
+            </a:r>
+            <a:r>
+              <a:rPr lang="zh-CN" altLang="en-US" sz="2000" dirty="0">
+                <a:solidFill>
+                  <a:schemeClr val="bg2"/>
+                </a:solidFill>
+              </a:rPr>
+              <a:t>一组管理</a:t>
             </a:r>
             <a:r>
               <a:rPr lang="en-US" altLang="zh-CN" sz="2000" dirty="0">
@@ -11180,39 +12199,23 @@
                   <a:schemeClr val="bg2"/>
                 </a:solidFill>
               </a:rPr>
-              <a:t>Container</a:t>
-            </a:r>
-            <a:r>
-              <a:rPr lang="zh-CN" altLang="zh-CN" sz="2000" dirty="0">
-                <a:solidFill>
-                  <a:schemeClr val="bg2"/>
-                </a:solidFill>
-              </a:rPr>
-              <a:t>和</a:t>
-            </a:r>
-            <a:r>
-              <a:rPr lang="en-US" altLang="zh-CN" sz="2000" dirty="0">
-                <a:solidFill>
-                  <a:schemeClr val="bg2"/>
-                </a:solidFill>
-              </a:rPr>
               <a:t>Volume</a:t>
             </a:r>
             <a:r>
-              <a:rPr lang="zh-CN" altLang="zh-CN" sz="2000" dirty="0">
-                <a:solidFill>
-                  <a:schemeClr val="bg2"/>
-                </a:solidFill>
-              </a:rPr>
-              <a:t>的关系</a:t>
-            </a:r>
-            <a:r>
-              <a:rPr lang="zh-CN" altLang="zh-CN" sz="2000" dirty="0" smtClean="0">
-                <a:solidFill>
-                  <a:schemeClr val="bg2"/>
-                </a:solidFill>
-              </a:rPr>
-              <a:t>。</a:t>
+              <a:rPr lang="zh-CN" altLang="en-US" sz="2000" dirty="0">
+                <a:solidFill>
+                  <a:schemeClr val="bg2"/>
+                </a:solidFill>
+              </a:rPr>
+              <a:t>的</a:t>
+            </a:r>
+            <a:r>
+              <a:rPr lang="zh-CN" altLang="en-US" sz="2000" dirty="0" smtClean="0">
+                <a:solidFill>
+                  <a:schemeClr val="bg2"/>
+                </a:solidFill>
+              </a:rPr>
+              <a:t>函数；</a:t>
             </a:r>
             <a:endParaRPr lang="en-US" altLang="zh-CN" sz="2000" dirty="0">
               <a:solidFill>
@@ -11222,16 +12225,134 @@
           </a:p>
           <a:p>
             <a:pPr marL="342900" indent="-342900">
+              <a:buFont typeface="Wingdings" panose="05000000000000000000" pitchFamily="2" charset="2"/>
+              <a:buChar char="l"/>
+            </a:pPr>
+            <a:r>
+              <a:rPr lang="zh-CN" altLang="en-US" sz="2000" dirty="0" smtClean="0">
+                <a:solidFill>
+                  <a:schemeClr val="bg2"/>
+                </a:solidFill>
+              </a:rPr>
+              <a:t>同时</a:t>
+            </a:r>
+            <a:r>
+              <a:rPr lang="en-US" altLang="zh-CN" sz="2000" dirty="0" err="1" smtClean="0">
+                <a:solidFill>
+                  <a:schemeClr val="bg2"/>
+                </a:solidFill>
+              </a:rPr>
+              <a:t>VolumeStore</a:t>
+            </a:r>
+            <a:r>
+              <a:rPr lang="zh-CN" altLang="zh-CN" sz="2000" dirty="0" smtClean="0">
+                <a:solidFill>
+                  <a:schemeClr val="bg2"/>
+                </a:solidFill>
+              </a:rPr>
+              <a:t>通过</a:t>
+            </a:r>
+            <a:r>
+              <a:rPr lang="en-US" altLang="zh-CN" sz="2000" dirty="0" smtClean="0">
+                <a:solidFill>
+                  <a:schemeClr val="bg2"/>
+                </a:solidFill>
+              </a:rPr>
+              <a:t>names</a:t>
+            </a:r>
+            <a:r>
+              <a:rPr lang="zh-CN" altLang="en-US" sz="2000" dirty="0" smtClean="0">
+                <a:solidFill>
+                  <a:schemeClr val="bg2"/>
+                </a:solidFill>
+              </a:rPr>
+              <a:t>和</a:t>
+            </a:r>
+            <a:r>
+              <a:rPr lang="en-US" altLang="zh-CN" sz="2000" dirty="0" smtClean="0">
+                <a:solidFill>
+                  <a:schemeClr val="bg2"/>
+                </a:solidFill>
+              </a:rPr>
+              <a:t>refs</a:t>
+            </a:r>
+            <a:r>
+              <a:rPr lang="zh-CN" altLang="zh-CN" sz="2000" dirty="0" smtClean="0">
+                <a:solidFill>
+                  <a:schemeClr val="bg2"/>
+                </a:solidFill>
+              </a:rPr>
+              <a:t>管理</a:t>
+            </a:r>
+            <a:r>
+              <a:rPr lang="en-US" altLang="zh-CN" sz="2000" dirty="0">
+                <a:solidFill>
+                  <a:schemeClr val="bg2"/>
+                </a:solidFill>
+              </a:rPr>
+              <a:t>Container</a:t>
+            </a:r>
+            <a:r>
+              <a:rPr lang="zh-CN" altLang="zh-CN" sz="2000" dirty="0">
+                <a:solidFill>
+                  <a:schemeClr val="bg2"/>
+                </a:solidFill>
+              </a:rPr>
+              <a:t>和</a:t>
+            </a:r>
+            <a:r>
+              <a:rPr lang="en-US" altLang="zh-CN" sz="2000" dirty="0">
+                <a:solidFill>
+                  <a:schemeClr val="bg2"/>
+                </a:solidFill>
+              </a:rPr>
+              <a:t>Volume</a:t>
+            </a:r>
+            <a:r>
+              <a:rPr lang="zh-CN" altLang="zh-CN" sz="2000" dirty="0">
+                <a:solidFill>
+                  <a:schemeClr val="bg2"/>
+                </a:solidFill>
+              </a:rPr>
+              <a:t>的</a:t>
+            </a:r>
+            <a:r>
+              <a:rPr lang="zh-CN" altLang="zh-CN" sz="2000" dirty="0" smtClean="0">
+                <a:solidFill>
+                  <a:schemeClr val="bg2"/>
+                </a:solidFill>
+              </a:rPr>
+              <a:t>关系</a:t>
+            </a:r>
+            <a:r>
+              <a:rPr lang="en-US" altLang="zh-CN" sz="2000" dirty="0">
+                <a:solidFill>
+                  <a:schemeClr val="bg2"/>
+                </a:solidFill>
+              </a:rPr>
+              <a:t>;</a:t>
+            </a:r>
+          </a:p>
+          <a:p>
+            <a:pPr marL="457200" indent="-457200">
               <a:buFont typeface="+mj-ea"/>
               <a:buAutoNum type="circleNumDbPlain"/>
             </a:pPr>
             <a:r>
+              <a:rPr lang="en-US" altLang="zh-CN" sz="2000" b="1" dirty="0" smtClean="0">
+                <a:solidFill>
+                  <a:schemeClr val="bg2"/>
+                </a:solidFill>
+              </a:rPr>
+              <a:t>names</a:t>
+            </a:r>
+            <a:r>
               <a:rPr lang="en-US" altLang="zh-CN" sz="2000" dirty="0" smtClean="0">
                 <a:solidFill>
                   <a:schemeClr val="bg2"/>
                 </a:solidFill>
               </a:rPr>
-              <a:t>names </a:t>
+              <a:t> </a:t>
             </a:r>
             <a:r>
               <a:rPr lang="en-US" altLang="zh-CN" sz="2000" dirty="0">
@@ -11239,23 +12360,15 @@
                   <a:schemeClr val="bg2"/>
                 </a:solidFill>
               </a:rPr>
-              <a:t>: map</a:t>
-            </a:r>
-            <a:r>
-              <a:rPr lang="zh-CN" altLang="zh-CN" sz="2000" dirty="0">
-                <a:solidFill>
-                  <a:schemeClr val="bg2"/>
-                </a:solidFill>
-              </a:rPr>
-              <a:t>结构，</a:t>
-            </a:r>
-            <a:r>
-              <a:rPr lang="en-US" altLang="zh-CN" sz="2000" dirty="0">
-                <a:solidFill>
-                  <a:schemeClr val="bg2"/>
-                </a:solidFill>
-              </a:rPr>
-              <a:t>Key</a:t>
+              <a:t>: k</a:t>
+            </a:r>
+            <a:r>
+              <a:rPr lang="en-US" altLang="zh-CN" sz="2000" dirty="0" smtClean="0">
+                <a:solidFill>
+                  <a:schemeClr val="bg2"/>
+                </a:solidFill>
+              </a:rPr>
+              <a:t>ey</a:t>
             </a:r>
             <a:r>
               <a:rPr lang="zh-CN" altLang="zh-CN" sz="2000" dirty="0">
@@ -11368,17 +12481,41 @@
             </a:endParaRPr>
           </a:p>
           <a:p>
-            <a:pPr marL="342900" indent="-342900">
+            <a:pPr marL="457200" indent="-457200">
               <a:buFont typeface="+mj-ea"/>
               <a:buAutoNum type="circleNumDbPlain"/>
             </a:pPr>
             <a:r>
+              <a:rPr lang="en-US" altLang="zh-CN" sz="2000" b="1" dirty="0" smtClean="0">
+                <a:solidFill>
+                  <a:schemeClr val="bg2"/>
+                </a:solidFill>
+              </a:rPr>
+              <a:t>refs</a:t>
+            </a:r>
+            <a:r>
+              <a:rPr lang="en-US" altLang="zh-CN" sz="2000" b="1" dirty="0">
+                <a:solidFill>
+                  <a:schemeClr val="bg2"/>
+                </a:solidFill>
+              </a:rPr>
+              <a:t>: </a:t>
+            </a:r>
+            <a:r>
               <a:rPr lang="en-US" altLang="zh-CN" sz="2000" dirty="0" smtClean="0">
                 <a:solidFill>
                   <a:schemeClr val="bg2"/>
                 </a:solidFill>
               </a:rPr>
-              <a:t>refs</a:t>
+              <a:t>key</a:t>
+            </a:r>
+            <a:r>
+              <a:rPr lang="zh-CN" altLang="zh-CN" sz="2000" dirty="0">
+                <a:solidFill>
+                  <a:schemeClr val="bg2"/>
+                </a:solidFill>
+              </a:rPr>
+              <a:t>是</a:t>
             </a:r>
             <a:r>
               <a:rPr lang="en-US" altLang="zh-CN" sz="2000" dirty="0">
@@ -11386,7 +12523,7 @@
                   <a:schemeClr val="bg2"/>
                 </a:solidFill>
               </a:rPr>
-              <a:t>: map</a:t>
+              <a:t>Volume</a:t>
             </a:r>
             <a:r>
               <a:rPr lang="zh-CN" altLang="zh-CN" sz="2000" dirty="0">
@@ -11394,7 +12531,7 @@
                   <a:schemeClr val="bg2"/>
                 </a:solidFill>
               </a:rPr>
-              <a:t>结构，</a:t>
+              <a:t>的</a:t>
             </a:r>
             <a:r>
               <a:rPr lang="en-US" altLang="zh-CN" sz="2000" dirty="0">
@@ -11402,7 +12539,7 @@
                   <a:schemeClr val="bg2"/>
                 </a:solidFill>
               </a:rPr>
-              <a:t>key</a:t>
+              <a:t>name</a:t>
             </a:r>
             <a:r>
               <a:rPr lang="zh-CN" altLang="zh-CN" sz="2000" dirty="0">
@@ -11410,15 +12547,47 @@
                   <a:schemeClr val="bg2"/>
                 </a:solidFill>
               </a:rPr>
+              <a:t>，</a:t>
+            </a:r>
+            <a:r>
+              <a:rPr lang="en-US" altLang="zh-CN" sz="2000" dirty="0">
+                <a:solidFill>
+                  <a:schemeClr val="bg2"/>
+                </a:solidFill>
+              </a:rPr>
+              <a:t>value</a:t>
+            </a:r>
+            <a:r>
+              <a:rPr lang="zh-CN" altLang="zh-CN" sz="2000" dirty="0">
+                <a:solidFill>
+                  <a:schemeClr val="bg2"/>
+                </a:solidFill>
+              </a:rPr>
               <a:t>是</a:t>
             </a:r>
             <a:r>
-              <a:rPr lang="en-US" altLang="zh-CN" sz="2000" dirty="0">
-                <a:solidFill>
-                  <a:schemeClr val="bg2"/>
-                </a:solidFill>
-              </a:rPr>
-              <a:t>Volume</a:t>
+              <a:rPr lang="en-US" altLang="zh-CN" sz="2000" dirty="0" smtClean="0">
+                <a:solidFill>
+                  <a:schemeClr val="bg2"/>
+                </a:solidFill>
+              </a:rPr>
+              <a:t>string</a:t>
+            </a:r>
+            <a:r>
+              <a:rPr lang="zh-CN" altLang="en-US" sz="2000" dirty="0">
+                <a:solidFill>
+                  <a:schemeClr val="bg2"/>
+                </a:solidFill>
+              </a:rPr>
+              <a:t>列表</a:t>
+            </a:r>
+            <a:r>
+              <a:rPr lang="zh-CN" altLang="zh-CN" sz="2000" dirty="0" smtClean="0">
+                <a:solidFill>
+                  <a:schemeClr val="bg2"/>
+                </a:solidFill>
+              </a:rPr>
+              <a:t>保存</a:t>
             </a:r>
             <a:r>
               <a:rPr lang="zh-CN" altLang="zh-CN" sz="2000" dirty="0">
@@ -11426,55 +12595,7 @@
                   <a:schemeClr val="bg2"/>
                 </a:solidFill>
               </a:rPr>
-              <a:t>的</a:t>
-            </a:r>
-            <a:r>
-              <a:rPr lang="en-US" altLang="zh-CN" sz="2000" dirty="0">
-                <a:solidFill>
-                  <a:schemeClr val="bg2"/>
-                </a:solidFill>
-              </a:rPr>
-              <a:t>name</a:t>
-            </a:r>
-            <a:r>
-              <a:rPr lang="zh-CN" altLang="zh-CN" sz="2000" dirty="0">
-                <a:solidFill>
-                  <a:schemeClr val="bg2"/>
-                </a:solidFill>
-              </a:rPr>
-              <a:t>，</a:t>
-            </a:r>
-            <a:r>
-              <a:rPr lang="en-US" altLang="zh-CN" sz="2000" dirty="0">
-                <a:solidFill>
-                  <a:schemeClr val="bg2"/>
-                </a:solidFill>
-              </a:rPr>
-              <a:t>value</a:t>
-            </a:r>
-            <a:r>
-              <a:rPr lang="zh-CN" altLang="zh-CN" sz="2000" dirty="0">
-                <a:solidFill>
-                  <a:schemeClr val="bg2"/>
-                </a:solidFill>
-              </a:rPr>
-              <a:t>是</a:t>
-            </a:r>
-            <a:r>
-              <a:rPr lang="en-US" altLang="zh-CN" sz="2000" dirty="0">
-                <a:solidFill>
-                  <a:schemeClr val="bg2"/>
-                </a:solidFill>
-              </a:rPr>
-              <a:t>string</a:t>
-            </a:r>
-            <a:r>
-              <a:rPr lang="zh-CN" altLang="zh-CN" sz="2000" dirty="0">
-                <a:solidFill>
-                  <a:schemeClr val="bg2"/>
-                </a:solidFill>
-              </a:rPr>
-              <a:t>数组保存引用该</a:t>
+              <a:t>引用该</a:t>
             </a:r>
             <a:r>
               <a:rPr lang="en-US" altLang="zh-CN" sz="2000" dirty="0">
@@ -11510,21 +12631,57 @@
             </a:r>
           </a:p>
           <a:p>
+            <a:pPr marL="342900" indent="-342900">
+              <a:buFont typeface="Wingdings" panose="05000000000000000000" pitchFamily="2" charset="2"/>
+              <a:buChar char="l"/>
+            </a:pPr>
             <a:r>
               <a:rPr lang="en-US" altLang="zh-CN" sz="2000" dirty="0" smtClean="0">
                 <a:solidFill>
                   <a:schemeClr val="bg2"/>
                 </a:solidFill>
               </a:rPr>
-              <a:t>Docker </a:t>
-            </a:r>
-            <a:r>
-              <a:rPr lang="en-US" altLang="zh-CN" sz="2000" dirty="0">
-                <a:solidFill>
-                  <a:schemeClr val="bg2"/>
-                </a:solidFill>
-              </a:rPr>
-              <a:t>Daemon</a:t>
+              <a:t>Docker Daemon</a:t>
+            </a:r>
+            <a:r>
+              <a:rPr lang="zh-CN" altLang="en-US" sz="2000" dirty="0" smtClean="0">
+                <a:solidFill>
+                  <a:schemeClr val="bg2"/>
+                </a:solidFill>
+              </a:rPr>
+              <a:t>通过</a:t>
+            </a:r>
+            <a:r>
+              <a:rPr lang="en-US" altLang="zh-CN" sz="2000" dirty="0" smtClean="0">
+                <a:solidFill>
+                  <a:schemeClr val="bg2"/>
+                </a:solidFill>
+              </a:rPr>
+              <a:t>Volumes</a:t>
+            </a:r>
+            <a:r>
+              <a:rPr lang="zh-CN" altLang="en-US" sz="2000" dirty="0" smtClean="0">
+                <a:solidFill>
+                  <a:schemeClr val="bg2"/>
+                </a:solidFill>
+              </a:rPr>
+              <a:t>变量管理所有的</a:t>
+            </a:r>
+            <a:r>
+              <a:rPr lang="en-US" altLang="zh-CN" sz="2000" dirty="0" smtClean="0">
+                <a:solidFill>
+                  <a:schemeClr val="bg2"/>
+                </a:solidFill>
+              </a:rPr>
+              <a:t>Volume</a:t>
+            </a:r>
+            <a:r>
+              <a:rPr lang="zh-CN" altLang="en-US" sz="2000" dirty="0" smtClean="0">
+                <a:solidFill>
+                  <a:schemeClr val="bg2"/>
+                </a:solidFill>
+              </a:rPr>
+              <a:t>，</a:t>
             </a:r>
             <a:r>
               <a:rPr lang="zh-CN" altLang="en-US" sz="2000" dirty="0">
@@ -11532,39 +12689,7 @@
                   <a:schemeClr val="bg2"/>
                 </a:solidFill>
               </a:rPr>
-              <a:t>通过</a:t>
-            </a:r>
-            <a:r>
-              <a:rPr lang="en-US" altLang="zh-CN" sz="2000" dirty="0">
-                <a:solidFill>
-                  <a:schemeClr val="bg2"/>
-                </a:solidFill>
-              </a:rPr>
-              <a:t>Volumes</a:t>
-            </a:r>
-            <a:r>
-              <a:rPr lang="zh-CN" altLang="en-US" sz="2000" dirty="0">
-                <a:solidFill>
-                  <a:schemeClr val="bg2"/>
-                </a:solidFill>
-              </a:rPr>
-              <a:t>变量，就可以管理所有的</a:t>
-            </a:r>
-            <a:r>
-              <a:rPr lang="en-US" altLang="zh-CN" sz="2000" dirty="0">
-                <a:solidFill>
-                  <a:schemeClr val="bg2"/>
-                </a:solidFill>
-              </a:rPr>
-              <a:t>Volume</a:t>
-            </a:r>
-            <a:r>
-              <a:rPr lang="zh-CN" altLang="en-US" sz="2000" dirty="0">
-                <a:solidFill>
-                  <a:schemeClr val="bg2"/>
-                </a:solidFill>
-              </a:rPr>
-              <a:t>，提供如下命令</a:t>
+              <a:t>提供如下命令</a:t>
             </a:r>
             <a:r>
               <a:rPr lang="zh-CN" altLang="en-US" sz="2000" dirty="0" smtClean="0">
@@ -11587,7 +12712,7 @@
                   <a:schemeClr val="bg2"/>
                 </a:solidFill>
               </a:rPr>
-              <a:t>create</a:t>
+              <a:t>   create</a:t>
             </a:r>
             <a:r>
               <a:rPr lang="zh-CN" altLang="en-US" sz="2000" dirty="0" smtClean="0">
@@ -11665,6 +12790,53 @@
                 <a:schemeClr val="bg2"/>
               </a:solidFill>
             </a:endParaRPr>
+          </a:p>
+        </p:txBody>
+      </p:sp>
+      <p:sp>
+        <p:nvSpPr>
+          <p:cNvPr id="12" name="圆角矩形 11"/>
+          <p:cNvSpPr/>
+          <p:nvPr/>
+        </p:nvSpPr>
+        <p:spPr>
+          <a:xfrm>
+            <a:off x="6486525" y="1258612"/>
+            <a:ext cx="5057775" cy="4985980"/>
+          </a:xfrm>
+          <a:prstGeom prst="roundRect">
+            <a:avLst/>
+          </a:prstGeom>
+          <a:noFill/>
+          <a:ln w="19050">
+            <a:solidFill>
+              <a:srgbClr val="68BAAA"/>
+            </a:solidFill>
+            <a:prstDash val="dashDot"/>
+          </a:ln>
+        </p:spPr>
+        <p:style>
+          <a:lnRef idx="2">
+            <a:schemeClr val="accent1">
+              <a:shade val="50000"/>
+            </a:schemeClr>
+          </a:lnRef>
+          <a:fillRef idx="1">
+            <a:schemeClr val="accent1"/>
+          </a:fillRef>
+          <a:effectRef idx="0">
+            <a:schemeClr val="accent1"/>
+          </a:effectRef>
+          <a:fontRef idx="minor">
+            <a:schemeClr val="lt1"/>
+          </a:fontRef>
+        </p:style>
+        <p:txBody>
+          <a:bodyPr rtlCol="0" anchor="ctr"/>
+          <a:lstStyle/>
+          <a:p>
+            <a:pPr algn="ctr"/>
+            <a:endParaRPr lang="zh-CN" altLang="en-US"/>
           </a:p>
         </p:txBody>
       </p:sp>
@@ -11708,6 +12880,60 @@
           <a:chExt cx="0" cy="0"/>
         </a:xfrm>
       </p:grpSpPr>
+      <p:pic>
+        <p:nvPicPr>
+          <p:cNvPr id="10244" name="Picture 4"/>
+          <p:cNvPicPr>
+            <a:picLocks noChangeAspect="1" noChangeArrowheads="1"/>
+          </p:cNvPicPr>
+          <p:nvPr/>
+        </p:nvPicPr>
+        <p:blipFill>
+          <a:blip r:embed="rId2">
+            <a:extLst>
+              <a:ext uri="{28A0092B-C50C-407E-A947-70E740481C1C}">
+                <a14:useLocalDpi xmlns:a14="http://schemas.microsoft.com/office/drawing/2010/main" val="0"/>
+              </a:ext>
+            </a:extLst>
+          </a:blip>
+          <a:srcRect/>
+          <a:stretch>
+            <a:fillRect/>
+          </a:stretch>
+        </p:blipFill>
+        <p:spPr bwMode="auto">
+          <a:xfrm>
+            <a:off x="5812325" y="780300"/>
+            <a:ext cx="6182424" cy="6086475"/>
+          </a:xfrm>
+          <a:prstGeom prst="rect">
+            <a:avLst/>
+          </a:prstGeom>
+          <a:noFill/>
+          <a:ln>
+            <a:noFill/>
+          </a:ln>
+          <a:extLst>
+            <a:ext uri="{909E8E84-426E-40DD-AFC4-6F175D3DCCD1}">
+              <a14:hiddenFill xmlns:a14="http://schemas.microsoft.com/office/drawing/2010/main">
+                <a:solidFill>
+                  <a:schemeClr val="accent1"/>
+                </a:solidFill>
+              </a14:hiddenFill>
+            </a:ext>
+            <a:ext uri="{91240B29-F687-4F45-9708-019B960494DF}">
+              <a14:hiddenLine xmlns:a14="http://schemas.microsoft.com/office/drawing/2010/main" w="9525">
+                <a:solidFill>
+                  <a:schemeClr val="tx1"/>
+                </a:solidFill>
+                <a:miter lim="800000"/>
+                <a:headEnd/>
+                <a:tailEnd/>
+              </a14:hiddenLine>
+            </a:ext>
+          </a:extLst>
+        </p:spPr>
+      </p:pic>
       <p:grpSp>
         <p:nvGrpSpPr>
           <p:cNvPr id="2" name="组合 1"/>
@@ -11967,11 +13193,7 @@
               </a:r>
               <a:r>
                 <a:rPr lang="en-US" altLang="zh-CN" dirty="0" smtClean="0"/>
-                <a:t> </a:t>
-              </a:r>
-              <a:r>
-                <a:rPr lang="en-US" altLang="zh-CN" dirty="0" smtClean="0"/>
-                <a:t>plugin</a:t>
+                <a:t> plugin</a:t>
               </a:r>
               <a:endParaRPr lang="zh-CN" altLang="en-US" dirty="0"/>
             </a:p>
@@ -12060,7 +13282,7 @@
         <p:spPr>
           <a:xfrm>
             <a:off x="890861" y="579086"/>
-            <a:ext cx="2262158" cy="369332"/>
+            <a:ext cx="2287806" cy="369332"/>
           </a:xfrm>
           <a:prstGeom prst="rect">
             <a:avLst/>
@@ -12073,7 +13295,7 @@
           <a:lstStyle/>
           <a:p>
             <a:r>
-              <a:rPr lang="en-US" altLang="zh-CN" dirty="0" err="1">
+              <a:rPr lang="en-US" altLang="zh-CN" b="1" dirty="0" err="1">
                 <a:solidFill>
                   <a:schemeClr val="bg2"/>
                 </a:solidFill>
@@ -12081,7 +13303,7 @@
               <a:t>docker</a:t>
             </a:r>
             <a:r>
-              <a:rPr lang="en-US" altLang="zh-CN" dirty="0">
+              <a:rPr lang="en-US" altLang="zh-CN" b="1" dirty="0">
                 <a:solidFill>
                   <a:schemeClr val="bg2"/>
                 </a:solidFill>
@@ -12089,18 +13311,13 @@
               <a:t> volume </a:t>
             </a:r>
             <a:r>
-              <a:rPr lang="zh-CN" altLang="en-US" dirty="0">
+              <a:rPr lang="zh-CN" altLang="en-US" b="1" dirty="0">
                 <a:solidFill>
                   <a:schemeClr val="bg2"/>
                 </a:solidFill>
               </a:rPr>
               <a:t>管理</a:t>
             </a:r>
-            <a:endParaRPr lang="zh-CN" altLang="en-US" dirty="0">
-              <a:solidFill>
-                <a:schemeClr val="bg2"/>
-              </a:solidFill>
-            </a:endParaRPr>
           </a:p>
         </p:txBody>
       </p:sp>
@@ -12112,8 +13329,8 @@
         </p:nvSpPr>
         <p:spPr>
           <a:xfrm>
-            <a:off x="172016" y="1657997"/>
-            <a:ext cx="5726733" cy="4401205"/>
+            <a:off x="648267" y="1381772"/>
+            <a:ext cx="4895284" cy="4708981"/>
           </a:xfrm>
           <a:prstGeom prst="rect">
             <a:avLst/>
@@ -12126,6 +13343,10 @@
           </a:bodyPr>
           <a:lstStyle/>
           <a:p>
+            <a:pPr marL="342900" indent="-342900">
+              <a:buFont typeface="Wingdings" panose="05000000000000000000" pitchFamily="2" charset="2"/>
+              <a:buChar char="l"/>
+            </a:pPr>
             <a:r>
               <a:rPr lang="zh-CN" altLang="zh-CN" sz="2000" dirty="0" smtClean="0">
                 <a:solidFill>
@@ -12156,7 +13377,39 @@
                   <a:schemeClr val="bg2"/>
                 </a:solidFill>
               </a:rPr>
-              <a:t>使用的</a:t>
+              <a:t>使用</a:t>
+            </a:r>
+            <a:r>
+              <a:rPr lang="zh-CN" altLang="zh-CN" sz="2000" dirty="0" smtClean="0">
+                <a:solidFill>
+                  <a:schemeClr val="bg2"/>
+                </a:solidFill>
+              </a:rPr>
+              <a:t>的</a:t>
+            </a:r>
+            <a:r>
+              <a:rPr lang="zh-CN" altLang="en-US" sz="2000" dirty="0">
+                <a:solidFill>
+                  <a:schemeClr val="bg2"/>
+                </a:solidFill>
+              </a:rPr>
+              <a:t>数据卷</a:t>
+            </a:r>
+            <a:r>
+              <a:rPr lang="zh-CN" altLang="zh-CN" sz="2000" dirty="0" smtClean="0">
+                <a:solidFill>
+                  <a:schemeClr val="bg2"/>
+                </a:solidFill>
+              </a:rPr>
+              <a:t>必须</a:t>
+            </a:r>
+            <a:r>
+              <a:rPr lang="zh-CN" altLang="zh-CN" sz="2000" dirty="0">
+                <a:solidFill>
+                  <a:schemeClr val="bg2"/>
+                </a:solidFill>
+              </a:rPr>
+              <a:t>实现</a:t>
             </a:r>
             <a:r>
               <a:rPr lang="en-US" altLang="zh-CN" sz="2000" dirty="0">
@@ -12167,28 +13420,36 @@
               <a:t>Volume</a:t>
             </a:r>
             <a:r>
+              <a:rPr lang="zh-CN" altLang="zh-CN" sz="2000" dirty="0" smtClean="0">
+                <a:solidFill>
+                  <a:schemeClr val="bg2"/>
+                </a:solidFill>
+              </a:rPr>
+              <a:t>接口</a:t>
+            </a:r>
+            <a:r>
+              <a:rPr lang="zh-CN" altLang="en-US" sz="2000" dirty="0" smtClean="0">
+                <a:solidFill>
+                  <a:schemeClr val="bg2"/>
+                </a:solidFill>
+              </a:rPr>
+              <a:t>，</a:t>
+            </a:r>
+            <a:r>
+              <a:rPr lang="zh-CN" altLang="zh-CN" sz="2000" dirty="0" smtClean="0">
+                <a:solidFill>
+                  <a:schemeClr val="bg2"/>
+                </a:solidFill>
+              </a:rPr>
+              <a:t>后端</a:t>
+            </a:r>
+            <a:r>
               <a:rPr lang="zh-CN" altLang="zh-CN" sz="2000" dirty="0">
                 <a:solidFill>
                   <a:schemeClr val="bg2"/>
                 </a:solidFill>
               </a:rPr>
-              <a:t>必须实现</a:t>
-            </a:r>
-            <a:r>
-              <a:rPr lang="en-US" altLang="zh-CN" sz="2000" dirty="0">
-                <a:solidFill>
-                  <a:schemeClr val="bg2"/>
-                </a:solidFill>
-              </a:rPr>
-              <a:t>Volume</a:t>
-            </a:r>
-            <a:r>
-              <a:rPr lang="zh-CN" altLang="zh-CN" sz="2000" dirty="0">
-                <a:solidFill>
-                  <a:schemeClr val="bg2"/>
-                </a:solidFill>
-              </a:rPr>
-              <a:t>接口。后端驱动需要实现</a:t>
+              <a:t>驱动需要实现</a:t>
             </a:r>
             <a:r>
               <a:rPr lang="en-US" altLang="zh-CN" sz="2000" dirty="0">
@@ -12253,21 +13514,33 @@
             </a:endParaRPr>
           </a:p>
           <a:p>
-            <a:r>
-              <a:rPr lang="zh-CN" altLang="zh-CN" sz="2000" dirty="0" smtClean="0">
-                <a:solidFill>
-                  <a:schemeClr val="bg2"/>
-                </a:solidFill>
-              </a:rPr>
-              <a:t>① </a:t>
-            </a:r>
-            <a:r>
-              <a:rPr lang="zh-CN" altLang="zh-CN" sz="2000" dirty="0">
-                <a:solidFill>
-                  <a:schemeClr val="bg2"/>
-                </a:solidFill>
-              </a:rPr>
-              <a:t>基于本地文件系统的</a:t>
+            <a:pPr marL="342900" indent="-342900">
+              <a:buFont typeface="Wingdings" panose="05000000000000000000" pitchFamily="2" charset="2"/>
+              <a:buChar char="l"/>
+            </a:pPr>
+            <a:r>
+              <a:rPr lang="zh-CN" altLang="zh-CN" sz="2000" b="1" dirty="0" smtClean="0">
+                <a:solidFill>
+                  <a:schemeClr val="bg2"/>
+                </a:solidFill>
+              </a:rPr>
+              <a:t>基于</a:t>
+            </a:r>
+            <a:r>
+              <a:rPr lang="zh-CN" altLang="zh-CN" sz="2000" b="1" dirty="0">
+                <a:solidFill>
+                  <a:schemeClr val="bg2"/>
+                </a:solidFill>
+              </a:rPr>
+              <a:t>本地文件系统的</a:t>
+            </a:r>
+            <a:r>
+              <a:rPr lang="en-US" altLang="zh-CN" sz="2000" b="1" dirty="0">
+                <a:solidFill>
+                  <a:schemeClr val="bg2"/>
+                </a:solidFill>
+              </a:rPr>
+              <a:t>Volume</a:t>
             </a:r>
             <a:r>
               <a:rPr lang="en-US" altLang="zh-CN" sz="2000" dirty="0">
@@ -12275,7 +13548,7 @@
                   <a:schemeClr val="bg2"/>
                 </a:solidFill>
               </a:rPr>
-              <a:t>Volume</a:t>
+              <a:t/>
             </a:r>
             <a:br>
               <a:rPr lang="en-US" altLang="zh-CN" sz="2000" dirty="0">
@@ -12314,230 +13587,272 @@
                   <a:schemeClr val="bg2"/>
                 </a:solidFill>
               </a:rPr>
-              <a:t> run -v)</a:t>
-            </a:r>
+              <a:t> run )</a:t>
+            </a:r>
+            <a:r>
+              <a:rPr lang="zh-CN" altLang="en-US" sz="2000" dirty="0" smtClean="0">
+                <a:solidFill>
+                  <a:schemeClr val="bg2"/>
+                </a:solidFill>
+              </a:rPr>
+              <a:t>时，使用</a:t>
+            </a:r>
+            <a:r>
+              <a:rPr lang="en-US" altLang="zh-CN" sz="2000" dirty="0" smtClean="0">
+                <a:solidFill>
+                  <a:schemeClr val="bg2"/>
+                </a:solidFill>
+              </a:rPr>
+              <a:t>-v</a:t>
+            </a:r>
+            <a:r>
+              <a:rPr lang="zh-CN" altLang="en-US" sz="2000" dirty="0" smtClean="0">
+                <a:solidFill>
+                  <a:schemeClr val="bg2"/>
+                </a:solidFill>
+              </a:rPr>
+              <a:t>参数；</a:t>
+            </a:r>
+            <a:endParaRPr lang="en-US" altLang="zh-CN" sz="2000" dirty="0">
+              <a:solidFill>
+                <a:schemeClr val="bg2"/>
+              </a:solidFill>
+            </a:endParaRPr>
           </a:p>
           <a:p>
+            <a:pPr marL="288000"/>
+            <a:r>
+              <a:rPr lang="zh-CN" altLang="zh-CN" sz="2000" dirty="0" smtClean="0">
+                <a:solidFill>
+                  <a:schemeClr val="bg2"/>
+                </a:solidFill>
+              </a:rPr>
+              <a:t>卷</a:t>
+            </a:r>
+            <a:r>
+              <a:rPr lang="zh-CN" altLang="zh-CN" sz="2000" dirty="0">
+                <a:solidFill>
+                  <a:schemeClr val="bg2"/>
+                </a:solidFill>
+              </a:rPr>
+              <a:t>的</a:t>
+            </a:r>
+            <a:r>
+              <a:rPr lang="zh-CN" altLang="zh-CN" sz="2000" dirty="0" smtClean="0">
+                <a:solidFill>
+                  <a:schemeClr val="bg2"/>
+                </a:solidFill>
+              </a:rPr>
+              <a:t>根目录</a:t>
+            </a:r>
+            <a:r>
+              <a:rPr lang="en-US" altLang="zh-CN" sz="2000" dirty="0" smtClean="0">
+                <a:solidFill>
+                  <a:schemeClr val="bg2"/>
+                </a:solidFill>
+              </a:rPr>
+              <a:t>/</a:t>
+            </a:r>
+            <a:r>
+              <a:rPr lang="en-US" altLang="zh-CN" sz="2000" dirty="0" err="1" smtClean="0">
+                <a:solidFill>
+                  <a:schemeClr val="bg2"/>
+                </a:solidFill>
+              </a:rPr>
+              <a:t>var</a:t>
+            </a:r>
+            <a:r>
+              <a:rPr lang="en-US" altLang="zh-CN" sz="2000" dirty="0" smtClean="0">
+                <a:solidFill>
+                  <a:schemeClr val="bg2"/>
+                </a:solidFill>
+              </a:rPr>
+              <a:t>/lib/</a:t>
+            </a:r>
+            <a:r>
+              <a:rPr lang="en-US" altLang="zh-CN" sz="2000" dirty="0" err="1" smtClean="0">
+                <a:solidFill>
+                  <a:schemeClr val="bg2"/>
+                </a:solidFill>
+              </a:rPr>
+              <a:t>docker</a:t>
+            </a:r>
+            <a:r>
+              <a:rPr lang="en-US" altLang="zh-CN" sz="2000" dirty="0" smtClean="0">
+                <a:solidFill>
+                  <a:schemeClr val="bg2"/>
+                </a:solidFill>
+              </a:rPr>
+              <a:t>/volumes   </a:t>
+            </a:r>
+            <a:r>
+              <a:rPr lang="zh-CN" altLang="en-US" sz="2000" dirty="0" smtClean="0">
+                <a:solidFill>
+                  <a:schemeClr val="bg2"/>
+                </a:solidFill>
+              </a:rPr>
+              <a:t>便是</a:t>
+            </a:r>
+            <a:r>
+              <a:rPr lang="en-US" altLang="zh-CN" sz="2000" dirty="0" smtClean="0">
+                <a:solidFill>
+                  <a:schemeClr val="bg2"/>
+                </a:solidFill>
+              </a:rPr>
+              <a:t>driver</a:t>
+            </a:r>
+            <a:r>
+              <a:rPr lang="zh-CN" altLang="en-US" sz="2000" dirty="0" smtClean="0">
+                <a:solidFill>
+                  <a:schemeClr val="bg2"/>
+                </a:solidFill>
+              </a:rPr>
+              <a:t>。</a:t>
+            </a:r>
+            <a:endParaRPr lang="en-US" altLang="zh-CN" sz="2000" dirty="0" smtClean="0">
+              <a:solidFill>
+                <a:schemeClr val="bg2"/>
+              </a:solidFill>
+            </a:endParaRPr>
+          </a:p>
+          <a:p>
+            <a:pPr marL="342900" indent="-342900">
+              <a:buFont typeface="Wingdings" panose="05000000000000000000" pitchFamily="2" charset="2"/>
+              <a:buChar char="l"/>
+            </a:pPr>
+            <a:r>
+              <a:rPr lang="zh-CN" altLang="zh-CN" sz="2000" b="1" dirty="0">
+                <a:solidFill>
+                  <a:schemeClr val="bg2"/>
+                </a:solidFill>
+              </a:rPr>
+              <a:t>适配</a:t>
+            </a:r>
+            <a:r>
+              <a:rPr lang="en-US" altLang="zh-CN" sz="2000" b="1" dirty="0">
+                <a:solidFill>
+                  <a:schemeClr val="bg2"/>
+                </a:solidFill>
+              </a:rPr>
+              <a:t>Plugin</a:t>
+            </a:r>
+            <a:r>
+              <a:rPr lang="zh-CN" altLang="zh-CN" sz="2000" b="1" dirty="0">
+                <a:solidFill>
+                  <a:schemeClr val="bg2"/>
+                </a:solidFill>
+              </a:rPr>
+              <a:t>的</a:t>
+            </a:r>
+            <a:r>
+              <a:rPr lang="en-US" altLang="zh-CN" sz="2000" b="1" dirty="0">
+                <a:solidFill>
+                  <a:schemeClr val="bg2"/>
+                </a:solidFill>
+              </a:rPr>
+              <a:t>Volume</a:t>
+            </a:r>
+          </a:p>
+          <a:p>
+            <a:pPr marL="288000"/>
+            <a:r>
+              <a:rPr lang="en-US" altLang="zh-CN" sz="2000" dirty="0" err="1" smtClean="0">
+                <a:solidFill>
+                  <a:schemeClr val="bg2"/>
+                </a:solidFill>
+              </a:rPr>
+              <a:t>VolumeAdapter</a:t>
+            </a:r>
+            <a:r>
+              <a:rPr lang="zh-CN" altLang="zh-CN" sz="2000" dirty="0">
+                <a:solidFill>
+                  <a:schemeClr val="bg2"/>
+                </a:solidFill>
+              </a:rPr>
+              <a:t>和</a:t>
+            </a:r>
+            <a:r>
+              <a:rPr lang="en-US" altLang="zh-CN" sz="2000" dirty="0" err="1">
+                <a:solidFill>
+                  <a:schemeClr val="bg2"/>
+                </a:solidFill>
+              </a:rPr>
+              <a:t>VolumeDriverAdapter</a:t>
+            </a:r>
+            <a:r>
+              <a:rPr lang="zh-CN" altLang="zh-CN" sz="2000" dirty="0">
+                <a:solidFill>
+                  <a:schemeClr val="bg2"/>
+                </a:solidFill>
+              </a:rPr>
+              <a:t>分别实现了接口</a:t>
+            </a:r>
             <a:r>
               <a:rPr lang="en-US" altLang="zh-CN" sz="2000" dirty="0">
                 <a:solidFill>
                   <a:schemeClr val="bg2"/>
                 </a:solidFill>
               </a:rPr>
+              <a:t>Volume</a:t>
+            </a:r>
+            <a:r>
+              <a:rPr lang="zh-CN" altLang="zh-CN" sz="2000" dirty="0">
+                <a:solidFill>
+                  <a:schemeClr val="bg2"/>
+                </a:solidFill>
+              </a:rPr>
+              <a:t>和</a:t>
+            </a:r>
+            <a:r>
+              <a:rPr lang="en-US" altLang="zh-CN" sz="2000" dirty="0">
+                <a:solidFill>
+                  <a:schemeClr val="bg2"/>
+                </a:solidFill>
+              </a:rPr>
               <a:t>Driver</a:t>
             </a:r>
             <a:r>
+              <a:rPr lang="zh-CN" altLang="zh-CN" sz="2000" dirty="0" smtClean="0">
+                <a:solidFill>
+                  <a:schemeClr val="bg2"/>
+                </a:solidFill>
+              </a:rPr>
+              <a:t>接口</a:t>
+            </a:r>
+            <a:r>
+              <a:rPr lang="zh-CN" altLang="en-US" sz="2000" dirty="0" smtClean="0">
+                <a:solidFill>
+                  <a:schemeClr val="bg2"/>
+                </a:solidFill>
+              </a:rPr>
+              <a:t>。</a:t>
+            </a:r>
+            <a:endParaRPr lang="en-US" altLang="zh-CN" sz="2000" dirty="0">
+              <a:solidFill>
+                <a:schemeClr val="bg2"/>
+              </a:solidFill>
+            </a:endParaRPr>
+          </a:p>
+          <a:p>
+            <a:pPr marL="342900" indent="-342900">
+              <a:buFont typeface="Wingdings" panose="05000000000000000000" pitchFamily="2" charset="2"/>
+              <a:buChar char="l"/>
+            </a:pPr>
+            <a:r>
+              <a:rPr lang="zh-CN" altLang="zh-CN" sz="2000" dirty="0" smtClean="0">
+                <a:solidFill>
+                  <a:schemeClr val="bg2"/>
+                </a:solidFill>
+              </a:rPr>
+              <a:t>基于</a:t>
+            </a:r>
+            <a:r>
               <a:rPr lang="zh-CN" altLang="zh-CN" sz="2000" dirty="0">
                 <a:solidFill>
                   <a:schemeClr val="bg2"/>
                 </a:solidFill>
               </a:rPr>
-              <a:t>便是卷的</a:t>
-            </a:r>
-            <a:r>
-              <a:rPr lang="zh-CN" altLang="zh-CN" sz="2000" dirty="0" smtClean="0">
-                <a:solidFill>
-                  <a:schemeClr val="bg2"/>
-                </a:solidFill>
-              </a:rPr>
-              <a:t>根目录</a:t>
-            </a:r>
-            <a:r>
-              <a:rPr lang="en-US" altLang="zh-CN" sz="2000" dirty="0" smtClean="0">
-                <a:solidFill>
-                  <a:schemeClr val="bg2"/>
-                </a:solidFill>
-              </a:rPr>
-              <a:t>/</a:t>
-            </a:r>
-            <a:r>
-              <a:rPr lang="en-US" altLang="zh-CN" sz="2000" dirty="0" err="1">
-                <a:solidFill>
-                  <a:schemeClr val="bg2"/>
-                </a:solidFill>
-              </a:rPr>
-              <a:t>var</a:t>
-            </a:r>
-            <a:r>
-              <a:rPr lang="en-US" altLang="zh-CN" sz="2000" dirty="0">
-                <a:solidFill>
-                  <a:schemeClr val="bg2"/>
-                </a:solidFill>
-              </a:rPr>
-              <a:t>/lib/</a:t>
-            </a:r>
-            <a:r>
-              <a:rPr lang="en-US" altLang="zh-CN" sz="2000" dirty="0" err="1">
-                <a:solidFill>
-                  <a:schemeClr val="bg2"/>
-                </a:solidFill>
-              </a:rPr>
-              <a:t>docker</a:t>
-            </a:r>
-            <a:r>
-              <a:rPr lang="en-US" altLang="zh-CN" sz="2000" dirty="0">
-                <a:solidFill>
-                  <a:schemeClr val="bg2"/>
-                </a:solidFill>
-              </a:rPr>
-              <a:t>/volumes</a:t>
-            </a:r>
-            <a:r>
-              <a:rPr lang="zh-CN" altLang="zh-CN" sz="2000" dirty="0">
-                <a:solidFill>
-                  <a:schemeClr val="bg2"/>
-                </a:solidFill>
-              </a:rPr>
-              <a:t>。一个卷就是根目录下的一个子目录。</a:t>
-            </a:r>
-            <a:r>
-              <a:rPr lang="en-US" altLang="zh-CN" sz="2000" dirty="0">
-                <a:solidFill>
-                  <a:schemeClr val="bg2"/>
-                </a:solidFill>
-              </a:rPr>
-              <a:t/>
-            </a:r>
-            <a:br>
-              <a:rPr lang="en-US" altLang="zh-CN" sz="2000" dirty="0">
-                <a:solidFill>
-                  <a:schemeClr val="bg2"/>
-                </a:solidFill>
-              </a:rPr>
-            </a:br>
-            <a:r>
-              <a:rPr lang="zh-CN" altLang="zh-CN" sz="2000" dirty="0">
-                <a:solidFill>
-                  <a:schemeClr val="bg2"/>
-                </a:solidFill>
-              </a:rPr>
-              <a:t>② 适配</a:t>
-            </a:r>
-            <a:r>
-              <a:rPr lang="en-US" altLang="zh-CN" sz="2000" dirty="0">
-                <a:solidFill>
-                  <a:schemeClr val="bg2"/>
-                </a:solidFill>
-              </a:rPr>
-              <a:t>Plugin</a:t>
-            </a:r>
-            <a:r>
-              <a:rPr lang="zh-CN" altLang="zh-CN" sz="2000" dirty="0">
-                <a:solidFill>
-                  <a:schemeClr val="bg2"/>
-                </a:solidFill>
-              </a:rPr>
-              <a:t>的</a:t>
-            </a:r>
-            <a:r>
-              <a:rPr lang="en-US" altLang="zh-CN" sz="2000" dirty="0">
-                <a:solidFill>
-                  <a:schemeClr val="bg2"/>
-                </a:solidFill>
-              </a:rPr>
-              <a:t>Volume</a:t>
-            </a:r>
-            <a:br>
-              <a:rPr lang="en-US" altLang="zh-CN" sz="2000" dirty="0">
-                <a:solidFill>
-                  <a:schemeClr val="bg2"/>
-                </a:solidFill>
-              </a:rPr>
-            </a:br>
-            <a:r>
-              <a:rPr lang="en-US" altLang="zh-CN" sz="2000" dirty="0" err="1" smtClean="0">
-                <a:solidFill>
-                  <a:schemeClr val="bg2"/>
-                </a:solidFill>
-              </a:rPr>
-              <a:t>VolumeAdapter</a:t>
-            </a:r>
-            <a:r>
-              <a:rPr lang="zh-CN" altLang="zh-CN" sz="2000" dirty="0">
-                <a:solidFill>
-                  <a:schemeClr val="bg2"/>
-                </a:solidFill>
-              </a:rPr>
-              <a:t>和</a:t>
-            </a:r>
-            <a:r>
-              <a:rPr lang="en-US" altLang="zh-CN" sz="2000" dirty="0" err="1">
-                <a:solidFill>
-                  <a:schemeClr val="bg2"/>
-                </a:solidFill>
-              </a:rPr>
-              <a:t>VolumeDriverAdapter</a:t>
-            </a:r>
-            <a:r>
-              <a:rPr lang="zh-CN" altLang="zh-CN" sz="2000" dirty="0">
-                <a:solidFill>
-                  <a:schemeClr val="bg2"/>
-                </a:solidFill>
-              </a:rPr>
-              <a:t>分别实现了接口</a:t>
-            </a:r>
-            <a:r>
-              <a:rPr lang="en-US" altLang="zh-CN" sz="2000" dirty="0">
-                <a:solidFill>
-                  <a:schemeClr val="bg2"/>
-                </a:solidFill>
-              </a:rPr>
-              <a:t>Volume</a:t>
-            </a:r>
-            <a:r>
-              <a:rPr lang="zh-CN" altLang="zh-CN" sz="2000" dirty="0">
-                <a:solidFill>
-                  <a:schemeClr val="bg2"/>
-                </a:solidFill>
-              </a:rPr>
-              <a:t>和</a:t>
-            </a:r>
-            <a:r>
-              <a:rPr lang="en-US" altLang="zh-CN" sz="2000" dirty="0">
-                <a:solidFill>
-                  <a:schemeClr val="bg2"/>
-                </a:solidFill>
-              </a:rPr>
-              <a:t>Driver</a:t>
-            </a:r>
-            <a:r>
-              <a:rPr lang="zh-CN" altLang="zh-CN" sz="2000" dirty="0" smtClean="0">
-                <a:solidFill>
-                  <a:schemeClr val="bg2"/>
-                </a:solidFill>
-              </a:rPr>
-              <a:t>接口</a:t>
-            </a:r>
-            <a:r>
-              <a:rPr lang="zh-CN" altLang="en-US" sz="2000" dirty="0">
-                <a:solidFill>
-                  <a:schemeClr val="bg2"/>
-                </a:solidFill>
-              </a:rPr>
-              <a:t>。</a:t>
-            </a:r>
-            <a:r>
-              <a:rPr lang="en-US" altLang="zh-CN" sz="2000" dirty="0">
-                <a:solidFill>
-                  <a:schemeClr val="bg2"/>
-                </a:solidFill>
-              </a:rPr>
-              <a:t/>
-            </a:r>
-            <a:br>
-              <a:rPr lang="en-US" altLang="zh-CN" sz="2000" dirty="0">
-                <a:solidFill>
-                  <a:schemeClr val="bg2"/>
-                </a:solidFill>
-              </a:rPr>
-            </a:br>
-            <a:r>
-              <a:rPr lang="zh-CN" altLang="zh-CN" sz="2000" dirty="0">
-                <a:solidFill>
-                  <a:schemeClr val="bg2"/>
-                </a:solidFill>
-              </a:rPr>
-              <a:t>基于本地文件系统的</a:t>
+              <a:t>本地文件系统的</a:t>
             </a:r>
             <a:r>
               <a:rPr lang="en-US" altLang="zh-CN" sz="2000" dirty="0">
@@ -12611,60 +13926,53 @@
           </a:p>
         </p:txBody>
       </p:sp>
-      <p:pic>
-        <p:nvPicPr>
-          <p:cNvPr id="10244" name="Picture 4"/>
-          <p:cNvPicPr>
-            <a:picLocks noChangeAspect="1" noChangeArrowheads="1"/>
-          </p:cNvPicPr>
+      <p:sp>
+        <p:nvSpPr>
+          <p:cNvPr id="13" name="圆角矩形 12"/>
+          <p:cNvSpPr/>
           <p:nvPr/>
-        </p:nvPicPr>
-        <p:blipFill>
-          <a:blip r:embed="rId2">
-            <a:extLst>
-              <a:ext uri="{28A0092B-C50C-407E-A947-70E740481C1C}">
-                <a14:useLocalDpi xmlns:a14="http://schemas.microsoft.com/office/drawing/2010/main" val="0"/>
-              </a:ext>
-            </a:extLst>
-          </a:blip>
-          <a:srcRect/>
-          <a:stretch>
-            <a:fillRect/>
-          </a:stretch>
-        </p:blipFill>
-        <p:spPr bwMode="auto">
+        </p:nvSpPr>
+        <p:spPr>
           <a:xfrm>
-            <a:off x="5812325" y="780300"/>
-            <a:ext cx="6182424" cy="6086475"/>
+            <a:off x="571500" y="1062718"/>
+            <a:ext cx="4981576" cy="5278662"/>
           </a:xfrm>
-          <a:prstGeom prst="rect">
+          <a:prstGeom prst="roundRect">
             <a:avLst/>
           </a:prstGeom>
           <a:noFill/>
-          <a:ln>
-            <a:noFill/>
+          <a:ln w="19050">
+            <a:solidFill>
+              <a:srgbClr val="68BAAA"/>
+            </a:solidFill>
+            <a:prstDash val="dashDot"/>
           </a:ln>
-          <a:extLst>
-            <a:ext uri="{909E8E84-426E-40DD-AFC4-6F175D3DCCD1}">
-              <a14:hiddenFill xmlns:a14="http://schemas.microsoft.com/office/drawing/2010/main">
-                <a:solidFill>
-                  <a:schemeClr val="accent1"/>
-                </a:solidFill>
-              </a14:hiddenFill>
-            </a:ext>
-            <a:ext uri="{91240B29-F687-4F45-9708-019B960494DF}">
-              <a14:hiddenLine xmlns:a14="http://schemas.microsoft.com/office/drawing/2010/main" w="9525">
-                <a:solidFill>
-                  <a:schemeClr val="tx1"/>
-                </a:solidFill>
-                <a:miter lim="800000"/>
-                <a:headEnd/>
-                <a:tailEnd/>
-              </a14:hiddenLine>
-            </a:ext>
-          </a:extLst>
         </p:spPr>
-      </p:pic>
+        <p:style>
+          <a:lnRef idx="2">
+            <a:schemeClr val="accent1">
+              <a:shade val="50000"/>
+            </a:schemeClr>
+          </a:lnRef>
+          <a:fillRef idx="1">
+            <a:schemeClr val="accent1"/>
+          </a:fillRef>
+          <a:effectRef idx="0">
+            <a:schemeClr val="accent1"/>
+          </a:effectRef>
+          <a:fontRef idx="minor">
+            <a:schemeClr val="lt1"/>
+          </a:fontRef>
+        </p:style>
+        <p:txBody>
+          <a:bodyPr rtlCol="0" anchor="ctr"/>
+          <a:lstStyle/>
+          <a:p>
+            <a:pPr algn="ctr"/>
+            <a:endParaRPr lang="zh-CN" altLang="en-US"/>
+          </a:p>
+        </p:txBody>
+      </p:sp>
     </p:spTree>
     <p:extLst>
       <p:ext uri="{BB962C8B-B14F-4D97-AF65-F5344CB8AC3E}">
@@ -12964,11 +14272,7 @@
               </a:r>
               <a:r>
                 <a:rPr lang="en-US" altLang="zh-CN" dirty="0" smtClean="0"/>
-                <a:t> </a:t>
-              </a:r>
-              <a:r>
-                <a:rPr lang="en-US" altLang="zh-CN" dirty="0" smtClean="0"/>
-                <a:t>plugin</a:t>
+                <a:t> plugin</a:t>
               </a:r>
               <a:endParaRPr lang="zh-CN" altLang="en-US" dirty="0"/>
             </a:p>
@@ -13011,14 +14315,14 @@
             <a:p>
               <a:pPr algn="l"/>
               <a:r>
-                <a:rPr lang="en-US" altLang="zh-CN" dirty="0" smtClean="0"/>
+                <a:rPr lang="en-US" altLang="zh-CN" b="1" dirty="0" smtClean="0"/>
                 <a:t>Docker plugin</a:t>
               </a:r>
               <a:r>
-                <a:rPr lang="zh-CN" altLang="en-US" dirty="0" smtClean="0"/>
+                <a:rPr lang="zh-CN" altLang="en-US" b="1" dirty="0" smtClean="0"/>
                 <a:t>实现原理</a:t>
               </a:r>
-              <a:endParaRPr lang="zh-CN" altLang="en-US" dirty="0"/>
+              <a:endParaRPr lang="zh-CN" altLang="en-US" b="1" dirty="0"/>
             </a:p>
           </p:txBody>
         </p:sp>
@@ -13119,7 +14423,7 @@
         </p:blipFill>
         <p:spPr bwMode="auto">
           <a:xfrm>
-            <a:off x="2513873" y="821232"/>
+            <a:off x="2532923" y="821232"/>
             <a:ext cx="7571667" cy="5914546"/>
           </a:xfrm>
           <a:prstGeom prst="rect">
@@ -13198,10 +14502,583 @@
         </p:nvGrpSpPr>
         <p:grpSpPr>
           <a:xfrm>
+            <a:off x="-27553" y="144642"/>
+            <a:ext cx="12210497" cy="831947"/>
+            <a:chOff x="-13343" y="233814"/>
+            <a:chExt cx="12210497" cy="831947"/>
+          </a:xfrm>
+        </p:grpSpPr>
+        <p:grpSp>
+          <p:nvGrpSpPr>
+            <p:cNvPr id="3" name="组合 2"/>
+            <p:cNvGrpSpPr/>
+            <p:nvPr/>
+          </p:nvGrpSpPr>
+          <p:grpSpPr>
+            <a:xfrm>
+              <a:off x="-13343" y="395636"/>
+              <a:ext cx="827619" cy="670125"/>
+              <a:chOff x="-78392" y="2881356"/>
+              <a:chExt cx="3402862" cy="931705"/>
+            </a:xfrm>
+          </p:grpSpPr>
+          <p:sp>
+            <p:nvSpPr>
+              <p:cNvPr id="7" name="矩形 6"/>
+              <p:cNvSpPr/>
+              <p:nvPr/>
+            </p:nvSpPr>
+            <p:spPr>
+              <a:xfrm>
+                <a:off x="-23530" y="2881356"/>
+                <a:ext cx="3348000" cy="216000"/>
+              </a:xfrm>
+              <a:prstGeom prst="rect">
+                <a:avLst/>
+              </a:prstGeom>
+              <a:solidFill>
+                <a:schemeClr val="accent3"/>
+              </a:solidFill>
+              <a:ln>
+                <a:noFill/>
+              </a:ln>
+            </p:spPr>
+            <p:style>
+              <a:lnRef idx="2">
+                <a:schemeClr val="accent1">
+                  <a:shade val="50000"/>
+                </a:schemeClr>
+              </a:lnRef>
+              <a:fillRef idx="1">
+                <a:schemeClr val="accent1"/>
+              </a:fillRef>
+              <a:effectRef idx="0">
+                <a:schemeClr val="accent1"/>
+              </a:effectRef>
+              <a:fontRef idx="minor">
+                <a:schemeClr val="lt1"/>
+              </a:fontRef>
+            </p:style>
+            <p:txBody>
+              <a:bodyPr rtlCol="0" anchor="ctr"/>
+              <a:lstStyle/>
+              <a:p>
+                <a:pPr algn="ctr"/>
+                <a:endParaRPr lang="zh-CN" altLang="en-US"/>
+              </a:p>
+            </p:txBody>
+          </p:sp>
+          <p:sp>
+            <p:nvSpPr>
+              <p:cNvPr id="8" name="矩形 7"/>
+              <p:cNvSpPr/>
+              <p:nvPr/>
+            </p:nvSpPr>
+            <p:spPr>
+              <a:xfrm>
+                <a:off x="-78392" y="3129904"/>
+                <a:ext cx="3348000" cy="216001"/>
+              </a:xfrm>
+              <a:prstGeom prst="rect">
+                <a:avLst/>
+              </a:prstGeom>
+              <a:solidFill>
+                <a:schemeClr val="accent2"/>
+              </a:solidFill>
+              <a:ln>
+                <a:noFill/>
+              </a:ln>
+            </p:spPr>
+            <p:style>
+              <a:lnRef idx="2">
+                <a:schemeClr val="accent1">
+                  <a:shade val="50000"/>
+                </a:schemeClr>
+              </a:lnRef>
+              <a:fillRef idx="1">
+                <a:schemeClr val="accent1"/>
+              </a:fillRef>
+              <a:effectRef idx="0">
+                <a:schemeClr val="accent1"/>
+              </a:effectRef>
+              <a:fontRef idx="minor">
+                <a:schemeClr val="lt1"/>
+              </a:fontRef>
+            </p:style>
+            <p:txBody>
+              <a:bodyPr rtlCol="0" anchor="ctr"/>
+              <a:lstStyle/>
+              <a:p>
+                <a:pPr algn="ctr"/>
+                <a:endParaRPr lang="zh-CN" altLang="en-US"/>
+              </a:p>
+            </p:txBody>
+          </p:sp>
+          <p:sp>
+            <p:nvSpPr>
+              <p:cNvPr id="9" name="矩形 8"/>
+              <p:cNvSpPr/>
+              <p:nvPr/>
+            </p:nvSpPr>
+            <p:spPr>
+              <a:xfrm>
+                <a:off x="-23530" y="3358492"/>
+                <a:ext cx="3348000" cy="216000"/>
+              </a:xfrm>
+              <a:prstGeom prst="rect">
+                <a:avLst/>
+              </a:prstGeom>
+              <a:solidFill>
+                <a:schemeClr val="accent5"/>
+              </a:solidFill>
+              <a:ln>
+                <a:noFill/>
+              </a:ln>
+            </p:spPr>
+            <p:style>
+              <a:lnRef idx="2">
+                <a:schemeClr val="accent1">
+                  <a:shade val="50000"/>
+                </a:schemeClr>
+              </a:lnRef>
+              <a:fillRef idx="1">
+                <a:schemeClr val="accent1"/>
+              </a:fillRef>
+              <a:effectRef idx="0">
+                <a:schemeClr val="accent1"/>
+              </a:effectRef>
+              <a:fontRef idx="minor">
+                <a:schemeClr val="lt1"/>
+              </a:fontRef>
+            </p:style>
+            <p:txBody>
+              <a:bodyPr rtlCol="0" anchor="ctr"/>
+              <a:lstStyle/>
+              <a:p>
+                <a:pPr algn="ctr"/>
+                <a:endParaRPr lang="zh-CN" altLang="en-US"/>
+              </a:p>
+            </p:txBody>
+          </p:sp>
+          <p:sp>
+            <p:nvSpPr>
+              <p:cNvPr id="10" name="矩形 9"/>
+              <p:cNvSpPr/>
+              <p:nvPr/>
+            </p:nvSpPr>
+            <p:spPr>
+              <a:xfrm>
+                <a:off x="-23530" y="3597061"/>
+                <a:ext cx="3348000" cy="216000"/>
+              </a:xfrm>
+              <a:prstGeom prst="rect">
+                <a:avLst/>
+              </a:prstGeom>
+              <a:solidFill>
+                <a:schemeClr val="accent4"/>
+              </a:solidFill>
+              <a:ln>
+                <a:noFill/>
+              </a:ln>
+            </p:spPr>
+            <p:style>
+              <a:lnRef idx="2">
+                <a:schemeClr val="accent1">
+                  <a:shade val="50000"/>
+                </a:schemeClr>
+              </a:lnRef>
+              <a:fillRef idx="1">
+                <a:schemeClr val="accent1"/>
+              </a:fillRef>
+              <a:effectRef idx="0">
+                <a:schemeClr val="accent1"/>
+              </a:effectRef>
+              <a:fontRef idx="minor">
+                <a:schemeClr val="lt1"/>
+              </a:fontRef>
+            </p:style>
+            <p:txBody>
+              <a:bodyPr rtlCol="0" anchor="ctr"/>
+              <a:lstStyle/>
+              <a:p>
+                <a:pPr algn="ctr"/>
+                <a:endParaRPr lang="zh-CN" altLang="en-US"/>
+              </a:p>
+            </p:txBody>
+          </p:sp>
+        </p:grpSp>
+        <p:sp>
+          <p:nvSpPr>
+            <p:cNvPr id="4" name="文本框 3"/>
+            <p:cNvSpPr txBox="1"/>
+            <p:nvPr/>
+          </p:nvSpPr>
+          <p:spPr>
+            <a:xfrm>
+              <a:off x="795224" y="233814"/>
+              <a:ext cx="3514226" cy="461665"/>
+            </a:xfrm>
+            <a:prstGeom prst="rect">
+              <a:avLst/>
+            </a:prstGeom>
+            <a:noFill/>
+          </p:spPr>
+          <p:txBody>
+            <a:bodyPr wrap="square" rtlCol="0">
+              <a:spAutoFit/>
+            </a:bodyPr>
+            <a:lstStyle>
+              <a:defPPr>
+                <a:defRPr lang="en-US"/>
+              </a:defPPr>
+              <a:lvl1pPr algn="ctr">
+                <a:defRPr sz="2400">
+                  <a:solidFill>
+                    <a:schemeClr val="bg2"/>
+                  </a:solidFill>
+                  <a:latin typeface="+mj-ea"/>
+                  <a:ea typeface="+mj-ea"/>
+                </a:defRPr>
+              </a:lvl1pPr>
+            </a:lstStyle>
+            <a:p>
+              <a:pPr algn="l"/>
+              <a:r>
+                <a:rPr lang="en-US" altLang="zh-CN" dirty="0" smtClean="0"/>
+                <a:t>Docker </a:t>
+              </a:r>
+              <a:r>
+                <a:rPr lang="en-US" altLang="zh-CN" dirty="0" err="1" smtClean="0"/>
+                <a:t>volune</a:t>
+              </a:r>
+              <a:r>
+                <a:rPr lang="en-US" altLang="zh-CN" dirty="0" smtClean="0"/>
+                <a:t> plugin</a:t>
+              </a:r>
+              <a:endParaRPr lang="zh-CN" altLang="en-US" dirty="0"/>
+            </a:p>
+          </p:txBody>
+        </p:sp>
+        <p:sp>
+          <p:nvSpPr>
+            <p:cNvPr id="5" name="文本框 4"/>
+            <p:cNvSpPr txBox="1"/>
+            <p:nvPr/>
+          </p:nvSpPr>
+          <p:spPr>
+            <a:xfrm>
+              <a:off x="819039" y="596828"/>
+              <a:ext cx="3357562" cy="369332"/>
+            </a:xfrm>
+            <a:prstGeom prst="rect">
+              <a:avLst/>
+            </a:prstGeom>
+            <a:noFill/>
+          </p:spPr>
+          <p:txBody>
+            <a:bodyPr wrap="square" rtlCol="0">
+              <a:spAutoFit/>
+            </a:bodyPr>
+            <a:lstStyle>
+              <a:defPPr>
+                <a:defRPr lang="en-US"/>
+              </a:defPPr>
+              <a:lvl1pPr algn="ctr">
+                <a:defRPr>
+                  <a:solidFill>
+                    <a:schemeClr val="bg1">
+                      <a:lumMod val="50000"/>
+                    </a:schemeClr>
+                  </a:solidFill>
+                </a:defRPr>
+              </a:lvl1pPr>
+            </a:lstStyle>
+            <a:p>
+              <a:pPr algn="l"/>
+              <a:r>
+                <a:rPr lang="en-US" altLang="zh-CN" b="1" dirty="0" smtClean="0"/>
+                <a:t>Docker plugin</a:t>
+              </a:r>
+              <a:r>
+                <a:rPr lang="zh-CN" altLang="en-US" b="1" dirty="0" smtClean="0"/>
+                <a:t>实现原理</a:t>
+              </a:r>
+              <a:endParaRPr lang="zh-CN" altLang="en-US" b="1" dirty="0"/>
+            </a:p>
+          </p:txBody>
+        </p:sp>
+        <p:sp>
+          <p:nvSpPr>
+            <p:cNvPr id="6" name="矩形 5"/>
+            <p:cNvSpPr/>
+            <p:nvPr/>
+          </p:nvSpPr>
+          <p:spPr>
+            <a:xfrm>
+              <a:off x="3917154" y="689735"/>
+              <a:ext cx="8280000" cy="36000"/>
+            </a:xfrm>
+            <a:prstGeom prst="rect">
+              <a:avLst/>
+            </a:prstGeom>
+            <a:gradFill flip="none" rotWithShape="1">
+              <a:gsLst>
+                <a:gs pos="25000">
+                  <a:srgbClr val="EDAC5D"/>
+                </a:gs>
+                <a:gs pos="0">
+                  <a:schemeClr val="accent3"/>
+                </a:gs>
+                <a:gs pos="25000">
+                  <a:schemeClr val="accent2"/>
+                </a:gs>
+                <a:gs pos="50000">
+                  <a:schemeClr val="accent2"/>
+                </a:gs>
+                <a:gs pos="100000">
+                  <a:schemeClr val="accent4"/>
+                </a:gs>
+                <a:gs pos="75000">
+                  <a:schemeClr val="accent4"/>
+                </a:gs>
+                <a:gs pos="74000">
+                  <a:schemeClr val="accent1"/>
+                </a:gs>
+                <a:gs pos="50000">
+                  <a:schemeClr val="accent1"/>
+                </a:gs>
+              </a:gsLst>
+              <a:lin ang="0" scaled="1"/>
+              <a:tileRect/>
+            </a:gradFill>
+            <a:ln>
+              <a:noFill/>
+            </a:ln>
+          </p:spPr>
+          <p:style>
+            <a:lnRef idx="2">
+              <a:schemeClr val="accent1">
+                <a:shade val="50000"/>
+              </a:schemeClr>
+            </a:lnRef>
+            <a:fillRef idx="1">
+              <a:schemeClr val="accent1"/>
+            </a:fillRef>
+            <a:effectRef idx="0">
+              <a:schemeClr val="accent1"/>
+            </a:effectRef>
+            <a:fontRef idx="minor">
+              <a:schemeClr val="lt1"/>
+            </a:fontRef>
+          </p:style>
+          <p:txBody>
+            <a:bodyPr rtlCol="0" anchor="ctr"/>
+            <a:lstStyle/>
+            <a:p>
+              <a:pPr algn="ctr"/>
+              <a:endParaRPr lang="zh-CN" altLang="en-US"/>
+            </a:p>
+          </p:txBody>
+        </p:sp>
+      </p:grpSp>
+      <p:pic>
+        <p:nvPicPr>
+          <p:cNvPr id="11267" name="Picture 3"/>
+          <p:cNvPicPr>
+            <a:picLocks noChangeAspect="1" noChangeArrowheads="1"/>
+          </p:cNvPicPr>
+          <p:nvPr/>
+        </p:nvPicPr>
+        <p:blipFill>
+          <a:blip r:embed="rId3">
+            <a:extLst>
+              <a:ext uri="{28A0092B-C50C-407E-A947-70E740481C1C}">
+                <a14:useLocalDpi xmlns:a14="http://schemas.microsoft.com/office/drawing/2010/main" val="0"/>
+              </a:ext>
+            </a:extLst>
+          </a:blip>
+          <a:srcRect/>
+          <a:stretch>
+            <a:fillRect/>
+          </a:stretch>
+        </p:blipFill>
+        <p:spPr bwMode="auto">
+          <a:xfrm>
+            <a:off x="2019300" y="932634"/>
+            <a:ext cx="8153400" cy="5572125"/>
+          </a:xfrm>
+          <a:prstGeom prst="rect">
+            <a:avLst/>
+          </a:prstGeom>
+          <a:noFill/>
+          <a:ln>
+            <a:noFill/>
+          </a:ln>
+          <a:extLst>
+            <a:ext uri="{909E8E84-426E-40DD-AFC4-6F175D3DCCD1}">
+              <a14:hiddenFill xmlns:a14="http://schemas.microsoft.com/office/drawing/2010/main">
+                <a:solidFill>
+                  <a:schemeClr val="accent1"/>
+                </a:solidFill>
+              </a14:hiddenFill>
+            </a:ext>
+            <a:ext uri="{91240B29-F687-4F45-9708-019B960494DF}">
+              <a14:hiddenLine xmlns:a14="http://schemas.microsoft.com/office/drawing/2010/main" w="9525">
+                <a:solidFill>
+                  <a:schemeClr val="tx1"/>
+                </a:solidFill>
+                <a:miter lim="800000"/>
+                <a:headEnd/>
+                <a:tailEnd/>
+              </a14:hiddenLine>
+            </a:ext>
+          </a:extLst>
+        </p:spPr>
+      </p:pic>
+      <p:sp>
+        <p:nvSpPr>
+          <p:cNvPr id="12" name="TextBox 11"/>
+          <p:cNvSpPr txBox="1"/>
+          <p:nvPr/>
+        </p:nvSpPr>
+        <p:spPr>
+          <a:xfrm>
+            <a:off x="8754701" y="6045917"/>
+            <a:ext cx="1846907" cy="369332"/>
+          </a:xfrm>
+          <a:prstGeom prst="rect">
+            <a:avLst/>
+          </a:prstGeom>
+          <a:noFill/>
+        </p:spPr>
+        <p:txBody>
+          <a:bodyPr wrap="square" rtlCol="0">
+            <a:spAutoFit/>
+          </a:bodyPr>
+          <a:lstStyle/>
+          <a:p>
+            <a:r>
+              <a:rPr lang="en-US" altLang="zh-CN" b="1" dirty="0" smtClean="0">
+                <a:solidFill>
+                  <a:schemeClr val="bg2"/>
+                </a:solidFill>
+              </a:rPr>
+              <a:t>Plugin</a:t>
+            </a:r>
+            <a:r>
+              <a:rPr lang="zh-CN" altLang="en-US" b="1" dirty="0" smtClean="0">
+                <a:solidFill>
+                  <a:schemeClr val="bg2"/>
+                </a:solidFill>
+              </a:rPr>
+              <a:t>发现过程</a:t>
+            </a:r>
+            <a:endParaRPr lang="zh-CN" altLang="en-US" b="1" dirty="0">
+              <a:solidFill>
+                <a:schemeClr val="bg2"/>
+              </a:solidFill>
+            </a:endParaRPr>
+          </a:p>
+        </p:txBody>
+      </p:sp>
+      <p:sp>
+        <p:nvSpPr>
+          <p:cNvPr id="13" name="左箭头 12"/>
+          <p:cNvSpPr/>
+          <p:nvPr/>
+        </p:nvSpPr>
+        <p:spPr>
+          <a:xfrm>
+            <a:off x="8365402" y="6156356"/>
+            <a:ext cx="389299" cy="184666"/>
+          </a:xfrm>
+          <a:prstGeom prst="leftArrow">
+            <a:avLst/>
+          </a:prstGeom>
+          <a:noFill/>
+          <a:ln>
+            <a:solidFill>
+              <a:schemeClr val="bg2"/>
+            </a:solidFill>
+          </a:ln>
+        </p:spPr>
+        <p:style>
+          <a:lnRef idx="2">
+            <a:schemeClr val="accent1">
+              <a:shade val="50000"/>
+            </a:schemeClr>
+          </a:lnRef>
+          <a:fillRef idx="1">
+            <a:schemeClr val="accent1"/>
+          </a:fillRef>
+          <a:effectRef idx="0">
+            <a:schemeClr val="accent1"/>
+          </a:effectRef>
+          <a:fontRef idx="minor">
+            <a:schemeClr val="lt1"/>
+          </a:fontRef>
+        </p:style>
+        <p:txBody>
+          <a:bodyPr rtlCol="0" anchor="ctr"/>
+          <a:lstStyle/>
+          <a:p>
+            <a:pPr algn="ctr"/>
+            <a:endParaRPr lang="zh-CN" altLang="en-US"/>
+          </a:p>
+        </p:txBody>
+      </p:sp>
+    </p:spTree>
+    <p:extLst>
+      <p:ext uri="{BB962C8B-B14F-4D97-AF65-F5344CB8AC3E}">
+        <p14:creationId xmlns:p14="http://schemas.microsoft.com/office/powerpoint/2010/main" val="3485377860"/>
+      </p:ext>
+    </p:extLst>
+  </p:cSld>
+  <p:clrMapOvr>
+    <a:masterClrMapping/>
+  </p:clrMapOvr>
+  <p:transition spd="med">
+    <p:push dir="u"/>
+  </p:transition>
+  <p:timing>
+    <p:tnLst>
+      <p:par>
+        <p:cTn id="1" dur="indefinite" restart="never" nodeType="tmRoot"/>
+      </p:par>
+    </p:tnLst>
+  </p:timing>
+</p:sld>
+</file>
+
+<file path=ppt/slides/slide19.xml><?xml version="1.0" encoding="utf-8"?>
+<p:sld xmlns:a="http://schemas.openxmlformats.org/drawingml/2006/main" xmlns:r="http://schemas.openxmlformats.org/officeDocument/2006/relationships" xmlns:p="http://schemas.openxmlformats.org/presentationml/2006/main">
+  <p:cSld>
+    <p:spTree>
+      <p:nvGrpSpPr>
+        <p:cNvPr id="1" name=""/>
+        <p:cNvGrpSpPr/>
+        <p:nvPr/>
+      </p:nvGrpSpPr>
+      <p:grpSpPr>
+        <a:xfrm>
+          <a:off x="0" y="0"/>
+          <a:ext cx="0" cy="0"/>
+          <a:chOff x="0" y="0"/>
+          <a:chExt cx="0" cy="0"/>
+        </a:xfrm>
+      </p:grpSpPr>
+      <p:grpSp>
+        <p:nvGrpSpPr>
+          <p:cNvPr id="2" name="组合 1"/>
+          <p:cNvGrpSpPr/>
+          <p:nvPr/>
+        </p:nvGrpSpPr>
+        <p:grpSpPr>
+          <a:xfrm>
             <a:off x="0" y="378662"/>
-            <a:ext cx="12197154" cy="732346"/>
+            <a:ext cx="13429110" cy="732346"/>
             <a:chOff x="0" y="378662"/>
-            <a:chExt cx="12197154" cy="732346"/>
+            <a:chExt cx="13429110" cy="732346"/>
           </a:xfrm>
         </p:grpSpPr>
         <p:grpSp>
@@ -13449,11 +15326,7 @@
               </a:r>
               <a:r>
                 <a:rPr lang="en-US" altLang="zh-CN" dirty="0" smtClean="0"/>
-                <a:t> </a:t>
-              </a:r>
-              <a:r>
-                <a:rPr lang="en-US" altLang="zh-CN" dirty="0" smtClean="0"/>
-                <a:t>plugin</a:t>
+                <a:t> plugin</a:t>
               </a:r>
               <a:endParaRPr lang="zh-CN" altLang="en-US" dirty="0"/>
             </a:p>
@@ -13495,15 +15368,7 @@
             </a:lstStyle>
             <a:p>
               <a:pPr algn="l"/>
-              <a:r>
-                <a:rPr lang="en-US" altLang="zh-CN" dirty="0" smtClean="0"/>
-                <a:t>Docker plugin</a:t>
-              </a:r>
-              <a:r>
-                <a:rPr lang="zh-CN" altLang="en-US" dirty="0" smtClean="0"/>
-                <a:t>实现原理</a:t>
-              </a:r>
-              <a:endParaRPr lang="zh-CN" altLang="en-US" dirty="0"/>
+              <a:endParaRPr lang="zh-CN" altLang="en-US" b="1" dirty="0"/>
             </a:p>
           </p:txBody>
         </p:sp>
@@ -13515,7 +15380,7 @@
           </p:nvSpPr>
           <p:spPr>
             <a:xfrm>
-              <a:off x="3917154" y="907007"/>
+              <a:off x="5149110" y="907007"/>
               <a:ext cx="8280000" cy="36000"/>
             </a:xfrm>
             <a:prstGeom prst="rect">
@@ -13581,16 +15446,73 @@
           </p:txBody>
         </p:sp>
       </p:grpSp>
+      <p:graphicFrame>
+        <p:nvGraphicFramePr>
+          <p:cNvPr id="13" name="对象 12"/>
+          <p:cNvGraphicFramePr>
+            <a:graphicFrameLocks noChangeAspect="1"/>
+          </p:cNvGraphicFramePr>
+          <p:nvPr>
+            <p:extLst>
+              <p:ext uri="{D42A27DB-BD31-4B8C-83A1-F6EECF244321}">
+                <p14:modId xmlns:p14="http://schemas.microsoft.com/office/powerpoint/2010/main" val="3016719937"/>
+              </p:ext>
+            </p:extLst>
+          </p:nvPr>
+        </p:nvGraphicFramePr>
+        <p:xfrm>
+          <a:off x="992188" y="1673225"/>
+          <a:ext cx="9653587" cy="5478463"/>
+        </p:xfrm>
+        <a:graphic>
+          <a:graphicData uri="http://schemas.openxmlformats.org/presentationml/2006/ole">
+            <mc:AlternateContent xmlns:mc="http://schemas.openxmlformats.org/markup-compatibility/2006">
+              <mc:Choice xmlns:v="urn:schemas-microsoft-com:vml" Requires="v">
+                <p:oleObj spid="_x0000_s12300" name="文档" r:id="rId5" imgW="7226348" imgH="4106991" progId="Word.Document.12">
+                  <p:embed/>
+                </p:oleObj>
+              </mc:Choice>
+              <mc:Fallback>
+                <p:oleObj name="文档" r:id="rId5" imgW="7226348" imgH="4106991" progId="Word.Document.12">
+                  <p:embed/>
+                  <p:pic>
+                    <p:nvPicPr>
+                      <p:cNvPr id="0" name=""/>
+                      <p:cNvPicPr/>
+                      <p:nvPr/>
+                    </p:nvPicPr>
+                    <p:blipFill>
+                      <a:blip r:embed="rId6"/>
+                      <a:stretch>
+                        <a:fillRect/>
+                      </a:stretch>
+                    </p:blipFill>
+                    <p:spPr>
+                      <a:xfrm>
+                        <a:off x="992188" y="1673225"/>
+                        <a:ext cx="9653587" cy="5478463"/>
+                      </a:xfrm>
+                      <a:prstGeom prst="rect">
+                        <a:avLst/>
+                      </a:prstGeom>
+                    </p:spPr>
+                  </p:pic>
+                </p:oleObj>
+              </mc:Fallback>
+            </mc:AlternateContent>
+          </a:graphicData>
+        </a:graphic>
+      </p:graphicFrame>
       <p:sp>
         <p:nvSpPr>
-          <p:cNvPr id="12" name="TextBox 11"/>
+          <p:cNvPr id="14" name="TextBox 13"/>
           <p:cNvSpPr txBox="1"/>
           <p:nvPr/>
         </p:nvSpPr>
         <p:spPr>
           <a:xfrm>
-            <a:off x="795224" y="1312752"/>
-            <a:ext cx="8374455" cy="4524315"/>
+            <a:off x="968722" y="1176952"/>
+            <a:ext cx="9687208" cy="400110"/>
           </a:xfrm>
           <a:prstGeom prst="rect">
             <a:avLst/>
@@ -13604,111 +15526,15 @@
           <a:lstStyle/>
           <a:p>
             <a:r>
-              <a:rPr lang="en-US" altLang="zh-CN" dirty="0" err="1" smtClean="0">
-                <a:solidFill>
-                  <a:schemeClr val="bg2"/>
-                </a:solidFill>
-              </a:rPr>
-              <a:t>Plugin.Activate</a:t>
-            </a:r>
-            <a:r>
-              <a:rPr lang="en-US" altLang="zh-CN" dirty="0" smtClean="0">
-                <a:solidFill>
-                  <a:schemeClr val="bg2"/>
-                </a:solidFill>
-              </a:rPr>
-              <a:t> </a:t>
-            </a:r>
-            <a:r>
-              <a:rPr lang="en-US" altLang="zh-CN" dirty="0">
-                <a:solidFill>
-                  <a:schemeClr val="bg2"/>
-                </a:solidFill>
-              </a:rPr>
-              <a:t>: </a:t>
-            </a:r>
-            <a:r>
-              <a:rPr lang="zh-CN" altLang="en-US" dirty="0">
-                <a:solidFill>
-                  <a:schemeClr val="bg2"/>
-                </a:solidFill>
-              </a:rPr>
-              <a:t>发送一个请求到</a:t>
-            </a:r>
-            <a:r>
-              <a:rPr lang="en-US" altLang="zh-CN" dirty="0">
-                <a:solidFill>
-                  <a:schemeClr val="bg2"/>
-                </a:solidFill>
-              </a:rPr>
-              <a:t>Plugin</a:t>
-            </a:r>
-            <a:r>
-              <a:rPr lang="zh-CN" altLang="en-US" dirty="0">
-                <a:solidFill>
-                  <a:schemeClr val="bg2"/>
-                </a:solidFill>
-              </a:rPr>
-              <a:t>，</a:t>
-            </a:r>
-            <a:r>
-              <a:rPr lang="en-US" altLang="zh-CN" dirty="0">
-                <a:solidFill>
-                  <a:schemeClr val="bg2"/>
-                </a:solidFill>
-              </a:rPr>
-              <a:t>Plugin</a:t>
-            </a:r>
-            <a:r>
-              <a:rPr lang="zh-CN" altLang="en-US" dirty="0">
-                <a:solidFill>
-                  <a:schemeClr val="bg2"/>
-                </a:solidFill>
-              </a:rPr>
-              <a:t>返回其类型，如</a:t>
-            </a:r>
-            <a:r>
-              <a:rPr lang="en-US" altLang="zh-CN" dirty="0">
-                <a:solidFill>
-                  <a:schemeClr val="bg2"/>
-                </a:solidFill>
-              </a:rPr>
-              <a:t>convoy</a:t>
-            </a:r>
-            <a:r>
-              <a:rPr lang="zh-CN" altLang="en-US" dirty="0">
-                <a:solidFill>
-                  <a:schemeClr val="bg2"/>
-                </a:solidFill>
-              </a:rPr>
-              <a:t>就返回</a:t>
-            </a:r>
-            <a:r>
-              <a:rPr lang="en-US" altLang="zh-CN" dirty="0">
-                <a:solidFill>
-                  <a:schemeClr val="bg2"/>
-                </a:solidFill>
-              </a:rPr>
-              <a:t>Volume Driver</a:t>
-            </a:r>
-            <a:r>
-              <a:rPr lang="zh-CN" altLang="en-US" dirty="0">
-                <a:solidFill>
-                  <a:schemeClr val="bg2"/>
-                </a:solidFill>
-              </a:rPr>
-              <a:t>。相当于</a:t>
-            </a:r>
-            <a:r>
-              <a:rPr lang="en-US" altLang="zh-CN" dirty="0">
-                <a:solidFill>
-                  <a:schemeClr val="bg2"/>
-                </a:solidFill>
-              </a:rPr>
-              <a:t>Docker</a:t>
-            </a:r>
-            <a:r>
-              <a:rPr lang="zh-CN" altLang="en-US" dirty="0">
+              <a:rPr lang="en-US" altLang="zh-CN" sz="2000" dirty="0">
+                <a:solidFill>
+                  <a:schemeClr val="bg2"/>
+                </a:solidFill>
+              </a:rPr>
+              <a:t>Docker Daemon</a:t>
+            </a:r>
+            <a:r>
+              <a:rPr lang="zh-CN" altLang="zh-CN" sz="2000" dirty="0">
                 <a:solidFill>
                   <a:schemeClr val="bg2"/>
                 </a:solidFill>
@@ -13716,7 +15542,7 @@
               <a:t>和</a:t>
             </a:r>
             <a:r>
-              <a:rPr lang="en-US" altLang="zh-CN" dirty="0">
+              <a:rPr lang="en-US" altLang="zh-CN" sz="2000" dirty="0">
                 <a:solidFill>
                   <a:schemeClr val="bg2"/>
                 </a:solidFill>
@@ -13724,565 +15550,133 @@
               <a:t>Plugin Daemon</a:t>
             </a:r>
             <a:r>
-              <a:rPr lang="zh-CN" altLang="en-US" dirty="0">
-                <a:solidFill>
-                  <a:schemeClr val="bg2"/>
-                </a:solidFill>
-              </a:rPr>
-              <a:t>直接的连接建立的握手报文。 </a:t>
-            </a:r>
-            <a:r>
-              <a:rPr lang="en-US" altLang="zh-CN" dirty="0" err="1">
-                <a:solidFill>
-                  <a:schemeClr val="bg2"/>
-                </a:solidFill>
-              </a:rPr>
-              <a:t>VolumeDriver.Create</a:t>
-            </a:r>
-            <a:r>
-              <a:rPr lang="en-US" altLang="zh-CN" dirty="0">
-                <a:solidFill>
-                  <a:schemeClr val="bg2"/>
-                </a:solidFill>
-              </a:rPr>
-              <a:t> : </a:t>
-            </a:r>
-            <a:r>
-              <a:rPr lang="zh-CN" altLang="en-US" dirty="0">
-                <a:solidFill>
-                  <a:schemeClr val="bg2"/>
-                </a:solidFill>
-              </a:rPr>
-              <a:t>创建一个卷，</a:t>
-            </a:r>
-            <a:r>
-              <a:rPr lang="en-US" altLang="zh-CN" dirty="0">
-                <a:solidFill>
-                  <a:schemeClr val="bg2"/>
-                </a:solidFill>
-              </a:rPr>
-              <a:t>Docker</a:t>
-            </a:r>
-            <a:r>
-              <a:rPr lang="zh-CN" altLang="en-US" dirty="0">
-                <a:solidFill>
-                  <a:schemeClr val="bg2"/>
-                </a:solidFill>
-              </a:rPr>
-              <a:t>会发送卷名称和参数发送给插件，卷插件会根据</a:t>
-            </a:r>
-            <a:r>
-              <a:rPr lang="en-US" altLang="zh-CN" dirty="0">
-                <a:solidFill>
-                  <a:schemeClr val="bg2"/>
-                </a:solidFill>
-              </a:rPr>
-              <a:t>Docker</a:t>
-            </a:r>
-            <a:r>
-              <a:rPr lang="zh-CN" altLang="en-US" dirty="0">
-                <a:solidFill>
-                  <a:schemeClr val="bg2"/>
-                </a:solidFill>
-              </a:rPr>
-              <a:t>发送过来的参数创建一个卷，并和这个卷名称关联。 </a:t>
-            </a:r>
-            <a:r>
-              <a:rPr lang="en-US" altLang="zh-CN" dirty="0" err="1">
-                <a:solidFill>
-                  <a:schemeClr val="bg2"/>
-                </a:solidFill>
-              </a:rPr>
-              <a:t>VolumeDriver.Mount</a:t>
-            </a:r>
-            <a:r>
-              <a:rPr lang="en-US" altLang="zh-CN" dirty="0">
-                <a:solidFill>
-                  <a:schemeClr val="bg2"/>
-                </a:solidFill>
-              </a:rPr>
-              <a:t> : </a:t>
-            </a:r>
-            <a:r>
-              <a:rPr lang="zh-CN" altLang="en-US" dirty="0">
-                <a:solidFill>
-                  <a:schemeClr val="bg2"/>
-                </a:solidFill>
-              </a:rPr>
-              <a:t>挂载一个卷到本机，</a:t>
-            </a:r>
-            <a:r>
-              <a:rPr lang="en-US" altLang="zh-CN" dirty="0">
-                <a:solidFill>
-                  <a:schemeClr val="bg2"/>
-                </a:solidFill>
-              </a:rPr>
-              <a:t>Docker</a:t>
-            </a:r>
-            <a:r>
-              <a:rPr lang="zh-CN" altLang="en-US" dirty="0">
-                <a:solidFill>
-                  <a:schemeClr val="bg2"/>
-                </a:solidFill>
-              </a:rPr>
-              <a:t>会把卷名称和参数发送给参数。插件会返回一个本地路径给</a:t>
-            </a:r>
-            <a:r>
-              <a:rPr lang="en-US" altLang="zh-CN" dirty="0">
-                <a:solidFill>
-                  <a:schemeClr val="bg2"/>
-                </a:solidFill>
-              </a:rPr>
-              <a:t>Docker</a:t>
-            </a:r>
-            <a:r>
-              <a:rPr lang="zh-CN" altLang="en-US" dirty="0">
-                <a:solidFill>
-                  <a:schemeClr val="bg2"/>
-                </a:solidFill>
-              </a:rPr>
-              <a:t>，这个路径就是卷所在的位置。</a:t>
-            </a:r>
-            <a:r>
-              <a:rPr lang="en-US" altLang="zh-CN" dirty="0">
-                <a:solidFill>
-                  <a:schemeClr val="bg2"/>
-                </a:solidFill>
-              </a:rPr>
-              <a:t>Docker</a:t>
-            </a:r>
-            <a:r>
-              <a:rPr lang="zh-CN" altLang="en-US" dirty="0">
-                <a:solidFill>
-                  <a:schemeClr val="bg2"/>
-                </a:solidFill>
-              </a:rPr>
-              <a:t>在创建容器的时候，会将这个路径挂载到容器中。 </a:t>
-            </a:r>
-            <a:endParaRPr lang="en-US" altLang="zh-CN" dirty="0" smtClean="0">
+              <a:rPr lang="zh-CN" altLang="zh-CN" sz="2000" dirty="0">
+                <a:solidFill>
+                  <a:schemeClr val="bg2"/>
+                </a:solidFill>
+              </a:rPr>
+              <a:t>基于</a:t>
+            </a:r>
+            <a:r>
+              <a:rPr lang="en-US" altLang="zh-CN" sz="2000" dirty="0">
+                <a:solidFill>
+                  <a:schemeClr val="bg2"/>
+                </a:solidFill>
+              </a:rPr>
+              <a:t>Unix</a:t>
+            </a:r>
+            <a:r>
+              <a:rPr lang="zh-CN" altLang="zh-CN" sz="2000" dirty="0">
+                <a:solidFill>
+                  <a:schemeClr val="bg2"/>
+                </a:solidFill>
+              </a:rPr>
+              <a:t>域套接字，使用</a:t>
+            </a:r>
+            <a:r>
+              <a:rPr lang="en-US" altLang="zh-CN" sz="2000" dirty="0">
+                <a:solidFill>
+                  <a:schemeClr val="bg2"/>
+                </a:solidFill>
+              </a:rPr>
+              <a:t>Restful API</a:t>
+            </a:r>
+            <a:r>
+              <a:rPr lang="zh-CN" altLang="zh-CN" sz="2000" dirty="0">
+                <a:solidFill>
+                  <a:schemeClr val="bg2"/>
+                </a:solidFill>
+              </a:rPr>
+              <a:t>进行</a:t>
+            </a:r>
+            <a:r>
+              <a:rPr lang="zh-CN" altLang="zh-CN" sz="2000" dirty="0" smtClean="0">
+                <a:solidFill>
+                  <a:schemeClr val="bg2"/>
+                </a:solidFill>
+              </a:rPr>
+              <a:t>通信</a:t>
+            </a:r>
+            <a:endParaRPr lang="zh-CN" altLang="en-US" dirty="0"/>
+          </a:p>
+        </p:txBody>
+      </p:sp>
+      <p:sp>
+        <p:nvSpPr>
+          <p:cNvPr id="16" name="矩形 15"/>
+          <p:cNvSpPr/>
+          <p:nvPr/>
+        </p:nvSpPr>
+        <p:spPr>
+          <a:xfrm>
+            <a:off x="756029" y="703773"/>
+            <a:ext cx="5213229" cy="369332"/>
+          </a:xfrm>
+          <a:prstGeom prst="rect">
+            <a:avLst/>
+          </a:prstGeom>
+        </p:spPr>
+        <p:txBody>
+          <a:bodyPr wrap="square">
+            <a:spAutoFit/>
+          </a:bodyPr>
+          <a:lstStyle/>
+          <a:p>
+            <a:r>
+              <a:rPr lang="en-US" altLang="zh-CN" b="1" dirty="0">
+                <a:solidFill>
+                  <a:schemeClr val="bg1">
+                    <a:lumMod val="50000"/>
+                  </a:schemeClr>
+                </a:solidFill>
+              </a:rPr>
+              <a:t>Docker Daemon</a:t>
+            </a:r>
+            <a:r>
+              <a:rPr lang="zh-CN" altLang="zh-CN" b="1" dirty="0">
+                <a:solidFill>
+                  <a:schemeClr val="bg1">
+                    <a:lumMod val="50000"/>
+                  </a:schemeClr>
+                </a:solidFill>
+              </a:rPr>
+              <a:t>与</a:t>
+            </a:r>
+            <a:r>
+              <a:rPr lang="en-US" altLang="zh-CN" b="1" dirty="0">
+                <a:solidFill>
+                  <a:schemeClr val="bg1">
+                    <a:lumMod val="50000"/>
+                  </a:schemeClr>
+                </a:solidFill>
+              </a:rPr>
+              <a:t>Plugin Daemon</a:t>
+            </a:r>
+            <a:r>
+              <a:rPr lang="zh-CN" altLang="zh-CN" b="1" dirty="0">
+                <a:solidFill>
+                  <a:schemeClr val="bg1">
+                    <a:lumMod val="50000"/>
+                  </a:schemeClr>
+                </a:solidFill>
+              </a:rPr>
+              <a:t>通信的</a:t>
+            </a:r>
+            <a:r>
+              <a:rPr lang="en-US" altLang="zh-CN" b="1" dirty="0">
+                <a:solidFill>
+                  <a:schemeClr val="bg1">
+                    <a:lumMod val="50000"/>
+                  </a:schemeClr>
+                </a:solidFill>
+              </a:rPr>
+              <a:t>API</a:t>
+            </a:r>
+            <a:endParaRPr lang="zh-CN" altLang="en-US" b="1" dirty="0">
               <a:solidFill>
-                <a:schemeClr val="bg2"/>
-              </a:solidFill>
-            </a:endParaRPr>
-          </a:p>
-          <a:p>
-            <a:r>
-              <a:rPr lang="en-US" altLang="zh-CN" dirty="0" err="1" smtClean="0">
-                <a:solidFill>
-                  <a:schemeClr val="bg2"/>
-                </a:solidFill>
-              </a:rPr>
-              <a:t>VolumeDriver.Path</a:t>
-            </a:r>
-            <a:r>
-              <a:rPr lang="en-US" altLang="zh-CN" dirty="0" smtClean="0">
-                <a:solidFill>
-                  <a:schemeClr val="bg2"/>
-                </a:solidFill>
-              </a:rPr>
-              <a:t> </a:t>
-            </a:r>
-            <a:r>
-              <a:rPr lang="en-US" altLang="zh-CN" dirty="0">
-                <a:solidFill>
-                  <a:schemeClr val="bg2"/>
-                </a:solidFill>
-              </a:rPr>
-              <a:t>: </a:t>
-            </a:r>
-            <a:r>
-              <a:rPr lang="zh-CN" altLang="en-US" dirty="0">
-                <a:solidFill>
-                  <a:schemeClr val="bg2"/>
-                </a:solidFill>
-              </a:rPr>
-              <a:t>一个卷创建成功后，</a:t>
-            </a:r>
-            <a:r>
-              <a:rPr lang="en-US" altLang="zh-CN" dirty="0">
-                <a:solidFill>
-                  <a:schemeClr val="bg2"/>
-                </a:solidFill>
-              </a:rPr>
-              <a:t>Docker</a:t>
-            </a:r>
-            <a:r>
-              <a:rPr lang="zh-CN" altLang="en-US" dirty="0">
-                <a:solidFill>
-                  <a:schemeClr val="bg2"/>
-                </a:solidFill>
-              </a:rPr>
-              <a:t>会调用</a:t>
-            </a:r>
-            <a:r>
-              <a:rPr lang="en-US" altLang="zh-CN" dirty="0">
-                <a:solidFill>
-                  <a:schemeClr val="bg2"/>
-                </a:solidFill>
-              </a:rPr>
-              <a:t>Path API</a:t>
-            </a:r>
-            <a:r>
-              <a:rPr lang="zh-CN" altLang="en-US" dirty="0">
-                <a:solidFill>
-                  <a:schemeClr val="bg2"/>
-                </a:solidFill>
-              </a:rPr>
-              <a:t>来获取这个卷的路径，随后</a:t>
-            </a:r>
-            <a:r>
-              <a:rPr lang="en-US" altLang="zh-CN" dirty="0">
-                <a:solidFill>
-                  <a:schemeClr val="bg2"/>
-                </a:solidFill>
-              </a:rPr>
-              <a:t>Docker</a:t>
-            </a:r>
-            <a:r>
-              <a:rPr lang="zh-CN" altLang="en-US" dirty="0">
-                <a:solidFill>
-                  <a:schemeClr val="bg2"/>
-                </a:solidFill>
-              </a:rPr>
-              <a:t>通过调用</a:t>
-            </a:r>
-            <a:r>
-              <a:rPr lang="en-US" altLang="zh-CN" dirty="0">
-                <a:solidFill>
-                  <a:schemeClr val="bg2"/>
-                </a:solidFill>
-              </a:rPr>
-              <a:t>Mount API</a:t>
-            </a:r>
-            <a:r>
-              <a:rPr lang="zh-CN" altLang="en-US" dirty="0">
-                <a:solidFill>
-                  <a:schemeClr val="bg2"/>
-                </a:solidFill>
-              </a:rPr>
-              <a:t>，让插件将这个卷挂载到本机。 </a:t>
-            </a:r>
-            <a:r>
-              <a:rPr lang="en-US" altLang="zh-CN" dirty="0" err="1">
-                <a:solidFill>
-                  <a:schemeClr val="bg2"/>
-                </a:solidFill>
-              </a:rPr>
-              <a:t>VolumeDriver.Unmount</a:t>
-            </a:r>
-            <a:r>
-              <a:rPr lang="en-US" altLang="zh-CN" dirty="0">
-                <a:solidFill>
-                  <a:schemeClr val="bg2"/>
-                </a:solidFill>
-              </a:rPr>
-              <a:t> : </a:t>
-            </a:r>
-            <a:r>
-              <a:rPr lang="zh-CN" altLang="en-US" dirty="0">
-                <a:solidFill>
-                  <a:schemeClr val="bg2"/>
-                </a:solidFill>
-              </a:rPr>
-              <a:t>当容器退出时，</a:t>
-            </a:r>
-            <a:r>
-              <a:rPr lang="en-US" altLang="zh-CN" dirty="0">
-                <a:solidFill>
-                  <a:schemeClr val="bg2"/>
-                </a:solidFill>
-              </a:rPr>
-              <a:t>Docker daemon</a:t>
-            </a:r>
-            <a:r>
-              <a:rPr lang="zh-CN" altLang="en-US" dirty="0">
-                <a:solidFill>
-                  <a:schemeClr val="bg2"/>
-                </a:solidFill>
-              </a:rPr>
-              <a:t>会发送</a:t>
-            </a:r>
-            <a:r>
-              <a:rPr lang="en-US" altLang="zh-CN" dirty="0" err="1">
-                <a:solidFill>
-                  <a:schemeClr val="bg2"/>
-                </a:solidFill>
-              </a:rPr>
-              <a:t>Umount</a:t>
-            </a:r>
-            <a:r>
-              <a:rPr lang="en-US" altLang="zh-CN" dirty="0">
-                <a:solidFill>
-                  <a:schemeClr val="bg2"/>
-                </a:solidFill>
-              </a:rPr>
-              <a:t> API</a:t>
-            </a:r>
-            <a:r>
-              <a:rPr lang="zh-CN" altLang="en-US" dirty="0">
-                <a:solidFill>
-                  <a:schemeClr val="bg2"/>
-                </a:solidFill>
-              </a:rPr>
-              <a:t>给插件，通知插件这个卷不再被使用，插件可以对该卷做些清理工作（比如引用计数减一，不同的插件行为不同）。 </a:t>
-            </a:r>
-            <a:endParaRPr lang="en-US" altLang="zh-CN" dirty="0" smtClean="0">
-              <a:solidFill>
-                <a:schemeClr val="bg2"/>
-              </a:solidFill>
-            </a:endParaRPr>
-          </a:p>
-          <a:p>
-            <a:r>
-              <a:rPr lang="en-US" altLang="zh-CN" dirty="0" err="1" smtClean="0">
-                <a:solidFill>
-                  <a:schemeClr val="bg2"/>
-                </a:solidFill>
-              </a:rPr>
-              <a:t>VolumeDriver.Remove</a:t>
-            </a:r>
-            <a:r>
-              <a:rPr lang="en-US" altLang="zh-CN" dirty="0" smtClean="0">
-                <a:solidFill>
-                  <a:schemeClr val="bg2"/>
-                </a:solidFill>
-              </a:rPr>
-              <a:t> </a:t>
-            </a:r>
-            <a:r>
-              <a:rPr lang="en-US" altLang="zh-CN" dirty="0">
-                <a:solidFill>
-                  <a:schemeClr val="bg2"/>
-                </a:solidFill>
-              </a:rPr>
-              <a:t>: </a:t>
-            </a:r>
-            <a:r>
-              <a:rPr lang="zh-CN" altLang="en-US" dirty="0">
-                <a:solidFill>
-                  <a:schemeClr val="bg2"/>
-                </a:solidFill>
-              </a:rPr>
-              <a:t>删掉特定的卷时调用，当运行</a:t>
-            </a:r>
-            <a:r>
-              <a:rPr lang="en-US" altLang="zh-CN" dirty="0">
-                <a:solidFill>
-                  <a:schemeClr val="bg2"/>
-                </a:solidFill>
-              </a:rPr>
-              <a:t>"</a:t>
-            </a:r>
-            <a:r>
-              <a:rPr lang="en-US" altLang="zh-CN" dirty="0" err="1">
-                <a:solidFill>
-                  <a:schemeClr val="bg2"/>
-                </a:solidFill>
-              </a:rPr>
-              <a:t>docker</a:t>
-            </a:r>
-            <a:r>
-              <a:rPr lang="en-US" altLang="zh-CN" dirty="0">
-                <a:solidFill>
-                  <a:schemeClr val="bg2"/>
-                </a:solidFill>
-              </a:rPr>
-              <a:t> </a:t>
-            </a:r>
-            <a:r>
-              <a:rPr lang="en-US" altLang="zh-CN" dirty="0" err="1">
-                <a:solidFill>
-                  <a:schemeClr val="bg2"/>
-                </a:solidFill>
-              </a:rPr>
-              <a:t>rm</a:t>
-            </a:r>
-            <a:r>
-              <a:rPr lang="en-US" altLang="zh-CN" dirty="0">
-                <a:solidFill>
-                  <a:schemeClr val="bg2"/>
-                </a:solidFill>
-              </a:rPr>
-              <a:t> -v"</a:t>
-            </a:r>
-            <a:r>
-              <a:rPr lang="zh-CN" altLang="en-US" dirty="0">
-                <a:solidFill>
-                  <a:schemeClr val="bg2"/>
-                </a:solidFill>
-              </a:rPr>
-              <a:t>命令时，</a:t>
-            </a:r>
-            <a:r>
-              <a:rPr lang="en-US" altLang="zh-CN" dirty="0">
-                <a:solidFill>
-                  <a:schemeClr val="bg2"/>
-                </a:solidFill>
-              </a:rPr>
-              <a:t>Docker</a:t>
-            </a:r>
-            <a:r>
-              <a:rPr lang="zh-CN" altLang="en-US" dirty="0">
-                <a:solidFill>
-                  <a:schemeClr val="bg2"/>
-                </a:solidFill>
-              </a:rPr>
-              <a:t>会调用该</a:t>
-            </a:r>
-            <a:r>
-              <a:rPr lang="en-US" altLang="zh-CN" dirty="0">
-                <a:solidFill>
-                  <a:schemeClr val="bg2"/>
-                </a:solidFill>
-              </a:rPr>
-              <a:t>API</a:t>
-            </a:r>
-            <a:r>
-              <a:rPr lang="zh-CN" altLang="en-US" dirty="0">
-                <a:solidFill>
-                  <a:schemeClr val="bg2"/>
-                </a:solidFill>
-              </a:rPr>
-              <a:t>发送请求给插件。 </a:t>
-            </a:r>
-            <a:endParaRPr lang="en-US" altLang="zh-CN" dirty="0" smtClean="0">
-              <a:solidFill>
-                <a:schemeClr val="bg2"/>
-              </a:solidFill>
-            </a:endParaRPr>
-          </a:p>
-          <a:p>
-            <a:r>
-              <a:rPr lang="en-US" altLang="zh-CN" dirty="0" err="1" smtClean="0">
-                <a:solidFill>
-                  <a:schemeClr val="bg2"/>
-                </a:solidFill>
-              </a:rPr>
-              <a:t>VolumeDriver.List</a:t>
-            </a:r>
-            <a:r>
-              <a:rPr lang="en-US" altLang="zh-CN" dirty="0" smtClean="0">
-                <a:solidFill>
-                  <a:schemeClr val="bg2"/>
-                </a:solidFill>
-              </a:rPr>
-              <a:t> </a:t>
-            </a:r>
-            <a:r>
-              <a:rPr lang="en-US" altLang="zh-CN" dirty="0">
-                <a:solidFill>
-                  <a:schemeClr val="bg2"/>
-                </a:solidFill>
-              </a:rPr>
-              <a:t>: </a:t>
-            </a:r>
-            <a:r>
-              <a:rPr lang="zh-CN" altLang="en-US" dirty="0">
-                <a:solidFill>
-                  <a:schemeClr val="bg2"/>
-                </a:solidFill>
-              </a:rPr>
-              <a:t>执行</a:t>
-            </a:r>
-            <a:r>
-              <a:rPr lang="en-US" altLang="zh-CN" dirty="0" err="1">
-                <a:solidFill>
-                  <a:schemeClr val="bg2"/>
-                </a:solidFill>
-              </a:rPr>
-              <a:t>docker</a:t>
-            </a:r>
-            <a:r>
-              <a:rPr lang="en-US" altLang="zh-CN" dirty="0">
-                <a:solidFill>
-                  <a:schemeClr val="bg2"/>
-                </a:solidFill>
-              </a:rPr>
-              <a:t> volume ls</a:t>
-            </a:r>
-            <a:r>
-              <a:rPr lang="zh-CN" altLang="en-US" dirty="0">
-                <a:solidFill>
-                  <a:schemeClr val="bg2"/>
-                </a:solidFill>
-              </a:rPr>
-              <a:t>命令时，会向</a:t>
-            </a:r>
-            <a:r>
-              <a:rPr lang="en-US" altLang="zh-CN" dirty="0">
-                <a:solidFill>
-                  <a:schemeClr val="bg2"/>
-                </a:solidFill>
-              </a:rPr>
-              <a:t>plugin</a:t>
-            </a:r>
-            <a:r>
-              <a:rPr lang="zh-CN" altLang="en-US" dirty="0">
-                <a:solidFill>
-                  <a:schemeClr val="bg2"/>
-                </a:solidFill>
-              </a:rPr>
-              <a:t>发送该请求，获取</a:t>
-            </a:r>
-            <a:r>
-              <a:rPr lang="en-US" altLang="zh-CN" dirty="0">
-                <a:solidFill>
-                  <a:schemeClr val="bg2"/>
-                </a:solidFill>
-              </a:rPr>
-              <a:t>volume list</a:t>
-            </a:r>
-            <a:r>
-              <a:rPr lang="zh-CN" altLang="en-US" dirty="0">
-                <a:solidFill>
-                  <a:schemeClr val="bg2"/>
-                </a:solidFill>
-              </a:rPr>
-              <a:t>。 </a:t>
-            </a:r>
-            <a:r>
-              <a:rPr lang="en-US" altLang="zh-CN" dirty="0" err="1">
-                <a:solidFill>
-                  <a:schemeClr val="bg2"/>
-                </a:solidFill>
-              </a:rPr>
-              <a:t>VolumeDriver.Get</a:t>
-            </a:r>
-            <a:r>
-              <a:rPr lang="en-US" altLang="zh-CN" dirty="0">
-                <a:solidFill>
-                  <a:schemeClr val="bg2"/>
-                </a:solidFill>
-              </a:rPr>
-              <a:t> : </a:t>
-            </a:r>
-            <a:r>
-              <a:rPr lang="zh-CN" altLang="en-US" dirty="0">
-                <a:solidFill>
-                  <a:schemeClr val="bg2"/>
-                </a:solidFill>
-              </a:rPr>
-              <a:t>获取</a:t>
-            </a:r>
-            <a:r>
-              <a:rPr lang="en-US" altLang="zh-CN" dirty="0">
-                <a:solidFill>
-                  <a:schemeClr val="bg2"/>
-                </a:solidFill>
-              </a:rPr>
-              <a:t>Plugin Volume</a:t>
-            </a:r>
-            <a:r>
-              <a:rPr lang="zh-CN" altLang="en-US" dirty="0">
-                <a:solidFill>
-                  <a:schemeClr val="bg2"/>
-                </a:solidFill>
-              </a:rPr>
-              <a:t>的详细信息</a:t>
-            </a:r>
-            <a:endParaRPr lang="zh-CN" altLang="en-US" dirty="0">
-              <a:solidFill>
-                <a:schemeClr val="bg2"/>
+                <a:schemeClr val="bg1">
+                  <a:lumMod val="50000"/>
+                </a:schemeClr>
               </a:solidFill>
             </a:endParaRPr>
           </a:p>
@@ -14307,255 +15701,6 @@
         <p:cTn id="1" dur="indefinite" restart="never" nodeType="tmRoot"/>
       </p:par>
     </p:tnLst>
-  </p:timing>
-</p:sld>
-</file>
-
-<file path=ppt/slides/slide19.xml><?xml version="1.0" encoding="utf-8"?>
-<p:sld xmlns:a="http://schemas.openxmlformats.org/drawingml/2006/main" xmlns:r="http://schemas.openxmlformats.org/officeDocument/2006/relationships" xmlns:p="http://schemas.openxmlformats.org/presentationml/2006/main">
-  <p:cSld>
-    <p:spTree>
-      <p:nvGrpSpPr>
-        <p:cNvPr id="1" name=""/>
-        <p:cNvGrpSpPr/>
-        <p:nvPr/>
-      </p:nvGrpSpPr>
-      <p:grpSpPr>
-        <a:xfrm>
-          <a:off x="0" y="0"/>
-          <a:ext cx="0" cy="0"/>
-          <a:chOff x="0" y="0"/>
-          <a:chExt cx="0" cy="0"/>
-        </a:xfrm>
-      </p:grpSpPr>
-      <p:sp>
-        <p:nvSpPr>
-          <p:cNvPr id="7" name="文本框 6"/>
-          <p:cNvSpPr txBox="1"/>
-          <p:nvPr/>
-        </p:nvSpPr>
-        <p:spPr>
-          <a:xfrm>
-            <a:off x="4697362" y="943602"/>
-            <a:ext cx="2797277" cy="523220"/>
-          </a:xfrm>
-          <a:prstGeom prst="rect">
-            <a:avLst/>
-          </a:prstGeom>
-          <a:noFill/>
-        </p:spPr>
-        <p:txBody>
-          <a:bodyPr wrap="square" rtlCol="0">
-            <a:spAutoFit/>
-          </a:bodyPr>
-          <a:lstStyle/>
-          <a:p>
-            <a:r>
-              <a:rPr lang="zh-CN" altLang="en-US" sz="2800" dirty="0">
-                <a:solidFill>
-                  <a:schemeClr val="bg1"/>
-                </a:solidFill>
-                <a:latin typeface="+mj-ea"/>
-                <a:ea typeface="+mj-ea"/>
-              </a:rPr>
-              <a:t>我们的主要工作</a:t>
-            </a:r>
-          </a:p>
-        </p:txBody>
-      </p:sp>
-      <p:pic>
-        <p:nvPicPr>
-          <p:cNvPr id="12292" name="Picture 4"/>
-          <p:cNvPicPr>
-            <a:picLocks noChangeAspect="1" noChangeArrowheads="1"/>
-          </p:cNvPicPr>
-          <p:nvPr/>
-        </p:nvPicPr>
-        <p:blipFill>
-          <a:blip r:embed="rId2">
-            <a:extLst>
-              <a:ext uri="{28A0092B-C50C-407E-A947-70E740481C1C}">
-                <a14:useLocalDpi xmlns:a14="http://schemas.microsoft.com/office/drawing/2010/main" val="0"/>
-              </a:ext>
-            </a:extLst>
-          </a:blip>
-          <a:srcRect/>
-          <a:stretch>
-            <a:fillRect/>
-          </a:stretch>
-        </p:blipFill>
-        <p:spPr bwMode="auto">
-          <a:xfrm>
-            <a:off x="0" y="99589"/>
-            <a:ext cx="12131624" cy="6636191"/>
-          </a:xfrm>
-          <a:prstGeom prst="rect">
-            <a:avLst/>
-          </a:prstGeom>
-          <a:noFill/>
-          <a:ln>
-            <a:noFill/>
-          </a:ln>
-          <a:extLst>
-            <a:ext uri="{909E8E84-426E-40DD-AFC4-6F175D3DCCD1}">
-              <a14:hiddenFill xmlns:a14="http://schemas.microsoft.com/office/drawing/2010/main">
-                <a:solidFill>
-                  <a:schemeClr val="accent1"/>
-                </a:solidFill>
-              </a14:hiddenFill>
-            </a:ext>
-            <a:ext uri="{91240B29-F687-4F45-9708-019B960494DF}">
-              <a14:hiddenLine xmlns:a14="http://schemas.microsoft.com/office/drawing/2010/main" w="9525">
-                <a:solidFill>
-                  <a:schemeClr val="tx1"/>
-                </a:solidFill>
-                <a:miter lim="800000"/>
-                <a:headEnd/>
-                <a:tailEnd/>
-              </a14:hiddenLine>
-            </a:ext>
-          </a:extLst>
-        </p:spPr>
-      </p:pic>
-    </p:spTree>
-    <p:extLst>
-      <p:ext uri="{BB962C8B-B14F-4D97-AF65-F5344CB8AC3E}">
-        <p14:creationId xmlns:p14="http://schemas.microsoft.com/office/powerpoint/2010/main" val="2877130033"/>
-      </p:ext>
-    </p:extLst>
-  </p:cSld>
-  <p:clrMapOvr>
-    <a:masterClrMapping/>
-  </p:clrMapOvr>
-  <p:transition spd="med">
-    <p:push dir="u"/>
-  </p:transition>
-  <p:timing>
-    <p:tnLst>
-      <p:par>
-        <p:cTn id="1" dur="indefinite" restart="never" nodeType="tmRoot">
-          <p:childTnLst>
-            <p:seq concurrent="1" nextAc="seek">
-              <p:cTn id="2" dur="indefinite" nodeType="mainSeq">
-                <p:childTnLst>
-                  <p:par>
-                    <p:cTn id="3" fill="hold">
-                      <p:stCondLst>
-                        <p:cond delay="indefinite"/>
-                        <p:cond evt="onBegin" delay="0">
-                          <p:tn val="2"/>
-                        </p:cond>
-                      </p:stCondLst>
-                      <p:childTnLst>
-                        <p:par>
-                          <p:cTn id="4" fill="hold">
-                            <p:stCondLst>
-                              <p:cond delay="0"/>
-                            </p:stCondLst>
-                            <p:childTnLst>
-                              <p:par>
-                                <p:cTn id="5" presetID="2" presetClass="entr" presetSubtype="1" decel="100000" fill="hold" grpId="0" nodeType="afterEffect">
-                                  <p:stCondLst>
-                                    <p:cond delay="0"/>
-                                  </p:stCondLst>
-                                  <p:childTnLst>
-                                    <p:set>
-                                      <p:cBhvr>
-                                        <p:cTn id="6" dur="1" fill="hold">
-                                          <p:stCondLst>
-                                            <p:cond delay="0"/>
-                                          </p:stCondLst>
-                                        </p:cTn>
-                                        <p:tgtEl>
-                                          <p:spTgt spid="7"/>
-                                        </p:tgtEl>
-                                        <p:attrNameLst>
-                                          <p:attrName>style.visibility</p:attrName>
-                                        </p:attrNameLst>
-                                      </p:cBhvr>
-                                      <p:to>
-                                        <p:strVal val="visible"/>
-                                      </p:to>
-                                    </p:set>
-                                    <p:anim calcmode="lin" valueType="num">
-                                      <p:cBhvr additive="base">
-                                        <p:cTn id="7" dur="500" fill="hold"/>
-                                        <p:tgtEl>
-                                          <p:spTgt spid="7"/>
-                                        </p:tgtEl>
-                                        <p:attrNameLst>
-                                          <p:attrName>ppt_x</p:attrName>
-                                        </p:attrNameLst>
-                                      </p:cBhvr>
-                                      <p:tavLst>
-                                        <p:tav tm="0">
-                                          <p:val>
-                                            <p:strVal val="#ppt_x"/>
-                                          </p:val>
-                                        </p:tav>
-                                        <p:tav tm="100000">
-                                          <p:val>
-                                            <p:strVal val="#ppt_x"/>
-                                          </p:val>
-                                        </p:tav>
-                                      </p:tavLst>
-                                    </p:anim>
-                                    <p:anim calcmode="lin" valueType="num">
-                                      <p:cBhvr additive="base">
-                                        <p:cTn id="8" dur="500" fill="hold"/>
-                                        <p:tgtEl>
-                                          <p:spTgt spid="7"/>
-                                        </p:tgtEl>
-                                        <p:attrNameLst>
-                                          <p:attrName>ppt_y</p:attrName>
-                                        </p:attrNameLst>
-                                      </p:cBhvr>
-                                      <p:tavLst>
-                                        <p:tav tm="0">
-                                          <p:val>
-                                            <p:strVal val="0-#ppt_h/2"/>
-                                          </p:val>
-                                        </p:tav>
-                                        <p:tav tm="100000">
-                                          <p:val>
-                                            <p:strVal val="#ppt_y"/>
-                                          </p:val>
-                                        </p:tav>
-                                      </p:tavLst>
-                                    </p:anim>
-                                  </p:childTnLst>
-                                </p:cTn>
-                              </p:par>
-                            </p:childTnLst>
-                          </p:cTn>
-                        </p:par>
-                      </p:childTnLst>
-                    </p:cTn>
-                  </p:par>
-                </p:childTnLst>
-              </p:cTn>
-              <p:prevCondLst>
-                <p:cond evt="onPrev" delay="0">
-                  <p:tgtEl>
-                    <p:sldTgt/>
-                  </p:tgtEl>
-                </p:cond>
-              </p:prevCondLst>
-              <p:nextCondLst>
-                <p:cond evt="onNext" delay="0">
-                  <p:tgtEl>
-                    <p:sldTgt/>
-                  </p:tgtEl>
-                </p:cond>
-              </p:nextCondLst>
-            </p:seq>
-          </p:childTnLst>
-        </p:cTn>
-      </p:par>
-    </p:tnLst>
-    <p:bldLst>
-      <p:bldP spid="7" grpId="0"/>
-    </p:bldLst>
   </p:timing>
 </p:sld>
 </file>
@@ -14887,36 +16032,6 @@
           </p:txBody>
         </p:sp>
       </p:grpSp>
-      <p:cxnSp>
-        <p:nvCxnSpPr>
-          <p:cNvPr id="18" name="直接连接符 17"/>
-          <p:cNvCxnSpPr/>
-          <p:nvPr/>
-        </p:nvCxnSpPr>
-        <p:spPr>
-          <a:xfrm>
-            <a:off x="4383310" y="784215"/>
-            <a:ext cx="7812000" cy="9180"/>
-          </a:xfrm>
-          <a:prstGeom prst="line">
-            <a:avLst/>
-          </a:prstGeom>
-        </p:spPr>
-        <p:style>
-          <a:lnRef idx="1">
-            <a:schemeClr val="accent1"/>
-          </a:lnRef>
-          <a:fillRef idx="0">
-            <a:schemeClr val="accent1"/>
-          </a:fillRef>
-          <a:effectRef idx="0">
-            <a:schemeClr val="accent1"/>
-          </a:effectRef>
-          <a:fontRef idx="minor">
-            <a:schemeClr val="tx1"/>
-          </a:fontRef>
-        </p:style>
-      </p:cxnSp>
       <p:sp>
         <p:nvSpPr>
           <p:cNvPr id="37" name="文本框 36"/>
@@ -14926,7 +16041,7 @@
         <p:spPr>
           <a:xfrm>
             <a:off x="5006566" y="1665782"/>
-            <a:ext cx="4625189" cy="435697"/>
+            <a:ext cx="4625189" cy="573042"/>
           </a:xfrm>
           <a:prstGeom prst="rect">
             <a:avLst/>
@@ -14945,7 +16060,7 @@
               </a:lnSpc>
             </a:pPr>
             <a:r>
-              <a:rPr lang="en-US" altLang="zh-CN" sz="2000" dirty="0" err="1" smtClean="0">
+              <a:rPr lang="en-US" altLang="zh-CN" sz="2800" b="1" dirty="0" err="1" smtClean="0">
                 <a:solidFill>
                   <a:schemeClr val="bg2"/>
                 </a:solidFill>
@@ -14954,7 +16069,7 @@
               <a:t>docker</a:t>
             </a:r>
             <a:r>
-              <a:rPr lang="en-US" altLang="zh-CN" sz="2000" dirty="0" smtClean="0">
+              <a:rPr lang="en-US" altLang="zh-CN" sz="2800" b="1" dirty="0" smtClean="0">
                 <a:solidFill>
                   <a:schemeClr val="bg2"/>
                 </a:solidFill>
@@ -14963,7 +16078,7 @@
               <a:t> </a:t>
             </a:r>
             <a:r>
-              <a:rPr lang="zh-CN" altLang="en-US" sz="2000" dirty="0" smtClean="0">
+              <a:rPr lang="zh-CN" altLang="en-US" sz="2800" b="1" dirty="0" smtClean="0">
                 <a:solidFill>
                   <a:schemeClr val="bg2"/>
                 </a:solidFill>
@@ -14972,7 +16087,7 @@
               <a:t>存储方式</a:t>
             </a:r>
             <a:r>
-              <a:rPr lang="en-US" altLang="zh-CN" sz="2000" dirty="0" smtClean="0">
+              <a:rPr lang="en-US" altLang="zh-CN" sz="2800" b="1" dirty="0" smtClean="0">
                 <a:solidFill>
                   <a:schemeClr val="bg2"/>
                 </a:solidFill>
@@ -14980,7 +16095,7 @@
               </a:rPr>
               <a:t> </a:t>
             </a:r>
-            <a:endParaRPr lang="zh-CN" altLang="zh-CN" sz="2000" dirty="0">
+            <a:endParaRPr lang="zh-CN" altLang="zh-CN" sz="2800" b="1" dirty="0">
               <a:solidFill>
                 <a:schemeClr val="bg2"/>
               </a:solidFill>
@@ -14997,8 +16112,8 @@
         </p:nvSpPr>
         <p:spPr>
           <a:xfrm>
-            <a:off x="5893806" y="2949865"/>
-            <a:ext cx="3763248" cy="435697"/>
+            <a:off x="5106154" y="2957919"/>
+            <a:ext cx="4595417" cy="652486"/>
           </a:xfrm>
           <a:prstGeom prst="rect">
             <a:avLst/>
@@ -15017,7 +16132,7 @@
               </a:lnSpc>
             </a:pPr>
             <a:r>
-              <a:rPr lang="en-US" altLang="zh-CN" sz="2000" dirty="0">
+              <a:rPr lang="en-US" altLang="zh-CN" sz="2800" b="1" dirty="0">
                 <a:solidFill>
                   <a:schemeClr val="bg2"/>
                 </a:solidFill>
@@ -15026,7 +16141,7 @@
               <a:t>Docker volume </a:t>
             </a:r>
             <a:r>
-              <a:rPr lang="zh-CN" altLang="en-US" sz="2000" dirty="0">
+              <a:rPr lang="zh-CN" altLang="en-US" sz="2800" b="1" dirty="0">
                 <a:solidFill>
                   <a:schemeClr val="bg2"/>
                 </a:solidFill>
@@ -15045,8 +16160,8 @@
         </p:nvSpPr>
         <p:spPr>
           <a:xfrm>
-            <a:off x="5846854" y="4276958"/>
-            <a:ext cx="3857151" cy="435697"/>
+            <a:off x="4725910" y="4276958"/>
+            <a:ext cx="4978096" cy="652486"/>
           </a:xfrm>
           <a:prstGeom prst="rect">
             <a:avLst/>
@@ -15065,7 +16180,7 @@
               </a:lnSpc>
             </a:pPr>
             <a:r>
-              <a:rPr lang="en-US" altLang="zh-CN" sz="2000" dirty="0">
+              <a:rPr lang="en-US" altLang="zh-CN" sz="2800" b="1" dirty="0">
                 <a:solidFill>
                   <a:schemeClr val="bg2"/>
                 </a:solidFill>
@@ -15074,7 +16189,7 @@
               <a:t>Docker Volume Plugin</a:t>
             </a:r>
             <a:r>
-              <a:rPr lang="zh-CN" altLang="zh-CN" sz="2000" dirty="0">
+              <a:rPr lang="zh-CN" altLang="zh-CN" sz="2800" b="1" dirty="0">
                 <a:solidFill>
                   <a:schemeClr val="bg2"/>
                 </a:solidFill>
@@ -15082,7 +16197,7 @@
               </a:rPr>
               <a:t>框架</a:t>
             </a:r>
-            <a:endParaRPr lang="zh-CN" altLang="en-US" sz="2000" dirty="0">
+            <a:endParaRPr lang="zh-CN" altLang="en-US" sz="2800" b="1" dirty="0">
               <a:solidFill>
                 <a:schemeClr val="bg2"/>
               </a:solidFill>
@@ -15099,8 +16214,8 @@
         </p:nvSpPr>
         <p:spPr>
           <a:xfrm>
-            <a:off x="5888413" y="5591607"/>
-            <a:ext cx="3863069" cy="401328"/>
+            <a:off x="4725910" y="5591607"/>
+            <a:ext cx="5025573" cy="652486"/>
           </a:xfrm>
           <a:prstGeom prst="rect">
             <a:avLst/>
@@ -15119,32 +16234,23 @@
               </a:lnSpc>
             </a:pPr>
             <a:r>
-              <a:rPr lang="en-US" altLang="zh-CN" dirty="0" smtClean="0">
-                <a:solidFill>
-                  <a:schemeClr val="bg1">
-                    <a:lumMod val="50000"/>
-                  </a:schemeClr>
-                </a:solidFill>
+              <a:rPr lang="en-US" altLang="zh-CN" sz="2800" b="1" dirty="0">
+                <a:solidFill>
+                  <a:schemeClr val="bg2"/>
+                </a:solidFill>
+                <a:latin typeface="+mn-ea"/>
               </a:rPr>
               <a:t>Docker Volume</a:t>
             </a:r>
             <a:r>
-              <a:rPr lang="zh-CN" altLang="en-US" dirty="0" smtClean="0">
-                <a:solidFill>
-                  <a:schemeClr val="bg1">
-                    <a:lumMod val="50000"/>
-                  </a:schemeClr>
-                </a:solidFill>
+              <a:rPr lang="zh-CN" altLang="en-US" sz="2800" b="1" dirty="0">
+                <a:solidFill>
+                  <a:schemeClr val="bg2"/>
+                </a:solidFill>
+                <a:latin typeface="+mn-ea"/>
               </a:rPr>
               <a:t>命令实现过程</a:t>
             </a:r>
-            <a:endParaRPr lang="zh-CN" altLang="en-US" dirty="0">
-              <a:solidFill>
-                <a:schemeClr val="bg1">
-                  <a:lumMod val="50000"/>
-                </a:schemeClr>
-              </a:solidFill>
-            </a:endParaRPr>
           </a:p>
         </p:txBody>
       </p:sp>
@@ -15838,6 +16944,79 @@
           </p:spPr>
         </p:pic>
       </p:grpSp>
+      <p:sp>
+        <p:nvSpPr>
+          <p:cNvPr id="27" name="矩形 26"/>
+          <p:cNvSpPr/>
+          <p:nvPr/>
+        </p:nvSpPr>
+        <p:spPr>
+          <a:xfrm>
+            <a:off x="4215903" y="798371"/>
+            <a:ext cx="8280000" cy="36000"/>
+          </a:xfrm>
+          <a:prstGeom prst="rect">
+            <a:avLst/>
+          </a:prstGeom>
+          <a:gradFill flip="none" rotWithShape="1">
+            <a:gsLst>
+              <a:gs pos="25000">
+                <a:srgbClr val="EDAC5D"/>
+              </a:gs>
+              <a:gs pos="0">
+                <a:schemeClr val="accent3"/>
+              </a:gs>
+              <a:gs pos="25000">
+                <a:schemeClr val="accent2"/>
+              </a:gs>
+              <a:gs pos="50000">
+                <a:schemeClr val="accent2"/>
+              </a:gs>
+              <a:gs pos="100000">
+                <a:schemeClr val="accent4"/>
+              </a:gs>
+              <a:gs pos="75000">
+                <a:schemeClr val="accent4"/>
+              </a:gs>
+              <a:gs pos="74000">
+                <a:schemeClr val="accent1"/>
+              </a:gs>
+              <a:gs pos="50000">
+                <a:schemeClr val="accent1"/>
+              </a:gs>
+            </a:gsLst>
+            <a:lin ang="0" scaled="1"/>
+            <a:tileRect/>
+          </a:gradFill>
+          <a:ln>
+            <a:noFill/>
+          </a:ln>
+        </p:spPr>
+        <p:style>
+          <a:lnRef idx="2">
+            <a:schemeClr val="accent1">
+              <a:shade val="50000"/>
+            </a:schemeClr>
+          </a:lnRef>
+          <a:fillRef idx="1">
+            <a:schemeClr val="accent1"/>
+          </a:fillRef>
+          <a:effectRef idx="0">
+            <a:schemeClr val="accent1"/>
+          </a:effectRef>
+          <a:fontRef idx="minor">
+            <a:schemeClr val="lt1"/>
+          </a:fontRef>
+        </p:style>
+        <p:txBody>
+          <a:bodyPr rtlCol="0" anchor="ctr"/>
+          <a:lstStyle/>
+          <a:p>
+            <a:pPr algn="ctr"/>
+            <a:endParaRPr lang="zh-CN" altLang="en-US"/>
+          </a:p>
+        </p:txBody>
+      </p:sp>
     </p:spTree>
     <p:extLst>
       <p:ext uri="{BB962C8B-B14F-4D97-AF65-F5344CB8AC3E}">
@@ -16132,74 +17311,30 @@
                             </p:childTnLst>
                           </p:cTn>
                         </p:par>
+                      </p:childTnLst>
+                    </p:cTn>
+                  </p:par>
+                  <p:par>
+                    <p:cTn id="22" fill="hold">
+                      <p:stCondLst>
+                        <p:cond delay="indefinite"/>
+                      </p:stCondLst>
+                      <p:childTnLst>
                         <p:par>
-                          <p:cTn id="22" fill="hold">
+                          <p:cTn id="23" fill="hold">
                             <p:stCondLst>
-                              <p:cond delay="1600"/>
+                              <p:cond delay="0"/>
                             </p:stCondLst>
                             <p:childTnLst>
                               <p:par>
-                                <p:cTn id="23" presetID="22" presetClass="entr" presetSubtype="8" fill="hold" nodeType="afterEffect">
+                                <p:cTn id="24" presetID="2" presetClass="entr" presetSubtype="2" decel="100000" fill="hold" nodeType="clickEffect">
                                   <p:stCondLst>
                                     <p:cond delay="0"/>
                                   </p:stCondLst>
                                   <p:childTnLst>
                                     <p:set>
                                       <p:cBhvr>
-                                        <p:cTn id="24" dur="1" fill="hold">
-                                          <p:stCondLst>
-                                            <p:cond delay="0"/>
-                                          </p:stCondLst>
-                                        </p:cTn>
-                                        <p:tgtEl>
-                                          <p:spTgt spid="18"/>
-                                        </p:tgtEl>
-                                        <p:attrNameLst>
-                                          <p:attrName>style.visibility</p:attrName>
-                                        </p:attrNameLst>
-                                      </p:cBhvr>
-                                      <p:to>
-                                        <p:strVal val="visible"/>
-                                      </p:to>
-                                    </p:set>
-                                    <p:animEffect transition="in" filter="wipe(left)">
-                                      <p:cBhvr>
-                                        <p:cTn id="25" dur="500"/>
-                                        <p:tgtEl>
-                                          <p:spTgt spid="18"/>
-                                        </p:tgtEl>
-                                      </p:cBhvr>
-                                    </p:animEffect>
-                                  </p:childTnLst>
-                                </p:cTn>
-                              </p:par>
-                            </p:childTnLst>
-                          </p:cTn>
-                        </p:par>
-                      </p:childTnLst>
-                    </p:cTn>
-                  </p:par>
-                  <p:par>
-                    <p:cTn id="26" fill="hold">
-                      <p:stCondLst>
-                        <p:cond delay="indefinite"/>
-                      </p:stCondLst>
-                      <p:childTnLst>
-                        <p:par>
-                          <p:cTn id="27" fill="hold">
-                            <p:stCondLst>
-                              <p:cond delay="0"/>
-                            </p:stCondLst>
-                            <p:childTnLst>
-                              <p:par>
-                                <p:cTn id="28" presetID="2" presetClass="entr" presetSubtype="2" decel="100000" fill="hold" nodeType="clickEffect">
-                                  <p:stCondLst>
-                                    <p:cond delay="0"/>
-                                  </p:stCondLst>
-                                  <p:childTnLst>
-                                    <p:set>
-                                      <p:cBhvr>
-                                        <p:cTn id="29" dur="1" fill="hold">
+                                        <p:cTn id="25" dur="1" fill="hold">
                                           <p:stCondLst>
                                             <p:cond delay="0"/>
                                           </p:stCondLst>
@@ -16217,7 +17352,7 @@
                                     </p:set>
                                     <p:anim calcmode="lin" valueType="num">
                                       <p:cBhvr additive="base">
-                                        <p:cTn id="30" dur="500" fill="hold"/>
+                                        <p:cTn id="26" dur="500" fill="hold"/>
                                         <p:tgtEl>
                                           <p:spTgt spid="3"/>
                                         </p:tgtEl>
@@ -16240,7 +17375,7 @@
                                     </p:anim>
                                     <p:anim calcmode="lin" valueType="num">
                                       <p:cBhvr additive="base">
-                                        <p:cTn id="31" dur="500" fill="hold"/>
+                                        <p:cTn id="27" dur="500" fill="hold"/>
                                         <p:tgtEl>
                                           <p:spTgt spid="3"/>
                                         </p:tgtEl>
@@ -16268,13 +17403,13 @@
                           </p:cTn>
                         </p:par>
                         <p:par>
-                          <p:cTn id="32" fill="hold">
+                          <p:cTn id="28" fill="hold">
                             <p:stCondLst>
                               <p:cond delay="500"/>
                             </p:stCondLst>
                             <p:childTnLst>
                               <p:par>
-                                <p:cTn id="33" presetID="10" presetClass="entr" presetSubtype="0" fill="hold" grpId="0" nodeType="afterEffect">
+                                <p:cTn id="29" presetID="10" presetClass="entr" presetSubtype="0" fill="hold" grpId="0" nodeType="afterEffect">
                                   <p:stCondLst>
                                     <p:cond delay="0"/>
                                   </p:stCondLst>
@@ -16284,7 +17419,7 @@
                                   <p:childTnLst>
                                     <p:set>
                                       <p:cBhvr>
-                                        <p:cTn id="34" dur="1" fill="hold">
+                                        <p:cTn id="30" dur="1" fill="hold">
                                           <p:stCondLst>
                                             <p:cond delay="0"/>
                                           </p:stCondLst>
@@ -16302,7 +17437,7 @@
                                     </p:set>
                                     <p:animEffect transition="in" filter="fade">
                                       <p:cBhvr>
-                                        <p:cTn id="35" dur="500"/>
+                                        <p:cTn id="31" dur="500"/>
                                         <p:tgtEl>
                                           <p:spTgt spid="37"/>
                                         </p:tgtEl>
@@ -16318,26 +17453,26 @@
                     </p:cTn>
                   </p:par>
                   <p:par>
-                    <p:cTn id="36" fill="hold">
+                    <p:cTn id="32" fill="hold">
                       <p:stCondLst>
                         <p:cond delay="indefinite"/>
                       </p:stCondLst>
                       <p:childTnLst>
                         <p:par>
-                          <p:cTn id="37" fill="hold">
+                          <p:cTn id="33" fill="hold">
                             <p:stCondLst>
                               <p:cond delay="0"/>
                             </p:stCondLst>
                             <p:childTnLst>
                               <p:par>
-                                <p:cTn id="38" presetID="2" presetClass="entr" presetSubtype="2" decel="100000" fill="hold" nodeType="clickEffect">
+                                <p:cTn id="34" presetID="2" presetClass="entr" presetSubtype="2" decel="100000" fill="hold" nodeType="clickEffect">
                                   <p:stCondLst>
                                     <p:cond delay="0"/>
                                   </p:stCondLst>
                                   <p:childTnLst>
                                     <p:set>
                                       <p:cBhvr>
-                                        <p:cTn id="39" dur="1" fill="hold">
+                                        <p:cTn id="35" dur="1" fill="hold">
                                           <p:stCondLst>
                                             <p:cond delay="0"/>
                                           </p:stCondLst>
@@ -16355,7 +17490,7 @@
                                     </p:set>
                                     <p:anim calcmode="lin" valueType="num">
                                       <p:cBhvr additive="base">
-                                        <p:cTn id="40" dur="500" fill="hold"/>
+                                        <p:cTn id="36" dur="500" fill="hold"/>
                                         <p:tgtEl>
                                           <p:spTgt spid="5"/>
                                         </p:tgtEl>
@@ -16378,7 +17513,7 @@
                                     </p:anim>
                                     <p:anim calcmode="lin" valueType="num">
                                       <p:cBhvr additive="base">
-                                        <p:cTn id="41" dur="500" fill="hold"/>
+                                        <p:cTn id="37" dur="500" fill="hold"/>
                                         <p:tgtEl>
                                           <p:spTgt spid="5"/>
                                         </p:tgtEl>
@@ -16406,20 +17541,20 @@
                           </p:cTn>
                         </p:par>
                         <p:par>
-                          <p:cTn id="42" fill="hold">
+                          <p:cTn id="38" fill="hold">
                             <p:stCondLst>
                               <p:cond delay="500"/>
                             </p:stCondLst>
                             <p:childTnLst>
                               <p:par>
-                                <p:cTn id="43" presetID="47" presetClass="entr" presetSubtype="0" fill="hold" grpId="0" nodeType="afterEffect">
+                                <p:cTn id="39" presetID="47" presetClass="entr" presetSubtype="0" fill="hold" grpId="0" nodeType="afterEffect">
                                   <p:stCondLst>
                                     <p:cond delay="0"/>
                                   </p:stCondLst>
                                   <p:childTnLst>
                                     <p:set>
                                       <p:cBhvr>
-                                        <p:cTn id="44" dur="1" fill="hold">
+                                        <p:cTn id="40" dur="1" fill="hold">
                                           <p:stCondLst>
                                             <p:cond delay="0"/>
                                           </p:stCondLst>
@@ -16437,7 +17572,7 @@
                                     </p:set>
                                     <p:animEffect transition="in" filter="fade">
                                       <p:cBhvr>
-                                        <p:cTn id="45" dur="250"/>
+                                        <p:cTn id="41" dur="250"/>
                                         <p:tgtEl>
                                           <p:spTgt spid="42"/>
                                         </p:tgtEl>
@@ -16445,7 +17580,7 @@
                                     </p:animEffect>
                                     <p:anim calcmode="lin" valueType="num">
                                       <p:cBhvr>
-                                        <p:cTn id="46" dur="250" fill="hold"/>
+                                        <p:cTn id="42" dur="250" fill="hold"/>
                                         <p:tgtEl>
                                           <p:spTgt spid="42"/>
                                         </p:tgtEl>
@@ -16468,7 +17603,7 @@
                                     </p:anim>
                                     <p:anim calcmode="lin" valueType="num">
                                       <p:cBhvr>
-                                        <p:cTn id="47" dur="250" fill="hold"/>
+                                        <p:cTn id="43" dur="250" fill="hold"/>
                                         <p:tgtEl>
                                           <p:spTgt spid="42"/>
                                         </p:tgtEl>
@@ -16499,26 +17634,26 @@
                     </p:cTn>
                   </p:par>
                   <p:par>
-                    <p:cTn id="48" fill="hold">
+                    <p:cTn id="44" fill="hold">
                       <p:stCondLst>
                         <p:cond delay="indefinite"/>
                       </p:stCondLst>
                       <p:childTnLst>
                         <p:par>
-                          <p:cTn id="49" fill="hold">
+                          <p:cTn id="45" fill="hold">
                             <p:stCondLst>
                               <p:cond delay="0"/>
                             </p:stCondLst>
                             <p:childTnLst>
                               <p:par>
-                                <p:cTn id="50" presetID="2" presetClass="entr" presetSubtype="2" decel="100000" fill="hold" nodeType="clickEffect">
+                                <p:cTn id="46" presetID="2" presetClass="entr" presetSubtype="2" decel="100000" fill="hold" nodeType="clickEffect">
                                   <p:stCondLst>
                                     <p:cond delay="0"/>
                                   </p:stCondLst>
                                   <p:childTnLst>
                                     <p:set>
                                       <p:cBhvr>
-                                        <p:cTn id="51" dur="1" fill="hold">
+                                        <p:cTn id="47" dur="1" fill="hold">
                                           <p:stCondLst>
                                             <p:cond delay="0"/>
                                           </p:stCondLst>
@@ -16536,7 +17671,7 @@
                                     </p:set>
                                     <p:anim calcmode="lin" valueType="num">
                                       <p:cBhvr additive="base">
-                                        <p:cTn id="52" dur="500" fill="hold"/>
+                                        <p:cTn id="48" dur="500" fill="hold"/>
                                         <p:tgtEl>
                                           <p:spTgt spid="12"/>
                                         </p:tgtEl>
@@ -16559,7 +17694,7 @@
                                     </p:anim>
                                     <p:anim calcmode="lin" valueType="num">
                                       <p:cBhvr additive="base">
-                                        <p:cTn id="53" dur="500" fill="hold"/>
+                                        <p:cTn id="49" dur="500" fill="hold"/>
                                         <p:tgtEl>
                                           <p:spTgt spid="12"/>
                                         </p:tgtEl>
@@ -16587,13 +17722,13 @@
                           </p:cTn>
                         </p:par>
                         <p:par>
-                          <p:cTn id="54" fill="hold">
+                          <p:cTn id="50" fill="hold">
                             <p:stCondLst>
                               <p:cond delay="500"/>
                             </p:stCondLst>
                             <p:childTnLst>
                               <p:par>
-                                <p:cTn id="55" presetID="10" presetClass="entr" presetSubtype="0" fill="hold" grpId="0" nodeType="afterEffect">
+                                <p:cTn id="51" presetID="10" presetClass="entr" presetSubtype="0" fill="hold" grpId="0" nodeType="afterEffect">
                                   <p:stCondLst>
                                     <p:cond delay="0"/>
                                   </p:stCondLst>
@@ -16603,7 +17738,7 @@
                                   <p:childTnLst>
                                     <p:set>
                                       <p:cBhvr>
-                                        <p:cTn id="56" dur="1" fill="hold">
+                                        <p:cTn id="52" dur="1" fill="hold">
                                           <p:stCondLst>
                                             <p:cond delay="0"/>
                                           </p:stCondLst>
@@ -16621,7 +17756,7 @@
                                     </p:set>
                                     <p:animEffect transition="in" filter="fade">
                                       <p:cBhvr>
-                                        <p:cTn id="57" dur="500"/>
+                                        <p:cTn id="53" dur="500"/>
                                         <p:tgtEl>
                                           <p:spTgt spid="48"/>
                                         </p:tgtEl>
@@ -16637,26 +17772,26 @@
                     </p:cTn>
                   </p:par>
                   <p:par>
-                    <p:cTn id="58" fill="hold">
+                    <p:cTn id="54" fill="hold">
                       <p:stCondLst>
                         <p:cond delay="indefinite"/>
                       </p:stCondLst>
                       <p:childTnLst>
                         <p:par>
-                          <p:cTn id="59" fill="hold">
+                          <p:cTn id="55" fill="hold">
                             <p:stCondLst>
                               <p:cond delay="0"/>
                             </p:stCondLst>
                             <p:childTnLst>
                               <p:par>
-                                <p:cTn id="60" presetID="2" presetClass="entr" presetSubtype="2" decel="100000" fill="hold" nodeType="clickEffect">
+                                <p:cTn id="56" presetID="2" presetClass="entr" presetSubtype="2" decel="100000" fill="hold" nodeType="clickEffect">
                                   <p:stCondLst>
                                     <p:cond delay="0"/>
                                   </p:stCondLst>
                                   <p:childTnLst>
                                     <p:set>
                                       <p:cBhvr>
-                                        <p:cTn id="61" dur="1" fill="hold">
+                                        <p:cTn id="57" dur="1" fill="hold">
                                           <p:stCondLst>
                                             <p:cond delay="0"/>
                                           </p:stCondLst>
@@ -16674,7 +17809,7 @@
                                     </p:set>
                                     <p:anim calcmode="lin" valueType="num">
                                       <p:cBhvr additive="base">
-                                        <p:cTn id="62" dur="500" fill="hold"/>
+                                        <p:cTn id="58" dur="500" fill="hold"/>
                                         <p:tgtEl>
                                           <p:spTgt spid="13"/>
                                         </p:tgtEl>
@@ -16697,7 +17832,7 @@
                                     </p:anim>
                                     <p:anim calcmode="lin" valueType="num">
                                       <p:cBhvr additive="base">
-                                        <p:cTn id="63" dur="500" fill="hold"/>
+                                        <p:cTn id="59" dur="500" fill="hold"/>
                                         <p:tgtEl>
                                           <p:spTgt spid="13"/>
                                         </p:tgtEl>
@@ -16725,13 +17860,13 @@
                           </p:cTn>
                         </p:par>
                         <p:par>
-                          <p:cTn id="64" fill="hold">
+                          <p:cTn id="60" fill="hold">
                             <p:stCondLst>
                               <p:cond delay="500"/>
                             </p:stCondLst>
                             <p:childTnLst>
                               <p:par>
-                                <p:cTn id="65" presetID="10" presetClass="entr" presetSubtype="0" fill="hold" grpId="0" nodeType="afterEffect">
+                                <p:cTn id="61" presetID="10" presetClass="entr" presetSubtype="0" fill="hold" grpId="0" nodeType="afterEffect">
                                   <p:stCondLst>
                                     <p:cond delay="0"/>
                                   </p:stCondLst>
@@ -16741,7 +17876,7 @@
                                   <p:childTnLst>
                                     <p:set>
                                       <p:cBhvr>
-                                        <p:cTn id="66" dur="1" fill="hold">
+                                        <p:cTn id="62" dur="1" fill="hold">
                                           <p:stCondLst>
                                             <p:cond delay="0"/>
                                           </p:stCondLst>
@@ -16759,7 +17894,7 @@
                                     </p:set>
                                     <p:animEffect transition="in" filter="fade">
                                       <p:cBhvr>
-                                        <p:cTn id="67" dur="500"/>
+                                        <p:cTn id="63" dur="500"/>
                                         <p:tgtEl>
                                           <p:spTgt spid="53"/>
                                         </p:tgtEl>
@@ -16808,6 +17943,265 @@
 </file>
 
 <file path=ppt/slides/slide20.xml><?xml version="1.0" encoding="utf-8"?>
+<p:sld xmlns:a="http://schemas.openxmlformats.org/drawingml/2006/main" xmlns:r="http://schemas.openxmlformats.org/officeDocument/2006/relationships" xmlns:p="http://schemas.openxmlformats.org/presentationml/2006/main">
+  <p:cSld>
+    <p:spTree>
+      <p:nvGrpSpPr>
+        <p:cNvPr id="1" name=""/>
+        <p:cNvGrpSpPr/>
+        <p:nvPr/>
+      </p:nvGrpSpPr>
+      <p:grpSpPr>
+        <a:xfrm>
+          <a:off x="0" y="0"/>
+          <a:ext cx="0" cy="0"/>
+          <a:chOff x="0" y="0"/>
+          <a:chExt cx="0" cy="0"/>
+        </a:xfrm>
+      </p:grpSpPr>
+      <p:sp>
+        <p:nvSpPr>
+          <p:cNvPr id="7" name="文本框 6"/>
+          <p:cNvSpPr txBox="1"/>
+          <p:nvPr/>
+        </p:nvSpPr>
+        <p:spPr>
+          <a:xfrm>
+            <a:off x="4697362" y="943602"/>
+            <a:ext cx="2797277" cy="523220"/>
+          </a:xfrm>
+          <a:prstGeom prst="rect">
+            <a:avLst/>
+          </a:prstGeom>
+          <a:noFill/>
+        </p:spPr>
+        <p:txBody>
+          <a:bodyPr wrap="square" rtlCol="0">
+            <a:spAutoFit/>
+          </a:bodyPr>
+          <a:lstStyle/>
+          <a:p>
+            <a:r>
+              <a:rPr lang="zh-CN" altLang="en-US" sz="2800" dirty="0">
+                <a:solidFill>
+                  <a:schemeClr val="bg1"/>
+                </a:solidFill>
+                <a:latin typeface="+mj-ea"/>
+                <a:ea typeface="+mj-ea"/>
+              </a:rPr>
+              <a:t>我们的主要工作</a:t>
+            </a:r>
+          </a:p>
+        </p:txBody>
+      </p:sp>
+      <p:pic>
+        <p:nvPicPr>
+          <p:cNvPr id="13314" name="Picture 2"/>
+          <p:cNvPicPr>
+            <a:picLocks noChangeAspect="1" noChangeArrowheads="1"/>
+          </p:cNvPicPr>
+          <p:nvPr/>
+        </p:nvPicPr>
+        <p:blipFill>
+          <a:blip r:embed="rId2">
+            <a:extLst>
+              <a:ext uri="{28A0092B-C50C-407E-A947-70E740481C1C}">
+                <a14:useLocalDpi xmlns:a14="http://schemas.microsoft.com/office/drawing/2010/main" val="0"/>
+              </a:ext>
+            </a:extLst>
+          </a:blip>
+          <a:srcRect/>
+          <a:stretch>
+            <a:fillRect/>
+          </a:stretch>
+        </p:blipFill>
+        <p:spPr bwMode="auto">
+          <a:xfrm>
+            <a:off x="62736" y="307818"/>
+            <a:ext cx="12014137" cy="6373640"/>
+          </a:xfrm>
+          <a:prstGeom prst="rect">
+            <a:avLst/>
+          </a:prstGeom>
+          <a:noFill/>
+          <a:ln>
+            <a:noFill/>
+          </a:ln>
+          <a:effectLst/>
+          <a:extLst>
+            <a:ext uri="{909E8E84-426E-40DD-AFC4-6F175D3DCCD1}">
+              <a14:hiddenFill xmlns:a14="http://schemas.microsoft.com/office/drawing/2010/main">
+                <a:solidFill>
+                  <a:schemeClr val="accent1"/>
+                </a:solidFill>
+              </a14:hiddenFill>
+            </a:ext>
+            <a:ext uri="{91240B29-F687-4F45-9708-019B960494DF}">
+              <a14:hiddenLine xmlns:a14="http://schemas.microsoft.com/office/drawing/2010/main" w="9525">
+                <a:solidFill>
+                  <a:schemeClr val="tx1"/>
+                </a:solidFill>
+                <a:miter lim="800000"/>
+                <a:headEnd/>
+                <a:tailEnd/>
+              </a14:hiddenLine>
+            </a:ext>
+            <a:ext uri="{AF507438-7753-43E0-B8FC-AC1667EBCBE1}">
+              <a14:hiddenEffects xmlns:a14="http://schemas.microsoft.com/office/drawing/2010/main">
+                <a:effectLst>
+                  <a:outerShdw dist="35921" dir="2700000" algn="ctr" rotWithShape="0">
+                    <a:schemeClr val="bg2"/>
+                  </a:outerShdw>
+                </a:effectLst>
+              </a14:hiddenEffects>
+            </a:ext>
+          </a:extLst>
+        </p:spPr>
+      </p:pic>
+    </p:spTree>
+    <p:extLst>
+      <p:ext uri="{BB962C8B-B14F-4D97-AF65-F5344CB8AC3E}">
+        <p14:creationId xmlns:p14="http://schemas.microsoft.com/office/powerpoint/2010/main" val="2877130033"/>
+      </p:ext>
+    </p:extLst>
+  </p:cSld>
+  <p:clrMapOvr>
+    <a:masterClrMapping/>
+  </p:clrMapOvr>
+  <p:transition spd="med">
+    <p:push dir="u"/>
+  </p:transition>
+  <p:timing>
+    <p:tnLst>
+      <p:par>
+        <p:cTn id="1" dur="indefinite" restart="never" nodeType="tmRoot">
+          <p:childTnLst>
+            <p:seq concurrent="1" nextAc="seek">
+              <p:cTn id="2" dur="indefinite" nodeType="mainSeq">
+                <p:childTnLst>
+                  <p:par>
+                    <p:cTn id="3" fill="hold">
+                      <p:stCondLst>
+                        <p:cond delay="indefinite"/>
+                        <p:cond evt="onBegin" delay="0">
+                          <p:tn val="2"/>
+                        </p:cond>
+                      </p:stCondLst>
+                      <p:childTnLst>
+                        <p:par>
+                          <p:cTn id="4" fill="hold">
+                            <p:stCondLst>
+                              <p:cond delay="0"/>
+                            </p:stCondLst>
+                            <p:childTnLst>
+                              <p:par>
+                                <p:cTn id="5" presetID="2" presetClass="entr" presetSubtype="1" decel="100000" fill="hold" grpId="0" nodeType="afterEffect">
+                                  <p:stCondLst>
+                                    <p:cond delay="0"/>
+                                  </p:stCondLst>
+                                  <p:childTnLst>
+                                    <p:set>
+                                      <p:cBhvr>
+                                        <p:cTn id="6" dur="1" fill="hold">
+                                          <p:stCondLst>
+                                            <p:cond delay="0"/>
+                                          </p:stCondLst>
+                                        </p:cTn>
+                                        <p:tgtEl>
+                                          <p:spTgt spid="7"/>
+                                        </p:tgtEl>
+                                        <p:attrNameLst>
+                                          <p:attrName>style.visibility</p:attrName>
+                                        </p:attrNameLst>
+                                      </p:cBhvr>
+                                      <p:to>
+                                        <p:strVal val="visible"/>
+                                      </p:to>
+                                    </p:set>
+                                    <p:anim calcmode="lin" valueType="num">
+                                      <p:cBhvr additive="base">
+                                        <p:cTn id="7" dur="500" fill="hold"/>
+                                        <p:tgtEl>
+                                          <p:spTgt spid="7"/>
+                                        </p:tgtEl>
+                                        <p:attrNameLst>
+                                          <p:attrName>ppt_x</p:attrName>
+                                        </p:attrNameLst>
+                                      </p:cBhvr>
+                                      <p:tavLst>
+                                        <p:tav tm="0">
+                                          <p:val>
+                                            <p:strVal val="#ppt_x"/>
+                                          </p:val>
+                                        </p:tav>
+                                        <p:tav tm="100000">
+                                          <p:val>
+                                            <p:strVal val="#ppt_x"/>
+                                          </p:val>
+                                        </p:tav>
+                                      </p:tavLst>
+                                    </p:anim>
+                                    <p:anim calcmode="lin" valueType="num">
+                                      <p:cBhvr additive="base">
+                                        <p:cTn id="8" dur="500" fill="hold"/>
+                                        <p:tgtEl>
+                                          <p:spTgt spid="7"/>
+                                        </p:tgtEl>
+                                        <p:attrNameLst>
+                                          <p:attrName>ppt_y</p:attrName>
+                                        </p:attrNameLst>
+                                      </p:cBhvr>
+                                      <p:tavLst>
+                                        <p:tav tm="0">
+                                          <p:val>
+                                            <p:strVal val="0-#ppt_h/2"/>
+                                          </p:val>
+                                        </p:tav>
+                                        <p:tav tm="100000">
+                                          <p:val>
+                                            <p:strVal val="#ppt_y"/>
+                                          </p:val>
+                                        </p:tav>
+                                      </p:tavLst>
+                                    </p:anim>
+                                  </p:childTnLst>
+                                </p:cTn>
+                              </p:par>
+                            </p:childTnLst>
+                          </p:cTn>
+                        </p:par>
+                      </p:childTnLst>
+                    </p:cTn>
+                  </p:par>
+                </p:childTnLst>
+              </p:cTn>
+              <p:prevCondLst>
+                <p:cond evt="onPrev" delay="0">
+                  <p:tgtEl>
+                    <p:sldTgt/>
+                  </p:tgtEl>
+                </p:cond>
+              </p:prevCondLst>
+              <p:nextCondLst>
+                <p:cond evt="onNext" delay="0">
+                  <p:tgtEl>
+                    <p:sldTgt/>
+                  </p:tgtEl>
+                </p:cond>
+              </p:nextCondLst>
+            </p:seq>
+          </p:childTnLst>
+        </p:cTn>
+      </p:par>
+    </p:tnLst>
+    <p:bldLst>
+      <p:bldP spid="7" grpId="0"/>
+    </p:bldLst>
+  </p:timing>
+</p:sld>
+</file>
+
+<file path=ppt/slides/slide21.xml><?xml version="1.0" encoding="utf-8"?>
 <p:sld xmlns:a="http://schemas.openxmlformats.org/drawingml/2006/main" xmlns:r="http://schemas.openxmlformats.org/officeDocument/2006/relationships" xmlns:p="http://schemas.openxmlformats.org/presentationml/2006/main">
   <p:cSld>
     <p:bg>
@@ -17065,8 +18459,8 @@
         </p:nvSpPr>
         <p:spPr>
           <a:xfrm>
-            <a:off x="1511929" y="2690452"/>
-            <a:ext cx="6793620" cy="812530"/>
+            <a:off x="1132115" y="2889628"/>
+            <a:ext cx="7263969" cy="812530"/>
           </a:xfrm>
           <a:prstGeom prst="rect">
             <a:avLst/>
@@ -17085,89 +18479,53 @@
               </a:lnSpc>
             </a:pPr>
             <a:r>
-              <a:rPr lang="en-US" altLang="zh-CN" sz="3600" dirty="0" smtClean="0">
-                <a:solidFill>
-                  <a:schemeClr val="bg1">
-                    <a:lumMod val="50000"/>
-                  </a:schemeClr>
+              <a:rPr lang="en-US" altLang="zh-CN" sz="3600" b="1" dirty="0" smtClean="0">
+                <a:solidFill>
+                  <a:srgbClr val="68BAAA"/>
                 </a:solidFill>
               </a:rPr>
               <a:t>Docker </a:t>
             </a:r>
             <a:r>
-              <a:rPr lang="en-US" altLang="zh-CN" sz="3600" dirty="0">
-                <a:solidFill>
-                  <a:schemeClr val="bg1">
-                    <a:lumMod val="50000"/>
-                  </a:schemeClr>
+              <a:rPr lang="en-US" altLang="zh-CN" sz="3600" b="1" dirty="0">
+                <a:solidFill>
+                  <a:srgbClr val="68BAAA"/>
                 </a:solidFill>
               </a:rPr>
               <a:t>Volume</a:t>
             </a:r>
             <a:r>
-              <a:rPr lang="zh-CN" altLang="en-US" sz="3600" dirty="0">
-                <a:solidFill>
-                  <a:schemeClr val="bg1">
-                    <a:lumMod val="50000"/>
-                  </a:schemeClr>
-                </a:solidFill>
-              </a:rPr>
-              <a:t>命令实现过程</a:t>
-            </a:r>
-            <a:endParaRPr lang="zh-CN" altLang="en-US" sz="3600" dirty="0">
-              <a:solidFill>
-                <a:schemeClr val="bg1">
-                  <a:lumMod val="50000"/>
-                </a:schemeClr>
-              </a:solidFill>
-            </a:endParaRPr>
-          </a:p>
-        </p:txBody>
-      </p:sp>
-      <p:sp>
-        <p:nvSpPr>
-          <p:cNvPr id="19" name="文本框 18"/>
-          <p:cNvSpPr txBox="1"/>
-          <p:nvPr/>
-        </p:nvSpPr>
-        <p:spPr>
-          <a:xfrm>
-            <a:off x="2560470" y="3544017"/>
-            <a:ext cx="5729839" cy="442878"/>
-          </a:xfrm>
-          <a:prstGeom prst="rect">
-            <a:avLst/>
-          </a:prstGeom>
-          <a:noFill/>
-        </p:spPr>
-        <p:txBody>
-          <a:bodyPr wrap="square" rtlCol="0">
-            <a:spAutoFit/>
-          </a:bodyPr>
-          <a:lstStyle/>
-          <a:p>
-            <a:pPr algn="r">
-              <a:lnSpc>
-                <a:spcPct val="150000"/>
-              </a:lnSpc>
-            </a:pPr>
-            <a:r>
-              <a:rPr lang="en-US" altLang="zh-CN" dirty="0" smtClean="0">
-                <a:solidFill>
-                  <a:schemeClr val="bg1">
-                    <a:lumMod val="50000"/>
-                  </a:schemeClr>
-                </a:solidFill>
-              </a:rPr>
-              <a:t>Docker volume create</a:t>
-            </a:r>
-            <a:endParaRPr lang="zh-CN" altLang="en-US" dirty="0">
-              <a:solidFill>
-                <a:schemeClr val="bg1">
-                  <a:lumMod val="50000"/>
-                </a:schemeClr>
-              </a:solidFill>
-            </a:endParaRPr>
+              <a:rPr lang="zh-CN" altLang="en-US" sz="3600" b="1" dirty="0" smtClean="0">
+                <a:solidFill>
+                  <a:srgbClr val="68BAAA"/>
+                </a:solidFill>
+              </a:rPr>
+              <a:t>命令</a:t>
+            </a:r>
+            <a:r>
+              <a:rPr lang="zh-CN" altLang="en-US" sz="3600" b="1" dirty="0">
+                <a:solidFill>
+                  <a:srgbClr val="68BAAA"/>
+                </a:solidFill>
+              </a:rPr>
+              <a:t>内部</a:t>
+            </a:r>
+            <a:r>
+              <a:rPr lang="zh-CN" altLang="en-US" sz="3600" b="1" dirty="0" smtClean="0">
+                <a:solidFill>
+                  <a:srgbClr val="68BAAA"/>
+                </a:solidFill>
+              </a:rPr>
+              <a:t>实现</a:t>
+            </a:r>
+            <a:r>
+              <a:rPr lang="zh-CN" altLang="en-US" sz="3600" b="1" dirty="0">
+                <a:solidFill>
+                  <a:srgbClr val="68BAAA"/>
+                </a:solidFill>
+              </a:rPr>
+              <a:t>过程</a:t>
+            </a:r>
           </a:p>
         </p:txBody>
       </p:sp>
@@ -17710,44 +19068,6 @@
                                   </p:childTnLst>
                                 </p:cTn>
                               </p:par>
-                              <p:par>
-                                <p:cTn id="14" presetID="10" presetClass="entr" presetSubtype="0" fill="hold" grpId="0" nodeType="withEffect">
-                                  <p:stCondLst>
-                                    <p:cond delay="0"/>
-                                  </p:stCondLst>
-                                  <p:iterate type="wd">
-                                    <p:tmPct val="10000"/>
-                                  </p:iterate>
-                                  <p:childTnLst>
-                                    <p:set>
-                                      <p:cBhvr>
-                                        <p:cTn id="15" dur="1" fill="hold">
-                                          <p:stCondLst>
-                                            <p:cond delay="0"/>
-                                          </p:stCondLst>
-                                        </p:cTn>
-                                        <p:tgtEl>
-                                          <p:spTgt spid="19"/>
-                                        </p:tgtEl>
-                                        <p:attrNameLst>
-                                          <p:attrName>style.visibility</p:attrName>
-                                        </p:attrNameLst>
-                                      </p:cBhvr>
-                                      <p:to>
-                                        <p:strVal val="visible"/>
-                                      </p:to>
-                                    </p:set>
-                                    <p:animEffect transition="in" filter="fade">
-                                      <p:cBhvr>
-                                        <p:cTn id="16" dur="500"/>
-                                        <p:tgtEl>
-                                          <p:spTgt spid="19"/>
-                                        </p:tgtEl>
-                                      </p:cBhvr>
-                                    </p:animEffect>
-                                  </p:childTnLst>
-                                </p:cTn>
-                              </p:par>
                             </p:childTnLst>
                           </p:cTn>
                         </p:par>
@@ -17777,13 +19097,12 @@
     </p:tnLst>
     <p:bldLst>
       <p:bldP spid="18" grpId="0"/>
-      <p:bldP spid="19" grpId="0"/>
     </p:bldLst>
   </p:timing>
 </p:sld>
 </file>
 
-<file path=ppt/slides/slide21.xml><?xml version="1.0" encoding="utf-8"?>
+<file path=ppt/slides/slide22.xml><?xml version="1.0" encoding="utf-8"?>
 <p:sld xmlns:a="http://schemas.openxmlformats.org/drawingml/2006/main" xmlns:r="http://schemas.openxmlformats.org/officeDocument/2006/relationships" xmlns:p="http://schemas.openxmlformats.org/presentationml/2006/main">
   <p:cSld>
     <p:spTree>
@@ -17800,28 +19119,6 @@
           <a:chExt cx="0" cy="0"/>
         </a:xfrm>
       </p:grpSpPr>
-      <p:graphicFrame>
-        <p:nvGraphicFramePr>
-          <p:cNvPr id="29" name="图表 28"/>
-          <p:cNvGraphicFramePr/>
-          <p:nvPr>
-            <p:extLst>
-              <p:ext uri="{D42A27DB-BD31-4B8C-83A1-F6EECF244321}">
-                <p14:modId xmlns:p14="http://schemas.microsoft.com/office/powerpoint/2010/main" val="4279148223"/>
-              </p:ext>
-            </p:extLst>
-          </p:nvPr>
-        </p:nvGraphicFramePr>
-        <p:xfrm>
-          <a:off x="9974414" y="4877010"/>
-          <a:ext cx="2400297" cy="1600199"/>
-        </p:xfrm>
-        <a:graphic>
-          <a:graphicData uri="http://schemas.openxmlformats.org/drawingml/2006/chart">
-            <c:chart xmlns:c="http://schemas.openxmlformats.org/drawingml/2006/chart" xmlns:r="http://schemas.openxmlformats.org/officeDocument/2006/relationships" r:id="rId2"/>
-          </a:graphicData>
-        </a:graphic>
-      </p:graphicFrame>
       <p:sp>
         <p:nvSpPr>
           <p:cNvPr id="2" name="AutoShape 2" descr="这里写图片描述"/>
@@ -18248,7 +19545,7 @@
         <p:spPr>
           <a:xfrm>
             <a:off x="890861" y="370867"/>
-            <a:ext cx="2954655" cy="369332"/>
+            <a:ext cx="3070071" cy="369332"/>
           </a:xfrm>
           <a:prstGeom prst="rect">
             <a:avLst/>
@@ -18282,7 +19579,7 @@
                   <a:schemeClr val="bg2"/>
                 </a:solidFill>
               </a:rPr>
-              <a:t>crate </a:t>
+              <a:t>remove </a:t>
             </a:r>
             <a:r>
               <a:rPr lang="zh-CN" altLang="en-US" dirty="0" smtClean="0">
@@ -18339,70 +19636,6 @@
           </a:p>
         </p:txBody>
       </p:sp>
-      <p:pic>
-        <p:nvPicPr>
-          <p:cNvPr id="15364" name="Picture 4"/>
-          <p:cNvPicPr>
-            <a:picLocks noChangeAspect="1" noChangeArrowheads="1"/>
-          </p:cNvPicPr>
-          <p:nvPr/>
-        </p:nvPicPr>
-        <p:blipFill>
-          <a:blip r:embed="rId3" cstate="print">
-            <a:extLst>
-              <a:ext uri="{28A0092B-C50C-407E-A947-70E740481C1C}">
-                <a14:useLocalDpi xmlns:a14="http://schemas.microsoft.com/office/drawing/2010/main" val="0"/>
-              </a:ext>
-            </a:extLst>
-          </a:blip>
-          <a:srcRect/>
-          <a:stretch>
-            <a:fillRect/>
-          </a:stretch>
-        </p:blipFill>
-        <p:spPr bwMode="auto">
-          <a:xfrm>
-            <a:off x="1075340" y="892286"/>
-            <a:ext cx="9508161" cy="5381765"/>
-          </a:xfrm>
-          <a:prstGeom prst="rect">
-            <a:avLst/>
-          </a:prstGeom>
-          <a:noFill/>
-          <a:ln>
-            <a:noFill/>
-          </a:ln>
-          <a:effectLst/>
-          <a:extLst>
-            <a:ext uri="{909E8E84-426E-40DD-AFC4-6F175D3DCCD1}">
-              <a14:hiddenFill xmlns:a14="http://schemas.microsoft.com/office/drawing/2010/main">
-                <a:solidFill>
-                  <a:schemeClr val="accent1"/>
-                </a:solidFill>
-              </a14:hiddenFill>
-            </a:ext>
-            <a:ext uri="{91240B29-F687-4F45-9708-019B960494DF}">
-              <a14:hiddenLine xmlns:a14="http://schemas.microsoft.com/office/drawing/2010/main" w="9525">
-                <a:solidFill>
-                  <a:schemeClr val="tx1"/>
-                </a:solidFill>
-                <a:miter lim="800000"/>
-                <a:headEnd/>
-                <a:tailEnd/>
-              </a14:hiddenLine>
-            </a:ext>
-            <a:ext uri="{AF507438-7753-43E0-B8FC-AC1667EBCBE1}">
-              <a14:hiddenEffects xmlns:a14="http://schemas.microsoft.com/office/drawing/2010/main">
-                <a:effectLst>
-                  <a:outerShdw dist="35921" dir="2700000" algn="ctr" rotWithShape="0">
-                    <a:schemeClr val="bg2"/>
-                  </a:outerShdw>
-                </a:effectLst>
-              </a14:hiddenEffects>
-            </a:ext>
-          </a:extLst>
-        </p:spPr>
-      </p:pic>
       <p:sp>
         <p:nvSpPr>
           <p:cNvPr id="5" name="圆角矩形 4"/>
@@ -18449,6 +19682,70 @@
           </a:p>
         </p:txBody>
       </p:sp>
+      <p:pic>
+        <p:nvPicPr>
+          <p:cNvPr id="13314" name="Picture 2"/>
+          <p:cNvPicPr>
+            <a:picLocks noChangeAspect="1" noChangeArrowheads="1"/>
+          </p:cNvPicPr>
+          <p:nvPr/>
+        </p:nvPicPr>
+        <p:blipFill>
+          <a:blip r:embed="rId2" cstate="print">
+            <a:extLst>
+              <a:ext uri="{28A0092B-C50C-407E-A947-70E740481C1C}">
+                <a14:useLocalDpi xmlns:a14="http://schemas.microsoft.com/office/drawing/2010/main" val="0"/>
+              </a:ext>
+            </a:extLst>
+          </a:blip>
+          <a:srcRect/>
+          <a:stretch>
+            <a:fillRect/>
+          </a:stretch>
+        </p:blipFill>
+        <p:spPr bwMode="auto">
+          <a:xfrm>
+            <a:off x="1041149" y="1086407"/>
+            <a:ext cx="9768689" cy="5142369"/>
+          </a:xfrm>
+          <a:prstGeom prst="rect">
+            <a:avLst/>
+          </a:prstGeom>
+          <a:noFill/>
+          <a:ln>
+            <a:noFill/>
+          </a:ln>
+          <a:effectLst/>
+          <a:extLst>
+            <a:ext uri="{909E8E84-426E-40DD-AFC4-6F175D3DCCD1}">
+              <a14:hiddenFill xmlns:a14="http://schemas.microsoft.com/office/drawing/2010/main">
+                <a:solidFill>
+                  <a:schemeClr val="accent1"/>
+                </a:solidFill>
+              </a14:hiddenFill>
+            </a:ext>
+            <a:ext uri="{91240B29-F687-4F45-9708-019B960494DF}">
+              <a14:hiddenLine xmlns:a14="http://schemas.microsoft.com/office/drawing/2010/main" w="9525">
+                <a:solidFill>
+                  <a:schemeClr val="tx1"/>
+                </a:solidFill>
+                <a:miter lim="800000"/>
+                <a:headEnd/>
+                <a:tailEnd/>
+              </a14:hiddenLine>
+            </a:ext>
+            <a:ext uri="{AF507438-7753-43E0-B8FC-AC1667EBCBE1}">
+              <a14:hiddenEffects xmlns:a14="http://schemas.microsoft.com/office/drawing/2010/main">
+                <a:effectLst>
+                  <a:outerShdw dist="35921" dir="2700000" algn="ctr" rotWithShape="0">
+                    <a:schemeClr val="bg2"/>
+                  </a:outerShdw>
+                </a:effectLst>
+              </a14:hiddenEffects>
+            </a:ext>
+          </a:extLst>
+        </p:spPr>
+      </p:pic>
     </p:spTree>
     <p:extLst>
       <p:ext uri="{BB962C8B-B14F-4D97-AF65-F5344CB8AC3E}">
@@ -18459,114 +19756,20 @@
   <p:clrMapOvr>
     <a:masterClrMapping/>
   </p:clrMapOvr>
-  <p:transition spd="med">
-    <p:pull/>
+  <p:transition spd="slow">
+    <p:push/>
   </p:transition>
   <p:timing>
     <p:tnLst>
       <p:par>
-        <p:cTn id="1" dur="indefinite" restart="never" nodeType="tmRoot">
-          <p:childTnLst>
-            <p:seq concurrent="1" nextAc="seek">
-              <p:cTn id="2" dur="indefinite" nodeType="mainSeq">
-                <p:childTnLst>
-                  <p:par>
-                    <p:cTn id="3" fill="hold">
-                      <p:stCondLst>
-                        <p:cond delay="indefinite"/>
-                        <p:cond evt="onBegin" delay="0">
-                          <p:tn val="2"/>
-                        </p:cond>
-                      </p:stCondLst>
-                      <p:childTnLst>
-                        <p:par>
-                          <p:cTn id="4" fill="hold">
-                            <p:stCondLst>
-                              <p:cond delay="0"/>
-                            </p:stCondLst>
-                            <p:childTnLst>
-                              <p:par>
-                                <p:cTn id="5" presetID="21" presetClass="entr" presetSubtype="1" fill="hold" grpId="0" nodeType="afterEffect">
-                                  <p:stCondLst>
-                                    <p:cond delay="0"/>
-                                  </p:stCondLst>
-                                  <p:childTnLst>
-                                    <p:set>
-                                      <p:cBhvr>
-                                        <p:cTn id="6" dur="1" fill="hold">
-                                          <p:stCondLst>
-                                            <p:cond delay="0"/>
-                                          </p:stCondLst>
-                                        </p:cTn>
-                                        <p:tgtEl>
-                                          <p:spTgt spid="29">
-                                            <p:graphicEl>
-                                              <a:chart seriesIdx="-3" categoryIdx="-3" bldStep="gridLegend"/>
-                                            </p:graphicEl>
-                                          </p:spTgt>
-                                        </p:tgtEl>
-                                        <p:attrNameLst>
-                                          <p:attrName>style.visibility</p:attrName>
-                                        </p:attrNameLst>
-                                      </p:cBhvr>
-                                      <p:to>
-                                        <p:strVal val="visible"/>
-                                      </p:to>
-                                    </p:set>
-                                    <p:animEffect transition="in" filter="wheel(1)">
-                                      <p:cBhvr>
-                                        <p:cTn id="7" dur="750"/>
-                                        <p:tgtEl>
-                                          <p:spTgt spid="29">
-                                            <p:graphicEl>
-                                              <a:chart seriesIdx="-3" categoryIdx="-3" bldStep="gridLegend"/>
-                                            </p:graphicEl>
-                                          </p:spTgt>
-                                        </p:tgtEl>
-                                      </p:cBhvr>
-                                    </p:animEffect>
-                                  </p:childTnLst>
-                                </p:cTn>
-                              </p:par>
-                            </p:childTnLst>
-                          </p:cTn>
-                        </p:par>
-                      </p:childTnLst>
-                    </p:cTn>
-                  </p:par>
-                </p:childTnLst>
-              </p:cTn>
-              <p:prevCondLst>
-                <p:cond evt="onPrev" delay="0">
-                  <p:tgtEl>
-                    <p:sldTgt/>
-                  </p:tgtEl>
-                </p:cond>
-              </p:prevCondLst>
-              <p:nextCondLst>
-                <p:cond evt="onNext" delay="0">
-                  <p:tgtEl>
-                    <p:sldTgt/>
-                  </p:tgtEl>
-                </p:cond>
-              </p:nextCondLst>
-            </p:seq>
-          </p:childTnLst>
-        </p:cTn>
+        <p:cTn id="1" dur="indefinite" restart="never" nodeType="tmRoot"/>
       </p:par>
     </p:tnLst>
-    <p:bldLst>
-      <p:bldGraphic spid="29" grpId="0">
-        <p:bldSub>
-          <a:bldChart bld="category"/>
-        </p:bldSub>
-      </p:bldGraphic>
-    </p:bldLst>
   </p:timing>
 </p:sld>
 </file>
 
-<file path=ppt/slides/slide22.xml><?xml version="1.0" encoding="utf-8"?>
+<file path=ppt/slides/slide23.xml><?xml version="1.0" encoding="utf-8"?>
 <p:sld xmlns:a="http://schemas.openxmlformats.org/drawingml/2006/main" xmlns:r="http://schemas.openxmlformats.org/officeDocument/2006/relationships" xmlns:p="http://schemas.openxmlformats.org/presentationml/2006/main">
   <p:cSld>
     <p:spTree>
@@ -19181,8 +20384,8 @@
   <p:clrMapOvr>
     <a:masterClrMapping/>
   </p:clrMapOvr>
-  <p:transition spd="med">
-    <p:pull/>
+  <p:transition spd="slow">
+    <p:push/>
   </p:transition>
   <p:timing>
     <p:tnLst>
@@ -19194,7 +20397,7 @@
 </p:sld>
 </file>
 
-<file path=ppt/slides/slide23.xml><?xml version="1.0" encoding="utf-8"?>
+<file path=ppt/slides/slide24.xml><?xml version="1.0" encoding="utf-8"?>
 <p:sld xmlns:a="http://schemas.openxmlformats.org/drawingml/2006/main" xmlns:r="http://schemas.openxmlformats.org/officeDocument/2006/relationships" xmlns:p="http://schemas.openxmlformats.org/presentationml/2006/main">
   <p:cSld>
     <p:bg>
@@ -19736,7 +20939,7 @@
           <a:p>
             <a:pPr algn="r"/>
             <a:r>
-              <a:rPr lang="en-US" altLang="zh-CN" sz="4800" dirty="0" smtClean="0">
+              <a:rPr lang="en-US" altLang="zh-CN" sz="4800" b="1" dirty="0" smtClean="0">
                 <a:solidFill>
                   <a:srgbClr val="F7C17F"/>
                 </a:solidFill>
@@ -19746,7 +20949,7 @@
               <a:t>Docker </a:t>
             </a:r>
             <a:r>
-              <a:rPr lang="zh-CN" altLang="en-US" sz="4800" dirty="0" smtClean="0">
+              <a:rPr lang="zh-CN" altLang="en-US" sz="4800" b="1" dirty="0" smtClean="0">
                 <a:solidFill>
                   <a:srgbClr val="F7C17F"/>
                 </a:solidFill>
@@ -19755,7 +20958,7 @@
               </a:rPr>
               <a:t>存储方式</a:t>
             </a:r>
-            <a:endParaRPr lang="zh-CN" altLang="en-US" sz="4800" dirty="0">
+            <a:endParaRPr lang="zh-CN" altLang="en-US" sz="4800" b="1" dirty="0">
               <a:solidFill>
                 <a:srgbClr val="F7C17F"/>
               </a:solidFill>
@@ -19793,7 +20996,7 @@
               </a:lnSpc>
             </a:pPr>
             <a:r>
-              <a:rPr lang="zh-CN" altLang="en-US" sz="2000" dirty="0" smtClean="0">
+              <a:rPr lang="zh-CN" altLang="en-US" sz="2000" b="1" dirty="0" smtClean="0">
                 <a:solidFill>
                   <a:schemeClr val="bg2"/>
                 </a:solidFill>
@@ -19803,7 +21006,7 @@
               <a:t>为什么</a:t>
             </a:r>
             <a:r>
-              <a:rPr lang="zh-CN" altLang="zh-CN" sz="2000" dirty="0">
+              <a:rPr lang="zh-CN" altLang="zh-CN" sz="2000" b="1" dirty="0">
                 <a:solidFill>
                   <a:schemeClr val="bg2"/>
                 </a:solidFill>
@@ -19813,7 +21016,7 @@
               <a:t>需要</a:t>
             </a:r>
             <a:r>
-              <a:rPr lang="en-US" altLang="zh-CN" sz="2000" dirty="0">
+              <a:rPr lang="en-US" altLang="zh-CN" sz="2000" b="1" dirty="0">
                 <a:solidFill>
                   <a:schemeClr val="bg2"/>
                 </a:solidFill>
@@ -19823,7 +21026,7 @@
               <a:t>Volume</a:t>
             </a:r>
             <a:r>
-              <a:rPr lang="zh-CN" altLang="zh-CN" sz="2000" dirty="0">
+              <a:rPr lang="zh-CN" altLang="zh-CN" sz="2000" b="1" dirty="0">
                 <a:solidFill>
                   <a:schemeClr val="bg2"/>
                 </a:solidFill>
@@ -19833,7 +21036,7 @@
               <a:t>这样的数据</a:t>
             </a:r>
             <a:r>
-              <a:rPr lang="zh-CN" altLang="zh-CN" sz="2000" dirty="0" smtClean="0">
+              <a:rPr lang="zh-CN" altLang="zh-CN" sz="2000" b="1" dirty="0" smtClean="0">
                 <a:solidFill>
                   <a:schemeClr val="bg2"/>
                 </a:solidFill>
@@ -19843,7 +21046,7 @@
               <a:t>接口</a:t>
             </a:r>
             <a:r>
-              <a:rPr lang="zh-CN" altLang="en-US" sz="2000" dirty="0" smtClean="0">
+              <a:rPr lang="zh-CN" altLang="en-US" sz="2000" b="1" dirty="0" smtClean="0">
                 <a:solidFill>
                   <a:schemeClr val="bg2"/>
                 </a:solidFill>
@@ -19852,7 +21055,7 @@
               </a:rPr>
               <a:t>？</a:t>
             </a:r>
-            <a:endParaRPr lang="en-US" altLang="zh-CN" sz="2000" dirty="0">
+            <a:endParaRPr lang="en-US" altLang="zh-CN" sz="2000" b="1" dirty="0">
               <a:solidFill>
                 <a:schemeClr val="bg2"/>
               </a:solidFill>
@@ -19867,7 +21070,7 @@
               </a:lnSpc>
             </a:pPr>
             <a:r>
-              <a:rPr lang="en-US" altLang="zh-CN" sz="2000" dirty="0" smtClean="0">
+              <a:rPr lang="en-US" altLang="zh-CN" sz="2000" b="1" dirty="0" smtClean="0">
                 <a:solidFill>
                   <a:schemeClr val="bg2"/>
                 </a:solidFill>
@@ -19877,7 +21080,7 @@
               <a:t>Volume plugin</a:t>
             </a:r>
             <a:r>
-              <a:rPr lang="zh-CN" altLang="en-US" sz="2000" dirty="0">
+              <a:rPr lang="zh-CN" altLang="en-US" sz="2000" b="1" dirty="0">
                 <a:solidFill>
                   <a:schemeClr val="bg2"/>
                 </a:solidFill>
@@ -19887,7 +21090,7 @@
               <a:t> 简介</a:t>
             </a:r>
             <a:r>
-              <a:rPr lang="en-US" altLang="zh-CN" sz="2000" dirty="0" smtClean="0">
+              <a:rPr lang="en-US" altLang="zh-CN" sz="2000" b="1" dirty="0" smtClean="0">
                 <a:solidFill>
                   <a:schemeClr val="bg2"/>
                 </a:solidFill>
@@ -19904,7 +21107,7 @@
               </a:lnSpc>
             </a:pPr>
             <a:r>
-              <a:rPr lang="en-US" altLang="zh-CN" sz="2000" dirty="0" smtClean="0">
+              <a:rPr lang="en-US" altLang="zh-CN" sz="2000" b="1" dirty="0" smtClean="0">
                 <a:solidFill>
                   <a:schemeClr val="bg2"/>
                 </a:solidFill>
@@ -19914,7 +21117,7 @@
               <a:t>Container</a:t>
             </a:r>
             <a:r>
-              <a:rPr lang="zh-CN" altLang="en-US" sz="2000" dirty="0" smtClean="0">
+              <a:rPr lang="zh-CN" altLang="en-US" sz="2000" b="1" dirty="0" smtClean="0">
                 <a:solidFill>
                   <a:schemeClr val="bg2"/>
                 </a:solidFill>
@@ -19924,7 +21127,7 @@
               <a:t>和</a:t>
             </a:r>
             <a:r>
-              <a:rPr lang="en-US" altLang="zh-CN" sz="2000" dirty="0" smtClean="0">
+              <a:rPr lang="en-US" altLang="zh-CN" sz="2000" b="1" dirty="0" smtClean="0">
                 <a:solidFill>
                   <a:schemeClr val="bg2"/>
                 </a:solidFill>
@@ -19933,7 +21136,7 @@
               </a:rPr>
               <a:t>volume</a:t>
             </a:r>
-            <a:endParaRPr lang="en-US" altLang="zh-CN" sz="2000" dirty="0">
+            <a:endParaRPr lang="en-US" altLang="zh-CN" sz="2000" b="1" dirty="0">
               <a:solidFill>
                 <a:schemeClr val="bg2"/>
               </a:solidFill>
@@ -20281,36 +21484,79 @@
           </p:txBody>
         </p:sp>
       </p:grpSp>
-      <p:cxnSp>
-        <p:nvCxnSpPr>
-          <p:cNvPr id="27" name="直接连接符 26"/>
-          <p:cNvCxnSpPr/>
+      <p:sp>
+        <p:nvSpPr>
+          <p:cNvPr id="13" name="矩形 12"/>
+          <p:cNvSpPr/>
           <p:nvPr/>
-        </p:nvCxnSpPr>
+        </p:nvSpPr>
         <p:spPr>
           <a:xfrm>
-            <a:off x="4383310" y="784215"/>
-            <a:ext cx="7812000" cy="9180"/>
+            <a:off x="4215903" y="807424"/>
+            <a:ext cx="8280000" cy="36000"/>
           </a:xfrm>
-          <a:prstGeom prst="line">
+          <a:prstGeom prst="rect">
             <a:avLst/>
           </a:prstGeom>
+          <a:gradFill flip="none" rotWithShape="1">
+            <a:gsLst>
+              <a:gs pos="25000">
+                <a:srgbClr val="EDAC5D"/>
+              </a:gs>
+              <a:gs pos="0">
+                <a:schemeClr val="accent3"/>
+              </a:gs>
+              <a:gs pos="25000">
+                <a:schemeClr val="accent2"/>
+              </a:gs>
+              <a:gs pos="50000">
+                <a:schemeClr val="accent2"/>
+              </a:gs>
+              <a:gs pos="100000">
+                <a:schemeClr val="accent4"/>
+              </a:gs>
+              <a:gs pos="75000">
+                <a:schemeClr val="accent4"/>
+              </a:gs>
+              <a:gs pos="74000">
+                <a:schemeClr val="accent1"/>
+              </a:gs>
+              <a:gs pos="50000">
+                <a:schemeClr val="accent1"/>
+              </a:gs>
+            </a:gsLst>
+            <a:lin ang="0" scaled="1"/>
+            <a:tileRect/>
+          </a:gradFill>
+          <a:ln>
+            <a:noFill/>
+          </a:ln>
         </p:spPr>
         <p:style>
-          <a:lnRef idx="1">
-            <a:schemeClr val="accent1"/>
+          <a:lnRef idx="2">
+            <a:schemeClr val="accent1">
+              <a:shade val="50000"/>
+            </a:schemeClr>
           </a:lnRef>
-          <a:fillRef idx="0">
+          <a:fillRef idx="1">
             <a:schemeClr val="accent1"/>
           </a:fillRef>
           <a:effectRef idx="0">
             <a:schemeClr val="accent1"/>
           </a:effectRef>
           <a:fontRef idx="minor">
-            <a:schemeClr val="tx1"/>
+            <a:schemeClr val="lt1"/>
           </a:fontRef>
         </p:style>
-      </p:cxnSp>
+        <p:txBody>
+          <a:bodyPr rtlCol="0" anchor="ctr"/>
+          <a:lstStyle/>
+          <a:p>
+            <a:pPr algn="ctr"/>
+            <a:endParaRPr lang="zh-CN" altLang="en-US"/>
+          </a:p>
+        </p:txBody>
+      </p:sp>
     </p:spTree>
     <p:extLst>
       <p:ext uri="{BB962C8B-B14F-4D97-AF65-F5344CB8AC3E}">
@@ -22114,10 +23360,40 @@
                 <a:latin typeface="Cambria Math" panose="02040503050406030204" pitchFamily="18" charset="0"/>
                 <a:ea typeface="Cambria Math" panose="02040503050406030204" pitchFamily="18" charset="0"/>
               </a:rPr>
-              <a:t>，它们提供了接口支持镜像分层与写时复制机制</a:t>
-            </a:r>
-            <a:r>
-              <a:rPr lang="en-US" altLang="zh-CN" sz="2000" dirty="0">
+              <a:t>，它们提供了接口支持</a:t>
+            </a:r>
+            <a:r>
+              <a:rPr lang="zh-CN" altLang="en-US" sz="2000" b="1" dirty="0">
+                <a:solidFill>
+                  <a:schemeClr val="bg2"/>
+                </a:solidFill>
+                <a:latin typeface="Cambria Math" panose="02040503050406030204" pitchFamily="18" charset="0"/>
+                <a:ea typeface="Cambria Math" panose="02040503050406030204" pitchFamily="18" charset="0"/>
+              </a:rPr>
+              <a:t>镜像分层</a:t>
+            </a:r>
+            <a:r>
+              <a:rPr lang="zh-CN" altLang="en-US" sz="2000" dirty="0">
+                <a:solidFill>
+                  <a:schemeClr val="bg2"/>
+                </a:solidFill>
+                <a:latin typeface="Cambria Math" panose="02040503050406030204" pitchFamily="18" charset="0"/>
+                <a:ea typeface="Cambria Math" panose="02040503050406030204" pitchFamily="18" charset="0"/>
+              </a:rPr>
+              <a:t>与</a:t>
+            </a:r>
+            <a:r>
+              <a:rPr lang="zh-CN" altLang="en-US" sz="2000" b="1" dirty="0">
+                <a:solidFill>
+                  <a:schemeClr val="bg2"/>
+                </a:solidFill>
+                <a:latin typeface="Cambria Math" panose="02040503050406030204" pitchFamily="18" charset="0"/>
+                <a:ea typeface="Cambria Math" panose="02040503050406030204" pitchFamily="18" charset="0"/>
+              </a:rPr>
+              <a:t>写时复制机制</a:t>
+            </a:r>
+            <a:r>
+              <a:rPr lang="en-US" altLang="zh-CN" sz="2000" b="1" dirty="0">
                 <a:solidFill>
                   <a:schemeClr val="bg2"/>
                 </a:solidFill>
@@ -22810,7 +24086,7 @@
         <p:spPr>
           <a:xfrm>
             <a:off x="795224" y="378662"/>
-            <a:ext cx="2157412" cy="461665"/>
+            <a:ext cx="2157412" cy="504369"/>
           </a:xfrm>
           <a:prstGeom prst="rect">
             <a:avLst/>
@@ -22836,16 +24112,23 @@
             </a:lvl1pPr>
           </a:lstStyle>
           <a:p>
-            <a:pPr algn="l"/>
-            <a:r>
-              <a:rPr lang="en-US" altLang="zh-CN" dirty="0" smtClean="0"/>
+            <a:pPr algn="l">
+              <a:lnSpc>
+                <a:spcPct val="130000"/>
+              </a:lnSpc>
+            </a:pPr>
+            <a:r>
+              <a:rPr lang="en-US" altLang="zh-CN" b="1" dirty="0">
+                <a:latin typeface="+mn-ea"/>
+              </a:rPr>
               <a:t>Docker</a:t>
             </a:r>
             <a:r>
-              <a:rPr lang="zh-CN" altLang="en-US" dirty="0" smtClean="0"/>
+              <a:rPr lang="zh-CN" altLang="en-US" b="1" dirty="0">
+                <a:latin typeface="+mn-ea"/>
+              </a:rPr>
               <a:t>存储</a:t>
             </a:r>
-            <a:endParaRPr lang="zh-CN" altLang="en-US" dirty="0"/>
           </a:p>
         </p:txBody>
       </p:sp>
@@ -22858,7 +24141,7 @@
         <p:spPr>
           <a:xfrm>
             <a:off x="819039" y="741676"/>
-            <a:ext cx="4033618" cy="400110"/>
+            <a:ext cx="4033618" cy="369332"/>
           </a:xfrm>
           <a:prstGeom prst="rect">
             <a:avLst/>
@@ -22886,42 +24169,17 @@
           <a:p>
             <a:pPr algn="l"/>
             <a:r>
-              <a:rPr lang="zh-CN" altLang="en-US" sz="2000" dirty="0" smtClean="0">
-                <a:solidFill>
-                  <a:schemeClr val="bg2"/>
-                </a:solidFill>
-              </a:rPr>
+              <a:rPr lang="zh-CN" altLang="en-US" b="1" dirty="0"/>
               <a:t>为什么需要</a:t>
             </a:r>
             <a:r>
-              <a:rPr lang="en-US" altLang="zh-CN" sz="2000" dirty="0" smtClean="0">
-                <a:solidFill>
-                  <a:schemeClr val="bg2"/>
-                </a:solidFill>
-              </a:rPr>
+              <a:rPr lang="en-US" altLang="zh-CN" b="1" dirty="0"/>
               <a:t>Volume</a:t>
             </a:r>
             <a:r>
-              <a:rPr lang="zh-CN" altLang="en-US" sz="2000" dirty="0" smtClean="0">
-                <a:solidFill>
-                  <a:schemeClr val="bg2"/>
-                </a:solidFill>
-              </a:rPr>
-              <a:t>数据接口</a:t>
-            </a:r>
-            <a:r>
-              <a:rPr lang="zh-CN" altLang="en-US" dirty="0" smtClean="0">
-                <a:solidFill>
-                  <a:schemeClr val="bg2"/>
-                </a:solidFill>
-              </a:rPr>
-              <a:t>？</a:t>
-            </a:r>
-            <a:endParaRPr lang="zh-CN" altLang="en-US" dirty="0">
-              <a:solidFill>
-                <a:schemeClr val="bg2"/>
-              </a:solidFill>
-            </a:endParaRPr>
+              <a:rPr lang="zh-CN" altLang="en-US" b="1" dirty="0"/>
+              <a:t>数据接口？</a:t>
+            </a:r>
           </a:p>
         </p:txBody>
       </p:sp>
@@ -22941,303 +24199,7 @@
   <p:timing>
     <p:tnLst>
       <p:par>
-        <p:cTn id="1" dur="indefinite" restart="never" nodeType="tmRoot">
-          <p:childTnLst>
-            <p:seq concurrent="1" nextAc="seek">
-              <p:cTn id="2" dur="indefinite" nodeType="mainSeq">
-                <p:childTnLst>
-                  <p:par>
-                    <p:cTn id="3" fill="hold">
-                      <p:stCondLst>
-                        <p:cond delay="indefinite"/>
-                      </p:stCondLst>
-                      <p:childTnLst>
-                        <p:par>
-                          <p:cTn id="4" fill="hold">
-                            <p:stCondLst>
-                              <p:cond delay="0"/>
-                            </p:stCondLst>
-                            <p:childTnLst>
-                              <p:par>
-                                <p:cTn id="5" presetID="2" presetClass="entr" presetSubtype="4" decel="100000" fill="hold" nodeType="clickEffect">
-                                  <p:stCondLst>
-                                    <p:cond delay="0"/>
-                                  </p:stCondLst>
-                                  <p:childTnLst>
-                                    <p:set>
-                                      <p:cBhvr>
-                                        <p:cTn id="6" dur="1" fill="hold">
-                                          <p:stCondLst>
-                                            <p:cond delay="0"/>
-                                          </p:stCondLst>
-                                        </p:cTn>
-                                        <p:tgtEl>
-                                          <p:spTgt spid="78"/>
-                                        </p:tgtEl>
-                                        <p:attrNameLst>
-                                          <p:attrName>style.visibility</p:attrName>
-                                        </p:attrNameLst>
-                                      </p:cBhvr>
-                                      <p:to>
-                                        <p:strVal val="visible"/>
-                                      </p:to>
-                                    </p:set>
-                                    <p:anim calcmode="lin" valueType="num">
-                                      <p:cBhvr additive="base">
-                                        <p:cTn id="7" dur="500" fill="hold"/>
-                                        <p:tgtEl>
-                                          <p:spTgt spid="78"/>
-                                        </p:tgtEl>
-                                        <p:attrNameLst>
-                                          <p:attrName>ppt_x</p:attrName>
-                                        </p:attrNameLst>
-                                      </p:cBhvr>
-                                      <p:tavLst>
-                                        <p:tav tm="0">
-                                          <p:val>
-                                            <p:strVal val="#ppt_x"/>
-                                          </p:val>
-                                        </p:tav>
-                                        <p:tav tm="100000">
-                                          <p:val>
-                                            <p:strVal val="#ppt_x"/>
-                                          </p:val>
-                                        </p:tav>
-                                      </p:tavLst>
-                                    </p:anim>
-                                    <p:anim calcmode="lin" valueType="num">
-                                      <p:cBhvr additive="base">
-                                        <p:cTn id="8" dur="500" fill="hold"/>
-                                        <p:tgtEl>
-                                          <p:spTgt spid="78"/>
-                                        </p:tgtEl>
-                                        <p:attrNameLst>
-                                          <p:attrName>ppt_y</p:attrName>
-                                        </p:attrNameLst>
-                                      </p:cBhvr>
-                                      <p:tavLst>
-                                        <p:tav tm="0">
-                                          <p:val>
-                                            <p:strVal val="1+#ppt_h/2"/>
-                                          </p:val>
-                                        </p:tav>
-                                        <p:tav tm="100000">
-                                          <p:val>
-                                            <p:strVal val="#ppt_y"/>
-                                          </p:val>
-                                        </p:tav>
-                                      </p:tavLst>
-                                    </p:anim>
-                                  </p:childTnLst>
-                                </p:cTn>
-                              </p:par>
-                            </p:childTnLst>
-                          </p:cTn>
-                        </p:par>
-                      </p:childTnLst>
-                    </p:cTn>
-                  </p:par>
-                  <p:par>
-                    <p:cTn id="9" fill="hold">
-                      <p:stCondLst>
-                        <p:cond delay="indefinite"/>
-                      </p:stCondLst>
-                      <p:childTnLst>
-                        <p:par>
-                          <p:cTn id="10" fill="hold">
-                            <p:stCondLst>
-                              <p:cond delay="0"/>
-                            </p:stCondLst>
-                            <p:childTnLst>
-                              <p:par>
-                                <p:cTn id="11" presetID="2" presetClass="entr" presetSubtype="4" decel="100000" fill="hold" nodeType="clickEffect">
-                                  <p:stCondLst>
-                                    <p:cond delay="0"/>
-                                  </p:stCondLst>
-                                  <p:childTnLst>
-                                    <p:set>
-                                      <p:cBhvr>
-                                        <p:cTn id="12" dur="1" fill="hold">
-                                          <p:stCondLst>
-                                            <p:cond delay="0"/>
-                                          </p:stCondLst>
-                                        </p:cTn>
-                                        <p:tgtEl>
-                                          <p:spTgt spid="77"/>
-                                        </p:tgtEl>
-                                        <p:attrNameLst>
-                                          <p:attrName>style.visibility</p:attrName>
-                                        </p:attrNameLst>
-                                      </p:cBhvr>
-                                      <p:to>
-                                        <p:strVal val="visible"/>
-                                      </p:to>
-                                    </p:set>
-                                    <p:anim calcmode="lin" valueType="num">
-                                      <p:cBhvr additive="base">
-                                        <p:cTn id="13" dur="500" fill="hold"/>
-                                        <p:tgtEl>
-                                          <p:spTgt spid="77"/>
-                                        </p:tgtEl>
-                                        <p:attrNameLst>
-                                          <p:attrName>ppt_x</p:attrName>
-                                        </p:attrNameLst>
-                                      </p:cBhvr>
-                                      <p:tavLst>
-                                        <p:tav tm="0">
-                                          <p:val>
-                                            <p:strVal val="#ppt_x"/>
-                                          </p:val>
-                                        </p:tav>
-                                        <p:tav tm="100000">
-                                          <p:val>
-                                            <p:strVal val="#ppt_x"/>
-                                          </p:val>
-                                        </p:tav>
-                                      </p:tavLst>
-                                    </p:anim>
-                                    <p:anim calcmode="lin" valueType="num">
-                                      <p:cBhvr additive="base">
-                                        <p:cTn id="14" dur="500" fill="hold"/>
-                                        <p:tgtEl>
-                                          <p:spTgt spid="77"/>
-                                        </p:tgtEl>
-                                        <p:attrNameLst>
-                                          <p:attrName>ppt_y</p:attrName>
-                                        </p:attrNameLst>
-                                      </p:cBhvr>
-                                      <p:tavLst>
-                                        <p:tav tm="0">
-                                          <p:val>
-                                            <p:strVal val="1+#ppt_h/2"/>
-                                          </p:val>
-                                        </p:tav>
-                                        <p:tav tm="100000">
-                                          <p:val>
-                                            <p:strVal val="#ppt_y"/>
-                                          </p:val>
-                                        </p:tav>
-                                      </p:tavLst>
-                                    </p:anim>
-                                  </p:childTnLst>
-                                </p:cTn>
-                              </p:par>
-                            </p:childTnLst>
-                          </p:cTn>
-                        </p:par>
-                      </p:childTnLst>
-                    </p:cTn>
-                  </p:par>
-                  <p:par>
-                    <p:cTn id="15" fill="hold">
-                      <p:stCondLst>
-                        <p:cond delay="indefinite"/>
-                      </p:stCondLst>
-                      <p:childTnLst>
-                        <p:par>
-                          <p:cTn id="16" fill="hold">
-                            <p:stCondLst>
-                              <p:cond delay="0"/>
-                            </p:stCondLst>
-                            <p:childTnLst>
-                              <p:par>
-                                <p:cTn id="17" presetID="2" presetClass="entr" presetSubtype="4" decel="100000" fill="hold" nodeType="clickEffect">
-                                  <p:stCondLst>
-                                    <p:cond delay="0"/>
-                                  </p:stCondLst>
-                                  <p:childTnLst>
-                                    <p:set>
-                                      <p:cBhvr>
-                                        <p:cTn id="18" dur="1" fill="hold">
-                                          <p:stCondLst>
-                                            <p:cond delay="0"/>
-                                          </p:stCondLst>
-                                        </p:cTn>
-                                        <p:tgtEl>
-                                          <p:spTgt spid="76"/>
-                                        </p:tgtEl>
-                                        <p:attrNameLst>
-                                          <p:attrName>style.visibility</p:attrName>
-                                        </p:attrNameLst>
-                                      </p:cBhvr>
-                                      <p:to>
-                                        <p:strVal val="visible"/>
-                                      </p:to>
-                                    </p:set>
-                                    <p:anim calcmode="lin" valueType="num">
-                                      <p:cBhvr additive="base">
-                                        <p:cTn id="19" dur="500" fill="hold"/>
-                                        <p:tgtEl>
-                                          <p:spTgt spid="76"/>
-                                        </p:tgtEl>
-                                        <p:attrNameLst>
-                                          <p:attrName>ppt_x</p:attrName>
-                                        </p:attrNameLst>
-                                      </p:cBhvr>
-                                      <p:tavLst>
-                                        <p:tav tm="0">
-                                          <p:val>
-                                            <p:strVal val="#ppt_x"/>
-                                          </p:val>
-                                        </p:tav>
-                                        <p:tav tm="100000">
-                                          <p:val>
-                                            <p:strVal val="#ppt_x"/>
-                                          </p:val>
-                                        </p:tav>
-                                      </p:tavLst>
-                                    </p:anim>
-                                    <p:anim calcmode="lin" valueType="num">
-                                      <p:cBhvr additive="base">
-                                        <p:cTn id="20" dur="500" fill="hold"/>
-                                        <p:tgtEl>
-                                          <p:spTgt spid="76"/>
-                                        </p:tgtEl>
-                                        <p:attrNameLst>
-                                          <p:attrName>ppt_y</p:attrName>
-                                        </p:attrNameLst>
-                                      </p:cBhvr>
-                                      <p:tavLst>
-                                        <p:tav tm="0">
-                                          <p:val>
-                                            <p:strVal val="1+#ppt_h/2"/>
-                                          </p:val>
-                                        </p:tav>
-                                        <p:tav tm="100000">
-                                          <p:val>
-                                            <p:strVal val="#ppt_y"/>
-                                          </p:val>
-                                        </p:tav>
-                                      </p:tavLst>
-                                    </p:anim>
-                                  </p:childTnLst>
-                                </p:cTn>
-                              </p:par>
-                            </p:childTnLst>
-                          </p:cTn>
-                        </p:par>
-                      </p:childTnLst>
-                    </p:cTn>
-                  </p:par>
-                </p:childTnLst>
-              </p:cTn>
-              <p:prevCondLst>
-                <p:cond evt="onPrev" delay="0">
-                  <p:tgtEl>
-                    <p:sldTgt/>
-                  </p:tgtEl>
-                </p:cond>
-              </p:prevCondLst>
-              <p:nextCondLst>
-                <p:cond evt="onNext" delay="0">
-                  <p:tgtEl>
-                    <p:sldTgt/>
-                  </p:tgtEl>
-                </p:cond>
-              </p:nextCondLst>
-            </p:seq>
-          </p:childTnLst>
-        </p:cTn>
+        <p:cTn id="1" dur="indefinite" restart="never" nodeType="tmRoot"/>
       </p:par>
     </p:tnLst>
   </p:timing>
@@ -24529,7 +25491,7 @@
         <p:spPr>
           <a:xfrm>
             <a:off x="1392687" y="5069423"/>
-            <a:ext cx="6148850" cy="1692771"/>
+            <a:ext cx="6148850" cy="1292662"/>
           </a:xfrm>
           <a:prstGeom prst="rect">
             <a:avLst/>
@@ -24565,7 +25527,7 @@
                 <a:latin typeface="Cambria Math" panose="02040503050406030204" pitchFamily="18" charset="0"/>
                 <a:ea typeface="Cambria Math" panose="02040503050406030204" pitchFamily="18" charset="0"/>
               </a:rPr>
-              <a:t>数据卷更是容器间共享数据的基础，数据是存储在容器之外</a:t>
+              <a:t>数据卷更是容器间共享数据的基础</a:t>
             </a:r>
             <a:r>
               <a:rPr lang="zh-CN" altLang="zh-CN" sz="2000" dirty="0" smtClean="0">
@@ -24575,37 +25537,17 @@
                 <a:latin typeface="Cambria Math" panose="02040503050406030204" pitchFamily="18" charset="0"/>
                 <a:ea typeface="Cambria Math" panose="02040503050406030204" pitchFamily="18" charset="0"/>
               </a:rPr>
-              <a:t>的</a:t>
-            </a:r>
-            <a:r>
-              <a:rPr lang="zh-CN" altLang="en-US" sz="2000" dirty="0">
+              <a:t>，容器</a:t>
+            </a:r>
+            <a:r>
+              <a:rPr lang="zh-CN" altLang="zh-CN" sz="2000" dirty="0">
                 <a:solidFill>
                   <a:schemeClr val="bg2"/>
                 </a:solidFill>
                 <a:latin typeface="Cambria Math" panose="02040503050406030204" pitchFamily="18" charset="0"/>
                 <a:ea typeface="Cambria Math" panose="02040503050406030204" pitchFamily="18" charset="0"/>
               </a:rPr>
-              <a:t>，</a:t>
-            </a:r>
-            <a:r>
-              <a:rPr lang="zh-CN" altLang="zh-CN" sz="2000" dirty="0" smtClean="0">
-                <a:solidFill>
-                  <a:schemeClr val="bg2"/>
-                </a:solidFill>
-                <a:latin typeface="Cambria Math" panose="02040503050406030204" pitchFamily="18" charset="0"/>
-                <a:ea typeface="Cambria Math" panose="02040503050406030204" pitchFamily="18" charset="0"/>
-              </a:rPr>
-              <a:t>那么</a:t>
-            </a:r>
-            <a:r>
-              <a:rPr lang="zh-CN" altLang="zh-CN" sz="2000" dirty="0">
-                <a:solidFill>
-                  <a:schemeClr val="bg2"/>
-                </a:solidFill>
-                <a:latin typeface="Cambria Math" panose="02040503050406030204" pitchFamily="18" charset="0"/>
-                <a:ea typeface="Cambria Math" panose="02040503050406030204" pitchFamily="18" charset="0"/>
-              </a:rPr>
-              <a:t>容器间共享同样一个数据卷就能共享数据。为此，</a:t>
+              <a:t>间共享同样一个数据卷就能共享数据。为此，</a:t>
             </a:r>
             <a:r>
               <a:rPr lang="en-US" altLang="zh-CN" sz="2000" dirty="0">
@@ -25089,7 +26031,7 @@
         <p:spPr>
           <a:xfrm>
             <a:off x="795224" y="378662"/>
-            <a:ext cx="2157412" cy="461665"/>
+            <a:ext cx="2157412" cy="504369"/>
           </a:xfrm>
           <a:prstGeom prst="rect">
             <a:avLst/>
@@ -25115,16 +26057,23 @@
             </a:lvl1pPr>
           </a:lstStyle>
           <a:p>
-            <a:pPr algn="l"/>
-            <a:r>
-              <a:rPr lang="en-US" altLang="zh-CN" dirty="0" smtClean="0"/>
+            <a:pPr algn="l">
+              <a:lnSpc>
+                <a:spcPct val="130000"/>
+              </a:lnSpc>
+            </a:pPr>
+            <a:r>
+              <a:rPr lang="en-US" altLang="zh-CN" b="1" dirty="0">
+                <a:latin typeface="+mn-ea"/>
+              </a:rPr>
               <a:t>Docker</a:t>
             </a:r>
             <a:r>
-              <a:rPr lang="zh-CN" altLang="en-US" dirty="0" smtClean="0"/>
+              <a:rPr lang="zh-CN" altLang="en-US" b="1" dirty="0">
+                <a:latin typeface="+mn-ea"/>
+              </a:rPr>
               <a:t>存储</a:t>
             </a:r>
-            <a:endParaRPr lang="zh-CN" altLang="en-US" dirty="0"/>
           </a:p>
         </p:txBody>
       </p:sp>
@@ -25137,7 +26086,7 @@
         <p:spPr>
           <a:xfrm>
             <a:off x="819039" y="741676"/>
-            <a:ext cx="4033618" cy="400110"/>
+            <a:ext cx="4033618" cy="369332"/>
           </a:xfrm>
           <a:prstGeom prst="rect">
             <a:avLst/>
@@ -25165,42 +26114,17 @@
           <a:p>
             <a:pPr algn="l"/>
             <a:r>
-              <a:rPr lang="zh-CN" altLang="en-US" sz="2000" dirty="0" smtClean="0">
-                <a:solidFill>
-                  <a:schemeClr val="bg2"/>
-                </a:solidFill>
-              </a:rPr>
+              <a:rPr lang="zh-CN" altLang="en-US" b="1" dirty="0"/>
               <a:t>为什么需要</a:t>
             </a:r>
             <a:r>
-              <a:rPr lang="en-US" altLang="zh-CN" sz="2000" dirty="0" smtClean="0">
-                <a:solidFill>
-                  <a:schemeClr val="bg2"/>
-                </a:solidFill>
-              </a:rPr>
+              <a:rPr lang="en-US" altLang="zh-CN" b="1" dirty="0"/>
               <a:t>Volume</a:t>
             </a:r>
             <a:r>
-              <a:rPr lang="zh-CN" altLang="en-US" sz="2000" dirty="0" smtClean="0">
-                <a:solidFill>
-                  <a:schemeClr val="bg2"/>
-                </a:solidFill>
-              </a:rPr>
-              <a:t>数据接口</a:t>
-            </a:r>
-            <a:r>
-              <a:rPr lang="zh-CN" altLang="en-US" dirty="0" smtClean="0">
-                <a:solidFill>
-                  <a:schemeClr val="bg2"/>
-                </a:solidFill>
-              </a:rPr>
-              <a:t>？</a:t>
-            </a:r>
-            <a:endParaRPr lang="zh-CN" altLang="en-US" dirty="0">
-              <a:solidFill>
-                <a:schemeClr val="bg2"/>
-              </a:solidFill>
-            </a:endParaRPr>
+              <a:rPr lang="zh-CN" altLang="en-US" b="1" dirty="0"/>
+              <a:t>数据接口？</a:t>
+            </a:r>
           </a:p>
         </p:txBody>
       </p:sp>
@@ -25214,703 +26138,15 @@
   <p:clrMapOvr>
     <a:masterClrMapping/>
   </p:clrMapOvr>
-  <p:transition spd="med">
-    <p:pull/>
+  <p:transition spd="slow">
+    <p:push/>
   </p:transition>
   <p:timing>
     <p:tnLst>
       <p:par>
-        <p:cTn id="1" dur="indefinite" restart="never" nodeType="tmRoot">
-          <p:childTnLst>
-            <p:seq concurrent="1" nextAc="seek">
-              <p:cTn id="2" dur="indefinite" nodeType="mainSeq">
-                <p:childTnLst>
-                  <p:par>
-                    <p:cTn id="3" fill="hold">
-                      <p:stCondLst>
-                        <p:cond delay="indefinite"/>
-                      </p:stCondLst>
-                      <p:childTnLst>
-                        <p:par>
-                          <p:cTn id="4" fill="hold">
-                            <p:stCondLst>
-                              <p:cond delay="0"/>
-                            </p:stCondLst>
-                            <p:childTnLst>
-                              <p:par>
-                                <p:cTn id="5" presetID="2" presetClass="entr" presetSubtype="8" decel="100000" fill="hold" nodeType="clickEffect">
-                                  <p:stCondLst>
-                                    <p:cond delay="0"/>
-                                  </p:stCondLst>
-                                  <p:childTnLst>
-                                    <p:set>
-                                      <p:cBhvr>
-                                        <p:cTn id="6" dur="1" fill="hold">
-                                          <p:stCondLst>
-                                            <p:cond delay="0"/>
-                                          </p:stCondLst>
-                                        </p:cTn>
-                                        <p:tgtEl>
-                                          <p:spTgt spid="46"/>
-                                        </p:tgtEl>
-                                        <p:attrNameLst>
-                                          <p:attrName>style.visibility</p:attrName>
-                                        </p:attrNameLst>
-                                      </p:cBhvr>
-                                      <p:to>
-                                        <p:strVal val="visible"/>
-                                      </p:to>
-                                    </p:set>
-                                    <p:anim calcmode="lin" valueType="num">
-                                      <p:cBhvr additive="base">
-                                        <p:cTn id="7" dur="500" fill="hold"/>
-                                        <p:tgtEl>
-                                          <p:spTgt spid="46"/>
-                                        </p:tgtEl>
-                                        <p:attrNameLst>
-                                          <p:attrName>ppt_x</p:attrName>
-                                        </p:attrNameLst>
-                                      </p:cBhvr>
-                                      <p:tavLst>
-                                        <p:tav tm="0">
-                                          <p:val>
-                                            <p:strVal val="0-#ppt_w/2"/>
-                                          </p:val>
-                                        </p:tav>
-                                        <p:tav tm="100000">
-                                          <p:val>
-                                            <p:strVal val="#ppt_x"/>
-                                          </p:val>
-                                        </p:tav>
-                                      </p:tavLst>
-                                    </p:anim>
-                                    <p:anim calcmode="lin" valueType="num">
-                                      <p:cBhvr additive="base">
-                                        <p:cTn id="8" dur="500" fill="hold"/>
-                                        <p:tgtEl>
-                                          <p:spTgt spid="46"/>
-                                        </p:tgtEl>
-                                        <p:attrNameLst>
-                                          <p:attrName>ppt_y</p:attrName>
-                                        </p:attrNameLst>
-                                      </p:cBhvr>
-                                      <p:tavLst>
-                                        <p:tav tm="0">
-                                          <p:val>
-                                            <p:strVal val="#ppt_y"/>
-                                          </p:val>
-                                        </p:tav>
-                                        <p:tav tm="100000">
-                                          <p:val>
-                                            <p:strVal val="#ppt_y"/>
-                                          </p:val>
-                                        </p:tav>
-                                      </p:tavLst>
-                                    </p:anim>
-                                  </p:childTnLst>
-                                </p:cTn>
-                              </p:par>
-                            </p:childTnLst>
-                          </p:cTn>
-                        </p:par>
-                        <p:par>
-                          <p:cTn id="9" fill="hold">
-                            <p:stCondLst>
-                              <p:cond delay="500"/>
-                            </p:stCondLst>
-                            <p:childTnLst>
-                              <p:par>
-                                <p:cTn id="10" presetID="47" presetClass="entr" presetSubtype="0" fill="hold" grpId="0" nodeType="afterEffect">
-                                  <p:stCondLst>
-                                    <p:cond delay="0"/>
-                                  </p:stCondLst>
-                                  <p:childTnLst>
-                                    <p:set>
-                                      <p:cBhvr>
-                                        <p:cTn id="11" dur="1" fill="hold">
-                                          <p:stCondLst>
-                                            <p:cond delay="0"/>
-                                          </p:stCondLst>
-                                        </p:cTn>
-                                        <p:tgtEl>
-                                          <p:spTgt spid="13"/>
-                                        </p:tgtEl>
-                                        <p:attrNameLst>
-                                          <p:attrName>style.visibility</p:attrName>
-                                        </p:attrNameLst>
-                                      </p:cBhvr>
-                                      <p:to>
-                                        <p:strVal val="visible"/>
-                                      </p:to>
-                                    </p:set>
-                                    <p:animEffect transition="in" filter="fade">
-                                      <p:cBhvr>
-                                        <p:cTn id="12" dur="250"/>
-                                        <p:tgtEl>
-                                          <p:spTgt spid="13"/>
-                                        </p:tgtEl>
-                                      </p:cBhvr>
-                                    </p:animEffect>
-                                    <p:anim calcmode="lin" valueType="num">
-                                      <p:cBhvr>
-                                        <p:cTn id="13" dur="250" fill="hold"/>
-                                        <p:tgtEl>
-                                          <p:spTgt spid="13"/>
-                                        </p:tgtEl>
-                                        <p:attrNameLst>
-                                          <p:attrName>ppt_x</p:attrName>
-                                        </p:attrNameLst>
-                                      </p:cBhvr>
-                                      <p:tavLst>
-                                        <p:tav tm="0">
-                                          <p:val>
-                                            <p:strVal val="#ppt_x"/>
-                                          </p:val>
-                                        </p:tav>
-                                        <p:tav tm="100000">
-                                          <p:val>
-                                            <p:strVal val="#ppt_x"/>
-                                          </p:val>
-                                        </p:tav>
-                                      </p:tavLst>
-                                    </p:anim>
-                                    <p:anim calcmode="lin" valueType="num">
-                                      <p:cBhvr>
-                                        <p:cTn id="14" dur="250" fill="hold"/>
-                                        <p:tgtEl>
-                                          <p:spTgt spid="13"/>
-                                        </p:tgtEl>
-                                        <p:attrNameLst>
-                                          <p:attrName>ppt_y</p:attrName>
-                                        </p:attrNameLst>
-                                      </p:cBhvr>
-                                      <p:tavLst>
-                                        <p:tav tm="0">
-                                          <p:val>
-                                            <p:strVal val="#ppt_y-.1"/>
-                                          </p:val>
-                                        </p:tav>
-                                        <p:tav tm="100000">
-                                          <p:val>
-                                            <p:strVal val="#ppt_y"/>
-                                          </p:val>
-                                        </p:tav>
-                                      </p:tavLst>
-                                    </p:anim>
-                                  </p:childTnLst>
-                                </p:cTn>
-                              </p:par>
-                              <p:par>
-                                <p:cTn id="15" presetID="10" presetClass="entr" presetSubtype="0" fill="hold" grpId="0" nodeType="withEffect">
-                                  <p:stCondLst>
-                                    <p:cond delay="0"/>
-                                  </p:stCondLst>
-                                  <p:iterate type="wd">
-                                    <p:tmPct val="10000"/>
-                                  </p:iterate>
-                                  <p:childTnLst>
-                                    <p:set>
-                                      <p:cBhvr>
-                                        <p:cTn id="16" dur="1" fill="hold">
-                                          <p:stCondLst>
-                                            <p:cond delay="0"/>
-                                          </p:stCondLst>
-                                        </p:cTn>
-                                        <p:tgtEl>
-                                          <p:spTgt spid="14"/>
-                                        </p:tgtEl>
-                                        <p:attrNameLst>
-                                          <p:attrName>style.visibility</p:attrName>
-                                        </p:attrNameLst>
-                                      </p:cBhvr>
-                                      <p:to>
-                                        <p:strVal val="visible"/>
-                                      </p:to>
-                                    </p:set>
-                                    <p:animEffect transition="in" filter="fade">
-                                      <p:cBhvr>
-                                        <p:cTn id="17" dur="500"/>
-                                        <p:tgtEl>
-                                          <p:spTgt spid="14"/>
-                                        </p:tgtEl>
-                                      </p:cBhvr>
-                                    </p:animEffect>
-                                  </p:childTnLst>
-                                </p:cTn>
-                              </p:par>
-                            </p:childTnLst>
-                          </p:cTn>
-                        </p:par>
-                      </p:childTnLst>
-                    </p:cTn>
-                  </p:par>
-                  <p:par>
-                    <p:cTn id="18" fill="hold">
-                      <p:stCondLst>
-                        <p:cond delay="indefinite"/>
-                      </p:stCondLst>
-                      <p:childTnLst>
-                        <p:par>
-                          <p:cTn id="19" fill="hold">
-                            <p:stCondLst>
-                              <p:cond delay="0"/>
-                            </p:stCondLst>
-                            <p:childTnLst>
-                              <p:par>
-                                <p:cTn id="20" presetID="2" presetClass="entr" presetSubtype="8" decel="100000" fill="hold" nodeType="clickEffect">
-                                  <p:stCondLst>
-                                    <p:cond delay="0"/>
-                                  </p:stCondLst>
-                                  <p:childTnLst>
-                                    <p:set>
-                                      <p:cBhvr>
-                                        <p:cTn id="21" dur="1" fill="hold">
-                                          <p:stCondLst>
-                                            <p:cond delay="0"/>
-                                          </p:stCondLst>
-                                        </p:cTn>
-                                        <p:tgtEl>
-                                          <p:spTgt spid="47"/>
-                                        </p:tgtEl>
-                                        <p:attrNameLst>
-                                          <p:attrName>style.visibility</p:attrName>
-                                        </p:attrNameLst>
-                                      </p:cBhvr>
-                                      <p:to>
-                                        <p:strVal val="visible"/>
-                                      </p:to>
-                                    </p:set>
-                                    <p:anim calcmode="lin" valueType="num">
-                                      <p:cBhvr additive="base">
-                                        <p:cTn id="22" dur="500" fill="hold"/>
-                                        <p:tgtEl>
-                                          <p:spTgt spid="47"/>
-                                        </p:tgtEl>
-                                        <p:attrNameLst>
-                                          <p:attrName>ppt_x</p:attrName>
-                                        </p:attrNameLst>
-                                      </p:cBhvr>
-                                      <p:tavLst>
-                                        <p:tav tm="0">
-                                          <p:val>
-                                            <p:strVal val="0-#ppt_w/2"/>
-                                          </p:val>
-                                        </p:tav>
-                                        <p:tav tm="100000">
-                                          <p:val>
-                                            <p:strVal val="#ppt_x"/>
-                                          </p:val>
-                                        </p:tav>
-                                      </p:tavLst>
-                                    </p:anim>
-                                    <p:anim calcmode="lin" valueType="num">
-                                      <p:cBhvr additive="base">
-                                        <p:cTn id="23" dur="500" fill="hold"/>
-                                        <p:tgtEl>
-                                          <p:spTgt spid="47"/>
-                                        </p:tgtEl>
-                                        <p:attrNameLst>
-                                          <p:attrName>ppt_y</p:attrName>
-                                        </p:attrNameLst>
-                                      </p:cBhvr>
-                                      <p:tavLst>
-                                        <p:tav tm="0">
-                                          <p:val>
-                                            <p:strVal val="#ppt_y"/>
-                                          </p:val>
-                                        </p:tav>
-                                        <p:tav tm="100000">
-                                          <p:val>
-                                            <p:strVal val="#ppt_y"/>
-                                          </p:val>
-                                        </p:tav>
-                                      </p:tavLst>
-                                    </p:anim>
-                                  </p:childTnLst>
-                                </p:cTn>
-                              </p:par>
-                            </p:childTnLst>
-                          </p:cTn>
-                        </p:par>
-                        <p:par>
-                          <p:cTn id="24" fill="hold">
-                            <p:stCondLst>
-                              <p:cond delay="500"/>
-                            </p:stCondLst>
-                            <p:childTnLst>
-                              <p:par>
-                                <p:cTn id="25" presetID="47" presetClass="entr" presetSubtype="0" fill="hold" grpId="0" nodeType="afterEffect">
-                                  <p:stCondLst>
-                                    <p:cond delay="0"/>
-                                  </p:stCondLst>
-                                  <p:childTnLst>
-                                    <p:set>
-                                      <p:cBhvr>
-                                        <p:cTn id="26" dur="1" fill="hold">
-                                          <p:stCondLst>
-                                            <p:cond delay="0"/>
-                                          </p:stCondLst>
-                                        </p:cTn>
-                                        <p:tgtEl>
-                                          <p:spTgt spid="18"/>
-                                        </p:tgtEl>
-                                        <p:attrNameLst>
-                                          <p:attrName>style.visibility</p:attrName>
-                                        </p:attrNameLst>
-                                      </p:cBhvr>
-                                      <p:to>
-                                        <p:strVal val="visible"/>
-                                      </p:to>
-                                    </p:set>
-                                    <p:animEffect transition="in" filter="fade">
-                                      <p:cBhvr>
-                                        <p:cTn id="27" dur="250"/>
-                                        <p:tgtEl>
-                                          <p:spTgt spid="18"/>
-                                        </p:tgtEl>
-                                      </p:cBhvr>
-                                    </p:animEffect>
-                                    <p:anim calcmode="lin" valueType="num">
-                                      <p:cBhvr>
-                                        <p:cTn id="28" dur="250" fill="hold"/>
-                                        <p:tgtEl>
-                                          <p:spTgt spid="18"/>
-                                        </p:tgtEl>
-                                        <p:attrNameLst>
-                                          <p:attrName>ppt_x</p:attrName>
-                                        </p:attrNameLst>
-                                      </p:cBhvr>
-                                      <p:tavLst>
-                                        <p:tav tm="0">
-                                          <p:val>
-                                            <p:strVal val="#ppt_x"/>
-                                          </p:val>
-                                        </p:tav>
-                                        <p:tav tm="100000">
-                                          <p:val>
-                                            <p:strVal val="#ppt_x"/>
-                                          </p:val>
-                                        </p:tav>
-                                      </p:tavLst>
-                                    </p:anim>
-                                    <p:anim calcmode="lin" valueType="num">
-                                      <p:cBhvr>
-                                        <p:cTn id="29" dur="250" fill="hold"/>
-                                        <p:tgtEl>
-                                          <p:spTgt spid="18"/>
-                                        </p:tgtEl>
-                                        <p:attrNameLst>
-                                          <p:attrName>ppt_y</p:attrName>
-                                        </p:attrNameLst>
-                                      </p:cBhvr>
-                                      <p:tavLst>
-                                        <p:tav tm="0">
-                                          <p:val>
-                                            <p:strVal val="#ppt_y-.1"/>
-                                          </p:val>
-                                        </p:tav>
-                                        <p:tav tm="100000">
-                                          <p:val>
-                                            <p:strVal val="#ppt_y"/>
-                                          </p:val>
-                                        </p:tav>
-                                      </p:tavLst>
-                                    </p:anim>
-                                  </p:childTnLst>
-                                </p:cTn>
-                              </p:par>
-                              <p:par>
-                                <p:cTn id="30" presetID="10" presetClass="entr" presetSubtype="0" fill="hold" grpId="0" nodeType="withEffect">
-                                  <p:stCondLst>
-                                    <p:cond delay="0"/>
-                                  </p:stCondLst>
-                                  <p:iterate type="wd">
-                                    <p:tmPct val="10000"/>
-                                  </p:iterate>
-                                  <p:childTnLst>
-                                    <p:set>
-                                      <p:cBhvr>
-                                        <p:cTn id="31" dur="1" fill="hold">
-                                          <p:stCondLst>
-                                            <p:cond delay="0"/>
-                                          </p:stCondLst>
-                                        </p:cTn>
-                                        <p:tgtEl>
-                                          <p:spTgt spid="19"/>
-                                        </p:tgtEl>
-                                        <p:attrNameLst>
-                                          <p:attrName>style.visibility</p:attrName>
-                                        </p:attrNameLst>
-                                      </p:cBhvr>
-                                      <p:to>
-                                        <p:strVal val="visible"/>
-                                      </p:to>
-                                    </p:set>
-                                    <p:animEffect transition="in" filter="fade">
-                                      <p:cBhvr>
-                                        <p:cTn id="32" dur="500"/>
-                                        <p:tgtEl>
-                                          <p:spTgt spid="19"/>
-                                        </p:tgtEl>
-                                      </p:cBhvr>
-                                    </p:animEffect>
-                                  </p:childTnLst>
-                                </p:cTn>
-                              </p:par>
-                              <p:par>
-                                <p:cTn id="33" presetID="10" presetClass="entr" presetSubtype="0" fill="hold" grpId="0" nodeType="withEffect">
-                                  <p:stCondLst>
-                                    <p:cond delay="0"/>
-                                  </p:stCondLst>
-                                  <p:iterate type="wd">
-                                    <p:tmPct val="10000"/>
-                                  </p:iterate>
-                                  <p:childTnLst>
-                                    <p:set>
-                                      <p:cBhvr>
-                                        <p:cTn id="34" dur="1" fill="hold">
-                                          <p:stCondLst>
-                                            <p:cond delay="0"/>
-                                          </p:stCondLst>
-                                        </p:cTn>
-                                        <p:tgtEl>
-                                          <p:spTgt spid="22"/>
-                                        </p:tgtEl>
-                                        <p:attrNameLst>
-                                          <p:attrName>style.visibility</p:attrName>
-                                        </p:attrNameLst>
-                                      </p:cBhvr>
-                                      <p:to>
-                                        <p:strVal val="visible"/>
-                                      </p:to>
-                                    </p:set>
-                                    <p:animEffect transition="in" filter="fade">
-                                      <p:cBhvr>
-                                        <p:cTn id="35" dur="500"/>
-                                        <p:tgtEl>
-                                          <p:spTgt spid="22"/>
-                                        </p:tgtEl>
-                                      </p:cBhvr>
-                                    </p:animEffect>
-                                  </p:childTnLst>
-                                </p:cTn>
-                              </p:par>
-                            </p:childTnLst>
-                          </p:cTn>
-                        </p:par>
-                      </p:childTnLst>
-                    </p:cTn>
-                  </p:par>
-                  <p:par>
-                    <p:cTn id="36" fill="hold">
-                      <p:stCondLst>
-                        <p:cond delay="indefinite"/>
-                      </p:stCondLst>
-                      <p:childTnLst>
-                        <p:par>
-                          <p:cTn id="37" fill="hold">
-                            <p:stCondLst>
-                              <p:cond delay="0"/>
-                            </p:stCondLst>
-                            <p:childTnLst>
-                              <p:par>
-                                <p:cTn id="38" presetID="2" presetClass="entr" presetSubtype="8" decel="100000" fill="hold" nodeType="clickEffect">
-                                  <p:stCondLst>
-                                    <p:cond delay="0"/>
-                                  </p:stCondLst>
-                                  <p:childTnLst>
-                                    <p:set>
-                                      <p:cBhvr>
-                                        <p:cTn id="39" dur="1" fill="hold">
-                                          <p:stCondLst>
-                                            <p:cond delay="0"/>
-                                          </p:stCondLst>
-                                        </p:cTn>
-                                        <p:tgtEl>
-                                          <p:spTgt spid="49"/>
-                                        </p:tgtEl>
-                                        <p:attrNameLst>
-                                          <p:attrName>style.visibility</p:attrName>
-                                        </p:attrNameLst>
-                                      </p:cBhvr>
-                                      <p:to>
-                                        <p:strVal val="visible"/>
-                                      </p:to>
-                                    </p:set>
-                                    <p:anim calcmode="lin" valueType="num">
-                                      <p:cBhvr additive="base">
-                                        <p:cTn id="40" dur="500" fill="hold"/>
-                                        <p:tgtEl>
-                                          <p:spTgt spid="49"/>
-                                        </p:tgtEl>
-                                        <p:attrNameLst>
-                                          <p:attrName>ppt_x</p:attrName>
-                                        </p:attrNameLst>
-                                      </p:cBhvr>
-                                      <p:tavLst>
-                                        <p:tav tm="0">
-                                          <p:val>
-                                            <p:strVal val="0-#ppt_w/2"/>
-                                          </p:val>
-                                        </p:tav>
-                                        <p:tav tm="100000">
-                                          <p:val>
-                                            <p:strVal val="#ppt_x"/>
-                                          </p:val>
-                                        </p:tav>
-                                      </p:tavLst>
-                                    </p:anim>
-                                    <p:anim calcmode="lin" valueType="num">
-                                      <p:cBhvr additive="base">
-                                        <p:cTn id="41" dur="500" fill="hold"/>
-                                        <p:tgtEl>
-                                          <p:spTgt spid="49"/>
-                                        </p:tgtEl>
-                                        <p:attrNameLst>
-                                          <p:attrName>ppt_y</p:attrName>
-                                        </p:attrNameLst>
-                                      </p:cBhvr>
-                                      <p:tavLst>
-                                        <p:tav tm="0">
-                                          <p:val>
-                                            <p:strVal val="#ppt_y"/>
-                                          </p:val>
-                                        </p:tav>
-                                        <p:tav tm="100000">
-                                          <p:val>
-                                            <p:strVal val="#ppt_y"/>
-                                          </p:val>
-                                        </p:tav>
-                                      </p:tavLst>
-                                    </p:anim>
-                                  </p:childTnLst>
-                                </p:cTn>
-                              </p:par>
-                            </p:childTnLst>
-                          </p:cTn>
-                        </p:par>
-                        <p:par>
-                          <p:cTn id="42" fill="hold">
-                            <p:stCondLst>
-                              <p:cond delay="500"/>
-                            </p:stCondLst>
-                            <p:childTnLst>
-                              <p:par>
-                                <p:cTn id="43" presetID="47" presetClass="entr" presetSubtype="0" fill="hold" grpId="0" nodeType="afterEffect">
-                                  <p:stCondLst>
-                                    <p:cond delay="0"/>
-                                  </p:stCondLst>
-                                  <p:childTnLst>
-                                    <p:set>
-                                      <p:cBhvr>
-                                        <p:cTn id="44" dur="1" fill="hold">
-                                          <p:stCondLst>
-                                            <p:cond delay="0"/>
-                                          </p:stCondLst>
-                                        </p:cTn>
-                                        <p:tgtEl>
-                                          <p:spTgt spid="24"/>
-                                        </p:tgtEl>
-                                        <p:attrNameLst>
-                                          <p:attrName>style.visibility</p:attrName>
-                                        </p:attrNameLst>
-                                      </p:cBhvr>
-                                      <p:to>
-                                        <p:strVal val="visible"/>
-                                      </p:to>
-                                    </p:set>
-                                    <p:animEffect transition="in" filter="fade">
-                                      <p:cBhvr>
-                                        <p:cTn id="45" dur="250"/>
-                                        <p:tgtEl>
-                                          <p:spTgt spid="24"/>
-                                        </p:tgtEl>
-                                      </p:cBhvr>
-                                    </p:animEffect>
-                                    <p:anim calcmode="lin" valueType="num">
-                                      <p:cBhvr>
-                                        <p:cTn id="46" dur="250" fill="hold"/>
-                                        <p:tgtEl>
-                                          <p:spTgt spid="24"/>
-                                        </p:tgtEl>
-                                        <p:attrNameLst>
-                                          <p:attrName>ppt_x</p:attrName>
-                                        </p:attrNameLst>
-                                      </p:cBhvr>
-                                      <p:tavLst>
-                                        <p:tav tm="0">
-                                          <p:val>
-                                            <p:strVal val="#ppt_x"/>
-                                          </p:val>
-                                        </p:tav>
-                                        <p:tav tm="100000">
-                                          <p:val>
-                                            <p:strVal val="#ppt_x"/>
-                                          </p:val>
-                                        </p:tav>
-                                      </p:tavLst>
-                                    </p:anim>
-                                    <p:anim calcmode="lin" valueType="num">
-                                      <p:cBhvr>
-                                        <p:cTn id="47" dur="250" fill="hold"/>
-                                        <p:tgtEl>
-                                          <p:spTgt spid="24"/>
-                                        </p:tgtEl>
-                                        <p:attrNameLst>
-                                          <p:attrName>ppt_y</p:attrName>
-                                        </p:attrNameLst>
-                                      </p:cBhvr>
-                                      <p:tavLst>
-                                        <p:tav tm="0">
-                                          <p:val>
-                                            <p:strVal val="#ppt_y-.1"/>
-                                          </p:val>
-                                        </p:tav>
-                                        <p:tav tm="100000">
-                                          <p:val>
-                                            <p:strVal val="#ppt_y"/>
-                                          </p:val>
-                                        </p:tav>
-                                      </p:tavLst>
-                                    </p:anim>
-                                  </p:childTnLst>
-                                </p:cTn>
-                              </p:par>
-                            </p:childTnLst>
-                          </p:cTn>
-                        </p:par>
-                      </p:childTnLst>
-                    </p:cTn>
-                  </p:par>
-                </p:childTnLst>
-              </p:cTn>
-              <p:prevCondLst>
-                <p:cond evt="onPrev" delay="0">
-                  <p:tgtEl>
-                    <p:sldTgt/>
-                  </p:tgtEl>
-                </p:cond>
-              </p:prevCondLst>
-              <p:nextCondLst>
-                <p:cond evt="onNext" delay="0">
-                  <p:tgtEl>
-                    <p:sldTgt/>
-                  </p:tgtEl>
-                </p:cond>
-              </p:nextCondLst>
-            </p:seq>
-          </p:childTnLst>
-        </p:cTn>
+        <p:cTn id="1" dur="indefinite" restart="never" nodeType="tmRoot"/>
       </p:par>
     </p:tnLst>
-    <p:bldLst>
-      <p:bldP spid="13" grpId="0"/>
-      <p:bldP spid="14" grpId="0"/>
-      <p:bldP spid="18" grpId="0"/>
-      <p:bldP spid="19" grpId="0"/>
-      <p:bldP spid="22" grpId="0"/>
-      <p:bldP spid="24" grpId="0"/>
-    </p:bldLst>
   </p:timing>
 </p:sld>
 </file>
@@ -26234,30 +26470,15 @@
                 </a:lnSpc>
               </a:pPr>
               <a:r>
-                <a:rPr lang="en-US" altLang="zh-CN" dirty="0">
-                  <a:solidFill>
-                    <a:schemeClr val="bg2"/>
-                  </a:solidFill>
-                  <a:latin typeface="+mj-ea"/>
-                </a:rPr>
+                <a:rPr lang="en-US" altLang="zh-CN" b="1" dirty="0"/>
                 <a:t>Volume plugin</a:t>
               </a:r>
               <a:r>
-                <a:rPr lang="zh-CN" altLang="en-US" dirty="0">
-                  <a:solidFill>
-                    <a:schemeClr val="bg2"/>
-                  </a:solidFill>
-                  <a:latin typeface="+mj-ea"/>
-                </a:rPr>
+                <a:rPr lang="zh-CN" altLang="en-US" b="1" dirty="0"/>
                 <a:t> 简介</a:t>
               </a:r>
               <a:r>
-                <a:rPr lang="en-US" altLang="zh-CN" dirty="0">
-                  <a:solidFill>
-                    <a:schemeClr val="bg2"/>
-                  </a:solidFill>
-                  <a:latin typeface="+mj-ea"/>
-                </a:rPr>
+                <a:rPr lang="en-US" altLang="zh-CN" b="1" dirty="0"/>
                 <a:t> </a:t>
               </a:r>
             </a:p>
@@ -26605,8 +26826,18 @@
                 <a:solidFill>
                   <a:schemeClr val="bg2"/>
                 </a:solidFill>
-              </a:rPr>
-              <a:t>https://docs.docker.com/engine/extend/legacy_plugins/</a:t>
+                <a:latin typeface="Cambria Math" panose="02040503050406030204" pitchFamily="18" charset="0"/>
+                <a:ea typeface="Cambria Math" panose="02040503050406030204" pitchFamily="18" charset="0"/>
+              </a:rPr>
+              <a:t>https://docs.docker.com/engine/extend/legacy_plugins</a:t>
+            </a:r>
+            <a:r>
+              <a:rPr lang="en-US" altLang="zh-CN" dirty="0">
+                <a:solidFill>
+                  <a:schemeClr val="bg2"/>
+                </a:solidFill>
+              </a:rPr>
+              <a:t>/</a:t>
             </a:r>
             <a:endParaRPr lang="zh-CN" altLang="en-US" dirty="0">
               <a:solidFill>
@@ -26626,18 +26857,9 @@
   <p:clrMapOvr>
     <a:masterClrMapping/>
   </p:clrMapOvr>
-  <mc:AlternateContent xmlns:mc="http://schemas.openxmlformats.org/markup-compatibility/2006">
-    <mc:Choice xmlns="" xmlns:p15="http://schemas.microsoft.com/office/powerpoint/2012/main" Requires="p15">
-      <p:transition spd="slow">
-        <p15:prstTrans prst="pageCurlDouble"/>
-      </p:transition>
-    </mc:Choice>
-    <mc:Fallback>
-      <p:transition spd="slow">
-        <p:fade/>
-      </p:transition>
-    </mc:Fallback>
-  </mc:AlternateContent>
+  <p:transition spd="slow">
+    <p:push/>
+  </p:transition>
   <p:timing>
     <p:tnLst>
       <p:par>
@@ -26887,7 +27109,7 @@
           <p:spPr>
             <a:xfrm>
               <a:off x="795224" y="378662"/>
-              <a:ext cx="3054246" cy="461665"/>
+              <a:ext cx="3054246" cy="504369"/>
             </a:xfrm>
             <a:prstGeom prst="rect">
               <a:avLst/>
@@ -26913,16 +27135,23 @@
               </a:lvl1pPr>
             </a:lstStyle>
             <a:p>
-              <a:pPr algn="l"/>
+              <a:pPr algn="l">
+                <a:lnSpc>
+                  <a:spcPct val="130000"/>
+                </a:lnSpc>
+              </a:pPr>
               <a:r>
-                <a:rPr lang="en-US" altLang="zh-CN" dirty="0" smtClean="0"/>
+                <a:rPr lang="en-US" altLang="zh-CN" b="1" dirty="0">
+                  <a:latin typeface="+mn-ea"/>
+                </a:rPr>
                 <a:t>Docker</a:t>
               </a:r>
               <a:r>
-                <a:rPr lang="zh-CN" altLang="en-US" dirty="0" smtClean="0"/>
+                <a:rPr lang="zh-CN" altLang="en-US" b="1" dirty="0">
+                  <a:latin typeface="+mn-ea"/>
+                </a:rPr>
                 <a:t>存储方式</a:t>
               </a:r>
-              <a:endParaRPr lang="zh-CN" altLang="en-US" dirty="0"/>
             </a:p>
           </p:txBody>
         </p:sp>
@@ -26967,22 +27196,8 @@
                 </a:lnSpc>
               </a:pPr>
               <a:r>
-                <a:rPr lang="en-US" altLang="zh-CN" dirty="0" smtClean="0">
-                  <a:solidFill>
-                    <a:schemeClr val="bg2"/>
-                  </a:solidFill>
-                  <a:latin typeface="+mj-ea"/>
-                </a:rPr>
-                <a:t>Container </a:t>
-              </a:r>
-              <a:r>
-                <a:rPr lang="en-US" altLang="zh-CN" dirty="0">
-                  <a:solidFill>
-                    <a:schemeClr val="bg2"/>
-                  </a:solidFill>
-                  <a:latin typeface="+mj-ea"/>
-                </a:rPr>
-                <a:t>and Volume </a:t>
+                <a:rPr lang="en-US" altLang="zh-CN" b="1" dirty="0"/>
+                <a:t>Container and Volume </a:t>
               </a:r>
             </a:p>
           </p:txBody>
@@ -27373,18 +27588,9 @@
   <p:clrMapOvr>
     <a:masterClrMapping/>
   </p:clrMapOvr>
-  <mc:AlternateContent xmlns:mc="http://schemas.openxmlformats.org/markup-compatibility/2006">
-    <mc:Choice xmlns="" xmlns:p15="http://schemas.microsoft.com/office/powerpoint/2012/main" Requires="p15">
-      <p:transition spd="slow">
-        <p15:prstTrans prst="pageCurlDouble"/>
-      </p:transition>
-    </mc:Choice>
-    <mc:Fallback>
-      <p:transition spd="slow">
-        <p:fade/>
-      </p:transition>
-    </mc:Fallback>
-  </mc:AlternateContent>
+  <p:transition spd="slow">
+    <p:push/>
+  </p:transition>
   <p:timing>
     <p:tnLst>
       <p:par>
@@ -28246,7 +28452,7 @@
                                 </p:cTn>
                               </p:par>
                               <p:par>
-                                <p:cTn id="9" presetID="47" presetClass="entr" presetSubtype="0" fill="hold" grpId="0" nodeType="withEffect">
+                                <p:cTn id="9" presetID="10" presetClass="entr" presetSubtype="0" fill="hold" grpId="0" nodeType="withEffect">
                                   <p:stCondLst>
                                     <p:cond delay="0"/>
                                   </p:stCondLst>
@@ -28271,73 +28477,24 @@
                                     </p:set>
                                     <p:animEffect transition="in" filter="fade">
                                       <p:cBhvr>
-                                        <p:cTn id="11" dur="250"/>
+                                        <p:cTn id="11" dur="500"/>
                                         <p:tgtEl>
                                           <p:spTgt spid="18"/>
                                         </p:tgtEl>
                                       </p:cBhvr>
                                     </p:animEffect>
-                                    <p:anim calcmode="lin" valueType="num">
-                                      <p:cBhvr>
-                                        <p:cTn id="12" dur="250" fill="hold"/>
-                                        <p:tgtEl>
-                                          <p:spTgt spid="18"/>
-                                        </p:tgtEl>
-                                        <p:attrNameLst>
-                                          <p:attrName>ppt_x</p:attrName>
-                                        </p:attrNameLst>
-                                      </p:cBhvr>
-                                      <p:tavLst>
-                                        <p:tav tm="0">
-                                          <p:val>
-                                            <p:strVal val="#ppt_x"/>
-                                          </p:val>
-                                        </p:tav>
-                                        <p:tav tm="100000">
-                                          <p:val>
-                                            <p:strVal val="#ppt_x"/>
-                                          </p:val>
-                                        </p:tav>
-                                      </p:tavLst>
-                                    </p:anim>
-                                    <p:anim calcmode="lin" valueType="num">
-                                      <p:cBhvr>
-                                        <p:cTn id="13" dur="250" fill="hold"/>
-                                        <p:tgtEl>
-                                          <p:spTgt spid="18"/>
-                                        </p:tgtEl>
-                                        <p:attrNameLst>
-                                          <p:attrName>ppt_y</p:attrName>
-                                        </p:attrNameLst>
-                                      </p:cBhvr>
-                                      <p:tavLst>
-                                        <p:tav tm="0">
-                                          <p:val>
-                                            <p:strVal val="#ppt_y-.1"/>
-                                          </p:val>
-                                        </p:tav>
-                                        <p:tav tm="100000">
-                                          <p:val>
-                                            <p:strVal val="#ppt_y"/>
-                                          </p:val>
-                                        </p:tav>
-                                      </p:tavLst>
-                                    </p:anim>
                                   </p:childTnLst>
                                 </p:cTn>
                               </p:par>
                               <p:par>
-                                <p:cTn id="14" presetID="10" presetClass="entr" presetSubtype="0" fill="hold" grpId="0" nodeType="withEffect">
+                                <p:cTn id="12" presetID="10" presetClass="entr" presetSubtype="0" fill="hold" grpId="0" nodeType="withEffect">
                                   <p:stCondLst>
                                     <p:cond delay="0"/>
                                   </p:stCondLst>
-                                  <p:iterate type="wd">
-                                    <p:tmPct val="10000"/>
-                                  </p:iterate>
                                   <p:childTnLst>
                                     <p:set>
                                       <p:cBhvr>
-                                        <p:cTn id="15" dur="1" fill="hold">
+                                        <p:cTn id="13" dur="1" fill="hold">
                                           <p:stCondLst>
                                             <p:cond delay="0"/>
                                           </p:stCondLst>
@@ -28355,7 +28512,7 @@
                                     </p:set>
                                     <p:animEffect transition="in" filter="fade">
                                       <p:cBhvr>
-                                        <p:cTn id="16" dur="500"/>
+                                        <p:cTn id="14" dur="500"/>
                                         <p:tgtEl>
                                           <p:spTgt spid="19"/>
                                         </p:tgtEl>
@@ -28686,7 +28843,7 @@
           <p:spPr>
             <a:xfrm>
               <a:off x="795224" y="378662"/>
-              <a:ext cx="3680870" cy="572464"/>
+              <a:ext cx="3680870" cy="504369"/>
             </a:xfrm>
             <a:prstGeom prst="rect">
               <a:avLst/>
@@ -28718,13 +28875,13 @@
                 </a:lnSpc>
               </a:pPr>
               <a:r>
-                <a:rPr lang="en-US" altLang="zh-CN" dirty="0">
+                <a:rPr lang="en-US" altLang="zh-CN" b="1" dirty="0">
                   <a:latin typeface="+mn-ea"/>
                 </a:rPr>
                 <a:t>Docker volume </a:t>
               </a:r>
               <a:r>
-                <a:rPr lang="zh-CN" altLang="en-US" dirty="0">
+                <a:rPr lang="zh-CN" altLang="en-US" b="1" dirty="0">
                   <a:latin typeface="+mn-ea"/>
                 </a:rPr>
                 <a:t>基本命令</a:t>
@@ -28769,10 +28926,10 @@
             <a:p>
               <a:pPr algn="l"/>
               <a:r>
-                <a:rPr lang="en-US" altLang="zh-CN" dirty="0" smtClean="0"/>
-                <a:t>Create</a:t>
+                <a:rPr lang="en-US" altLang="zh-CN" b="1" dirty="0" smtClean="0"/>
+                <a:t>Docker volume create</a:t>
               </a:r>
-              <a:endParaRPr lang="zh-CN" altLang="en-US" dirty="0"/>
+              <a:endParaRPr lang="zh-CN" altLang="en-US" b="1" dirty="0"/>
             </a:p>
           </p:txBody>
         </p:sp>
@@ -28910,7 +29067,7 @@
           </a:p>
           <a:p>
             <a:r>
-              <a:rPr lang="en-US" altLang="zh-CN" sz="2000" dirty="0" err="1" smtClean="0">
+              <a:rPr lang="en-US" altLang="zh-CN" sz="2000" b="1" dirty="0" err="1" smtClean="0">
                 <a:solidFill>
                   <a:schemeClr val="bg2"/>
                 </a:solidFill>
@@ -28920,7 +29077,7 @@
               <a:t>docker</a:t>
             </a:r>
             <a:r>
-              <a:rPr lang="en-US" altLang="zh-CN" sz="2000" dirty="0" smtClean="0">
+              <a:rPr lang="en-US" altLang="zh-CN" sz="2000" b="1" dirty="0" smtClean="0">
                 <a:solidFill>
                   <a:schemeClr val="bg2"/>
                 </a:solidFill>
@@ -28929,7 +29086,7 @@
               </a:rPr>
               <a:t> volume create [OPTIONS] [VOLUME]</a:t>
             </a:r>
-            <a:endParaRPr lang="zh-CN" altLang="en-US" sz="2000" dirty="0">
+            <a:endParaRPr lang="zh-CN" altLang="en-US" sz="2000" b="1" dirty="0">
               <a:solidFill>
                 <a:schemeClr val="bg2"/>
               </a:solidFill>
@@ -28947,7 +29104,7 @@
           <p:nvPr>
             <p:extLst>
               <p:ext uri="{D42A27DB-BD31-4B8C-83A1-F6EECF244321}">
-                <p14:modId xmlns:p14="http://schemas.microsoft.com/office/powerpoint/2010/main" val="2555352609"/>
+                <p14:modId xmlns:p14="http://schemas.microsoft.com/office/powerpoint/2010/main" val="2329413044"/>
               </p:ext>
             </p:extLst>
           </p:nvPr>
@@ -28960,12 +29117,12 @@
           <a:graphicData uri="http://schemas.openxmlformats.org/presentationml/2006/ole">
             <mc:AlternateContent xmlns:mc="http://schemas.openxmlformats.org/markup-compatibility/2006">
               <mc:Choice xmlns:v="urn:schemas-microsoft-com:vml" Requires="v">
-                <p:oleObj spid="_x0000_s2065" name="文档" r:id="rId3" imgW="6505873" imgH="2232805" progId="Word.Document.12">
+                <p:oleObj spid="_x0000_s2080" name="文档" r:id="rId4" imgW="6505873" imgH="2234607" progId="Word.Document.12">
                   <p:embed/>
                 </p:oleObj>
               </mc:Choice>
               <mc:Fallback>
-                <p:oleObj name="文档" r:id="rId3" imgW="6505873" imgH="2232805" progId="Word.Document.12">
+                <p:oleObj name="文档" r:id="rId4" imgW="6505873" imgH="2234607" progId="Word.Document.12">
                   <p:embed/>
                   <p:pic>
                     <p:nvPicPr>
@@ -28974,7 +29131,7 @@
                       <p:nvPr/>
                     </p:nvPicPr>
                     <p:blipFill>
-                      <a:blip r:embed="rId4"/>
+                      <a:blip r:embed="rId5"/>
                       <a:stretch>
                         <a:fillRect/>
                       </a:stretch>
@@ -29280,14 +29437,24 @@
           </a:p>
           <a:p>
             <a:r>
-              <a:rPr lang="en-US" altLang="zh-CN" dirty="0" smtClean="0">
+              <a:rPr lang="en-US" altLang="zh-CN" dirty="0">
                 <a:solidFill>
                   <a:schemeClr val="bg2"/>
                 </a:solidFill>
                 <a:latin typeface="Cambria Math" panose="02040503050406030204" pitchFamily="18" charset="0"/>
                 <a:ea typeface="Cambria Math" panose="02040503050406030204" pitchFamily="18" charset="0"/>
               </a:rPr>
-              <a:t>Foo</a:t>
+              <a:t>f</a:t>
+            </a:r>
+            <a:r>
+              <a:rPr lang="en-US" altLang="zh-CN" dirty="0" smtClean="0">
+                <a:solidFill>
+                  <a:schemeClr val="bg2"/>
+                </a:solidFill>
+                <a:latin typeface="Cambria Math" panose="02040503050406030204" pitchFamily="18" charset="0"/>
+                <a:ea typeface="Cambria Math" panose="02040503050406030204" pitchFamily="18" charset="0"/>
+              </a:rPr>
+              <a:t>oo</a:t>
             </a:r>
           </a:p>
           <a:p>
@@ -29474,7 +29641,7 @@
                 <a:latin typeface="Cambria Math" panose="02040503050406030204" pitchFamily="18" charset="0"/>
                 <a:ea typeface="Cambria Math" panose="02040503050406030204" pitchFamily="18" charset="0"/>
               </a:rPr>
-              <a:t>Foo</a:t>
+              <a:t>foo</a:t>
             </a:r>
           </a:p>
           <a:p>
